--- a/docs/assets/ppt/插图.pptx
+++ b/docs/assets/ppt/插图.pptx
@@ -5,7 +5,7 @@
     <p:sldMasterId id="2147483648" r:id="rId1"/>
   </p:sldMasterIdLst>
   <p:notesMasterIdLst>
-    <p:notesMasterId r:id="rId7"/>
+    <p:notesMasterId r:id="rId8"/>
   </p:notesMasterIdLst>
   <p:sldIdLst>
     <p:sldId id="287" r:id="rId2"/>
@@ -13,6 +13,7 @@
     <p:sldId id="289" r:id="rId4"/>
     <p:sldId id="290" r:id="rId5"/>
     <p:sldId id="292" r:id="rId6"/>
+    <p:sldId id="293" r:id="rId7"/>
   </p:sldIdLst>
   <p:sldSz cx="5040313" cy="3600450"/>
   <p:notesSz cx="6858000" cy="9144000"/>
@@ -125,6 +126,7 @@
             <p14:sldId id="289"/>
             <p14:sldId id="290"/>
             <p14:sldId id="292"/>
+            <p14:sldId id="293"/>
           </p14:sldIdLst>
         </p14:section>
       </p14:sectionLst>
@@ -230,7 +232,7 @@
           <a:p>
             <a:fld id="{E47FC481-15AF-45CA-8376-B9BCE636A15E}" type="datetimeFigureOut">
               <a:rPr lang="zh-CN" altLang="en-US" smtClean="0"/>
-              <a:t>2021/5/30</a:t>
+              <a:t>2021/06/02</a:t>
             </a:fld>
             <a:endParaRPr lang="zh-CN" altLang="en-US"/>
           </a:p>
@@ -640,7 +642,7 @@
           <a:p>
             <a:fld id="{DCD554A7-7CC4-40A9-A60E-4E72AAE3CDC5}" type="datetimeFigureOut">
               <a:rPr lang="zh-CN" altLang="en-US" smtClean="0"/>
-              <a:t>2021/5/30</a:t>
+              <a:t>2021/06/02</a:t>
             </a:fld>
             <a:endParaRPr lang="zh-CN" altLang="en-US"/>
           </a:p>
@@ -848,7 +850,7 @@
           <a:p>
             <a:fld id="{DCD554A7-7CC4-40A9-A60E-4E72AAE3CDC5}" type="datetimeFigureOut">
               <a:rPr lang="zh-CN" altLang="en-US" smtClean="0"/>
-              <a:t>2021/5/30</a:t>
+              <a:t>2021/06/02</a:t>
             </a:fld>
             <a:endParaRPr lang="zh-CN" altLang="en-US"/>
           </a:p>
@@ -1056,7 +1058,7 @@
           <a:p>
             <a:fld id="{DCD554A7-7CC4-40A9-A60E-4E72AAE3CDC5}" type="datetimeFigureOut">
               <a:rPr lang="zh-CN" altLang="en-US" smtClean="0"/>
-              <a:t>2021/5/30</a:t>
+              <a:t>2021/06/02</a:t>
             </a:fld>
             <a:endParaRPr lang="zh-CN" altLang="en-US"/>
           </a:p>
@@ -1264,7 +1266,7 @@
           <a:p>
             <a:fld id="{DCD554A7-7CC4-40A9-A60E-4E72AAE3CDC5}" type="datetimeFigureOut">
               <a:rPr lang="zh-CN" altLang="en-US" smtClean="0"/>
-              <a:t>2021/5/30</a:t>
+              <a:t>2021/06/02</a:t>
             </a:fld>
             <a:endParaRPr lang="zh-CN" altLang="en-US"/>
           </a:p>
@@ -1539,7 +1541,7 @@
           <a:p>
             <a:fld id="{DCD554A7-7CC4-40A9-A60E-4E72AAE3CDC5}" type="datetimeFigureOut">
               <a:rPr lang="zh-CN" altLang="en-US" smtClean="0"/>
-              <a:t>2021/5/30</a:t>
+              <a:t>2021/06/02</a:t>
             </a:fld>
             <a:endParaRPr lang="zh-CN" altLang="en-US"/>
           </a:p>
@@ -1806,7 +1808,7 @@
           <a:p>
             <a:fld id="{DCD554A7-7CC4-40A9-A60E-4E72AAE3CDC5}" type="datetimeFigureOut">
               <a:rPr lang="zh-CN" altLang="en-US" smtClean="0"/>
-              <a:t>2021/5/30</a:t>
+              <a:t>2021/06/02</a:t>
             </a:fld>
             <a:endParaRPr lang="zh-CN" altLang="en-US"/>
           </a:p>
@@ -2209,7 +2211,7 @@
           <a:p>
             <a:fld id="{DCD554A7-7CC4-40A9-A60E-4E72AAE3CDC5}" type="datetimeFigureOut">
               <a:rPr lang="zh-CN" altLang="en-US" smtClean="0"/>
-              <a:t>2021/5/30</a:t>
+              <a:t>2021/06/02</a:t>
             </a:fld>
             <a:endParaRPr lang="zh-CN" altLang="en-US"/>
           </a:p>
@@ -2358,7 +2360,7 @@
           <a:p>
             <a:fld id="{DCD554A7-7CC4-40A9-A60E-4E72AAE3CDC5}" type="datetimeFigureOut">
               <a:rPr lang="zh-CN" altLang="en-US" smtClean="0"/>
-              <a:t>2021/5/30</a:t>
+              <a:t>2021/06/02</a:t>
             </a:fld>
             <a:endParaRPr lang="zh-CN" altLang="en-US"/>
           </a:p>
@@ -2477,7 +2479,7 @@
           <a:p>
             <a:fld id="{DCD554A7-7CC4-40A9-A60E-4E72AAE3CDC5}" type="datetimeFigureOut">
               <a:rPr lang="zh-CN" altLang="en-US" smtClean="0"/>
-              <a:t>2021/5/30</a:t>
+              <a:t>2021/06/02</a:t>
             </a:fld>
             <a:endParaRPr lang="zh-CN" altLang="en-US"/>
           </a:p>
@@ -2785,7 +2787,7 @@
           <a:p>
             <a:fld id="{DCD554A7-7CC4-40A9-A60E-4E72AAE3CDC5}" type="datetimeFigureOut">
               <a:rPr lang="zh-CN" altLang="en-US" smtClean="0"/>
-              <a:t>2021/5/30</a:t>
+              <a:t>2021/06/02</a:t>
             </a:fld>
             <a:endParaRPr lang="zh-CN" altLang="en-US"/>
           </a:p>
@@ -3070,7 +3072,7 @@
           <a:p>
             <a:fld id="{DCD554A7-7CC4-40A9-A60E-4E72AAE3CDC5}" type="datetimeFigureOut">
               <a:rPr lang="zh-CN" altLang="en-US" smtClean="0"/>
-              <a:t>2021/5/30</a:t>
+              <a:t>2021/06/02</a:t>
             </a:fld>
             <a:endParaRPr lang="zh-CN" altLang="en-US"/>
           </a:p>
@@ -16440,6 +16442,1556 @@
     <p:extLst>
       <p:ext uri="{BB962C8B-B14F-4D97-AF65-F5344CB8AC3E}">
         <p14:creationId xmlns:p14="http://schemas.microsoft.com/office/powerpoint/2010/main" val="2752066269"/>
+      </p:ext>
+    </p:extLst>
+  </p:cSld>
+  <p:clrMapOvr>
+    <a:masterClrMapping/>
+  </p:clrMapOvr>
+</p:sld>
+</file>
+
+<file path=ppt/slides/slide6.xml><?xml version="1.0" encoding="utf-8"?>
+<p:sld xmlns:a="http://schemas.openxmlformats.org/drawingml/2006/main" xmlns:r="http://schemas.openxmlformats.org/officeDocument/2006/relationships" xmlns:p="http://schemas.openxmlformats.org/presentationml/2006/main">
+  <p:cSld>
+    <p:spTree>
+      <p:nvGrpSpPr>
+        <p:cNvPr id="1" name=""/>
+        <p:cNvGrpSpPr/>
+        <p:nvPr/>
+      </p:nvGrpSpPr>
+      <p:grpSpPr>
+        <a:xfrm>
+          <a:off x="0" y="0"/>
+          <a:ext cx="0" cy="0"/>
+          <a:chOff x="0" y="0"/>
+          <a:chExt cx="0" cy="0"/>
+        </a:xfrm>
+      </p:grpSpPr>
+      <p:sp>
+        <p:nvSpPr>
+          <p:cNvPr id="2" name="圆角矩形 1"/>
+          <p:cNvSpPr/>
+          <p:nvPr/>
+        </p:nvSpPr>
+        <p:spPr>
+          <a:xfrm>
+            <a:off x="481644" y="538255"/>
+            <a:ext cx="604843" cy="471488"/>
+          </a:xfrm>
+          <a:prstGeom prst="roundRect">
+            <a:avLst>
+              <a:gd name="adj" fmla="val 8543"/>
+            </a:avLst>
+          </a:prstGeom>
+          <a:solidFill>
+            <a:srgbClr val="006666"/>
+          </a:solidFill>
+          <a:ln>
+            <a:noFill/>
+          </a:ln>
+        </p:spPr>
+        <p:style>
+          <a:lnRef idx="2">
+            <a:schemeClr val="accent1">
+              <a:shade val="50000"/>
+            </a:schemeClr>
+          </a:lnRef>
+          <a:fillRef idx="1">
+            <a:schemeClr val="accent1"/>
+          </a:fillRef>
+          <a:effectRef idx="0">
+            <a:schemeClr val="accent1"/>
+          </a:effectRef>
+          <a:fontRef idx="minor">
+            <a:schemeClr val="lt1"/>
+          </a:fontRef>
+        </p:style>
+        <p:txBody>
+          <a:bodyPr rtlCol="0" anchor="ctr"/>
+          <a:lstStyle/>
+          <a:p>
+            <a:pPr algn="ctr"/>
+            <a:r>
+              <a:rPr lang="zh-CN" altLang="en-US" sz="900">
+                <a:solidFill>
+                  <a:schemeClr val="bg1"/>
+                </a:solidFill>
+                <a:latin typeface="+mj-ea"/>
+                <a:ea typeface="+mj-ea"/>
+              </a:rPr>
+              <a:t>获取</a:t>
+            </a:r>
+            <a:endParaRPr lang="en-US" altLang="zh-CN" sz="900">
+              <a:solidFill>
+                <a:schemeClr val="bg1"/>
+              </a:solidFill>
+              <a:latin typeface="+mj-ea"/>
+              <a:ea typeface="+mj-ea"/>
+            </a:endParaRPr>
+          </a:p>
+          <a:p>
+            <a:pPr algn="ctr"/>
+            <a:endParaRPr lang="en-US" altLang="zh-CN" sz="900">
+              <a:solidFill>
+                <a:schemeClr val="bg1"/>
+              </a:solidFill>
+              <a:latin typeface="+mj-ea"/>
+              <a:ea typeface="+mj-ea"/>
+            </a:endParaRPr>
+          </a:p>
+          <a:p>
+            <a:pPr algn="ctr"/>
+            <a:endParaRPr lang="en-US" altLang="zh-CN" sz="900">
+              <a:solidFill>
+                <a:schemeClr val="bg1"/>
+              </a:solidFill>
+              <a:latin typeface="+mj-ea"/>
+              <a:ea typeface="+mj-ea"/>
+            </a:endParaRPr>
+          </a:p>
+        </p:txBody>
+      </p:sp>
+      <p:sp>
+        <p:nvSpPr>
+          <p:cNvPr id="3" name="文本框 2"/>
+          <p:cNvSpPr txBox="1"/>
+          <p:nvPr/>
+        </p:nvSpPr>
+        <p:spPr>
+          <a:xfrm>
+            <a:off x="481645" y="755315"/>
+            <a:ext cx="604842" cy="238848"/>
+          </a:xfrm>
+          <a:prstGeom prst="rect">
+            <a:avLst/>
+          </a:prstGeom>
+          <a:noFill/>
+        </p:spPr>
+        <p:txBody>
+          <a:bodyPr wrap="square" rtlCol="0">
+            <a:spAutoFit/>
+          </a:bodyPr>
+          <a:lstStyle/>
+          <a:p>
+            <a:pPr algn="ctr"/>
+            <a:r>
+              <a:rPr lang="en-US" altLang="zh-CN">
+                <a:solidFill>
+                  <a:schemeClr val="bg1"/>
+                </a:solidFill>
+                <a:latin typeface="Agency FB" panose="020B0503020202020204" pitchFamily="34" charset="0"/>
+              </a:rPr>
+              <a:t>Get</a:t>
+            </a:r>
+            <a:endParaRPr lang="zh-CN" altLang="en-US">
+              <a:solidFill>
+                <a:schemeClr val="bg1"/>
+              </a:solidFill>
+              <a:latin typeface="Agency FB" panose="020B0503020202020204" pitchFamily="34" charset="0"/>
+            </a:endParaRPr>
+          </a:p>
+        </p:txBody>
+      </p:sp>
+      <p:sp>
+        <p:nvSpPr>
+          <p:cNvPr id="4" name="圆角矩形 3"/>
+          <p:cNvSpPr/>
+          <p:nvPr/>
+        </p:nvSpPr>
+        <p:spPr>
+          <a:xfrm>
+            <a:off x="1463603" y="538255"/>
+            <a:ext cx="604843" cy="471488"/>
+          </a:xfrm>
+          <a:prstGeom prst="roundRect">
+            <a:avLst>
+              <a:gd name="adj" fmla="val 8543"/>
+            </a:avLst>
+          </a:prstGeom>
+          <a:solidFill>
+            <a:srgbClr val="006666"/>
+          </a:solidFill>
+          <a:ln>
+            <a:noFill/>
+          </a:ln>
+        </p:spPr>
+        <p:style>
+          <a:lnRef idx="2">
+            <a:schemeClr val="accent1">
+              <a:shade val="50000"/>
+            </a:schemeClr>
+          </a:lnRef>
+          <a:fillRef idx="1">
+            <a:schemeClr val="accent1"/>
+          </a:fillRef>
+          <a:effectRef idx="0">
+            <a:schemeClr val="accent1"/>
+          </a:effectRef>
+          <a:fontRef idx="minor">
+            <a:schemeClr val="lt1"/>
+          </a:fontRef>
+        </p:style>
+        <p:txBody>
+          <a:bodyPr rtlCol="0" anchor="ctr"/>
+          <a:lstStyle/>
+          <a:p>
+            <a:pPr algn="ctr"/>
+            <a:r>
+              <a:rPr lang="zh-CN" altLang="en-US" sz="900">
+                <a:solidFill>
+                  <a:schemeClr val="bg1"/>
+                </a:solidFill>
+                <a:latin typeface="+mj-ea"/>
+                <a:ea typeface="+mj-ea"/>
+              </a:rPr>
+              <a:t>单例</a:t>
+            </a:r>
+            <a:endParaRPr lang="en-US" altLang="zh-CN" sz="900">
+              <a:solidFill>
+                <a:schemeClr val="bg1"/>
+              </a:solidFill>
+              <a:latin typeface="+mj-ea"/>
+              <a:ea typeface="+mj-ea"/>
+            </a:endParaRPr>
+          </a:p>
+          <a:p>
+            <a:pPr algn="ctr"/>
+            <a:endParaRPr lang="en-US" altLang="zh-CN" sz="900">
+              <a:solidFill>
+                <a:schemeClr val="bg1"/>
+              </a:solidFill>
+              <a:latin typeface="+mj-ea"/>
+              <a:ea typeface="+mj-ea"/>
+            </a:endParaRPr>
+          </a:p>
+          <a:p>
+            <a:pPr algn="ctr"/>
+            <a:endParaRPr lang="en-US" altLang="zh-CN" sz="900">
+              <a:solidFill>
+                <a:schemeClr val="bg1"/>
+              </a:solidFill>
+              <a:latin typeface="+mj-ea"/>
+              <a:ea typeface="+mj-ea"/>
+            </a:endParaRPr>
+          </a:p>
+        </p:txBody>
+      </p:sp>
+      <p:sp>
+        <p:nvSpPr>
+          <p:cNvPr id="5" name="文本框 4"/>
+          <p:cNvSpPr txBox="1"/>
+          <p:nvPr/>
+        </p:nvSpPr>
+        <p:spPr>
+          <a:xfrm>
+            <a:off x="1463602" y="757194"/>
+            <a:ext cx="604842" cy="238848"/>
+          </a:xfrm>
+          <a:prstGeom prst="rect">
+            <a:avLst/>
+          </a:prstGeom>
+          <a:noFill/>
+        </p:spPr>
+        <p:txBody>
+          <a:bodyPr wrap="square" rtlCol="0">
+            <a:spAutoFit/>
+          </a:bodyPr>
+          <a:lstStyle/>
+          <a:p>
+            <a:pPr algn="ctr"/>
+            <a:r>
+              <a:rPr lang="en-US" altLang="zh-CN">
+                <a:solidFill>
+                  <a:schemeClr val="bg1"/>
+                </a:solidFill>
+                <a:latin typeface="Agency FB" panose="020B0503020202020204" pitchFamily="34" charset="0"/>
+              </a:rPr>
+              <a:t>Singleton</a:t>
+            </a:r>
+            <a:endParaRPr lang="zh-CN" altLang="en-US">
+              <a:solidFill>
+                <a:schemeClr val="bg1"/>
+              </a:solidFill>
+              <a:latin typeface="Agency FB" panose="020B0503020202020204" pitchFamily="34" charset="0"/>
+            </a:endParaRPr>
+          </a:p>
+        </p:txBody>
+      </p:sp>
+      <p:sp>
+        <p:nvSpPr>
+          <p:cNvPr id="6" name="圆角矩形 5"/>
+          <p:cNvSpPr/>
+          <p:nvPr/>
+        </p:nvSpPr>
+        <p:spPr>
+          <a:xfrm>
+            <a:off x="481644" y="1378811"/>
+            <a:ext cx="1586802" cy="704327"/>
+          </a:xfrm>
+          <a:prstGeom prst="roundRect">
+            <a:avLst>
+              <a:gd name="adj" fmla="val 8543"/>
+            </a:avLst>
+          </a:prstGeom>
+          <a:solidFill>
+            <a:srgbClr val="006666"/>
+          </a:solidFill>
+          <a:ln>
+            <a:noFill/>
+          </a:ln>
+        </p:spPr>
+        <p:style>
+          <a:lnRef idx="2">
+            <a:schemeClr val="accent1">
+              <a:shade val="50000"/>
+            </a:schemeClr>
+          </a:lnRef>
+          <a:fillRef idx="1">
+            <a:schemeClr val="accent1"/>
+          </a:fillRef>
+          <a:effectRef idx="0">
+            <a:schemeClr val="accent1"/>
+          </a:effectRef>
+          <a:fontRef idx="minor">
+            <a:schemeClr val="lt1"/>
+          </a:fontRef>
+        </p:style>
+        <p:txBody>
+          <a:bodyPr rtlCol="0" anchor="ctr"/>
+          <a:lstStyle/>
+          <a:p>
+            <a:pPr algn="ctr"/>
+            <a:endParaRPr lang="en-US" altLang="zh-CN" sz="900">
+              <a:solidFill>
+                <a:schemeClr val="bg1"/>
+              </a:solidFill>
+              <a:latin typeface="+mj-ea"/>
+              <a:ea typeface="+mj-ea"/>
+            </a:endParaRPr>
+          </a:p>
+          <a:p>
+            <a:pPr algn="ctr"/>
+            <a:r>
+              <a:rPr lang="zh-CN" altLang="en-US" sz="900">
+                <a:solidFill>
+                  <a:schemeClr val="bg1"/>
+                </a:solidFill>
+                <a:latin typeface="+mj-ea"/>
+                <a:ea typeface="+mj-ea"/>
+              </a:rPr>
+              <a:t>创建对象</a:t>
+            </a:r>
+            <a:endParaRPr lang="en-US" altLang="zh-CN" sz="900">
+              <a:solidFill>
+                <a:schemeClr val="bg1"/>
+              </a:solidFill>
+              <a:latin typeface="+mj-ea"/>
+              <a:ea typeface="+mj-ea"/>
+            </a:endParaRPr>
+          </a:p>
+          <a:p>
+            <a:pPr algn="ctr"/>
+            <a:endParaRPr lang="en-US" altLang="zh-CN" sz="900">
+              <a:solidFill>
+                <a:schemeClr val="bg1"/>
+              </a:solidFill>
+              <a:latin typeface="+mj-ea"/>
+              <a:ea typeface="+mj-ea"/>
+            </a:endParaRPr>
+          </a:p>
+          <a:p>
+            <a:pPr algn="ctr"/>
+            <a:endParaRPr lang="en-US" altLang="zh-CN" sz="900">
+              <a:solidFill>
+                <a:schemeClr val="bg1"/>
+              </a:solidFill>
+              <a:latin typeface="+mj-ea"/>
+              <a:ea typeface="+mj-ea"/>
+            </a:endParaRPr>
+          </a:p>
+        </p:txBody>
+      </p:sp>
+      <p:sp>
+        <p:nvSpPr>
+          <p:cNvPr id="7" name="文本框 6"/>
+          <p:cNvSpPr txBox="1"/>
+          <p:nvPr/>
+        </p:nvSpPr>
+        <p:spPr>
+          <a:xfrm>
+            <a:off x="1463602" y="1406678"/>
+            <a:ext cx="638573" cy="238848"/>
+          </a:xfrm>
+          <a:prstGeom prst="rect">
+            <a:avLst/>
+          </a:prstGeom>
+          <a:noFill/>
+        </p:spPr>
+        <p:txBody>
+          <a:bodyPr wrap="square" rtlCol="0">
+            <a:spAutoFit/>
+          </a:bodyPr>
+          <a:lstStyle/>
+          <a:p>
+            <a:pPr algn="ctr"/>
+            <a:r>
+              <a:rPr lang="en-US" altLang="zh-CN">
+                <a:solidFill>
+                  <a:schemeClr val="bg1"/>
+                </a:solidFill>
+                <a:latin typeface="Agency FB" panose="020B0503020202020204" pitchFamily="34" charset="0"/>
+              </a:rPr>
+              <a:t>CreateBean</a:t>
+            </a:r>
+            <a:endParaRPr lang="zh-CN" altLang="en-US">
+              <a:solidFill>
+                <a:schemeClr val="bg1"/>
+              </a:solidFill>
+              <a:latin typeface="Agency FB" panose="020B0503020202020204" pitchFamily="34" charset="0"/>
+            </a:endParaRPr>
+          </a:p>
+        </p:txBody>
+      </p:sp>
+      <p:cxnSp>
+        <p:nvCxnSpPr>
+          <p:cNvPr id="8" name="直接箭头连接符 7"/>
+          <p:cNvCxnSpPr>
+            <a:stCxn id="2" idx="3"/>
+            <a:endCxn id="4" idx="1"/>
+          </p:cNvCxnSpPr>
+          <p:nvPr/>
+        </p:nvCxnSpPr>
+        <p:spPr>
+          <a:xfrm>
+            <a:off x="1086487" y="773999"/>
+            <a:ext cx="377116" cy="0"/>
+          </a:xfrm>
+          <a:prstGeom prst="straightConnector1">
+            <a:avLst/>
+          </a:prstGeom>
+          <a:ln>
+            <a:solidFill>
+              <a:srgbClr val="006666"/>
+            </a:solidFill>
+            <a:tailEnd type="triangle"/>
+          </a:ln>
+        </p:spPr>
+        <p:style>
+          <a:lnRef idx="1">
+            <a:schemeClr val="accent1"/>
+          </a:lnRef>
+          <a:fillRef idx="0">
+            <a:schemeClr val="accent1"/>
+          </a:fillRef>
+          <a:effectRef idx="0">
+            <a:schemeClr val="accent1"/>
+          </a:effectRef>
+          <a:fontRef idx="minor">
+            <a:schemeClr val="tx1"/>
+          </a:fontRef>
+        </p:style>
+      </p:cxnSp>
+      <p:cxnSp>
+        <p:nvCxnSpPr>
+          <p:cNvPr id="9" name="直接箭头连接符 8"/>
+          <p:cNvCxnSpPr>
+            <a:stCxn id="4" idx="2"/>
+          </p:cNvCxnSpPr>
+          <p:nvPr/>
+        </p:nvCxnSpPr>
+        <p:spPr>
+          <a:xfrm>
+            <a:off x="1766025" y="1009743"/>
+            <a:ext cx="1501" cy="369068"/>
+          </a:xfrm>
+          <a:prstGeom prst="straightConnector1">
+            <a:avLst/>
+          </a:prstGeom>
+          <a:ln>
+            <a:solidFill>
+              <a:srgbClr val="006666"/>
+            </a:solidFill>
+            <a:tailEnd type="triangle"/>
+          </a:ln>
+        </p:spPr>
+        <p:style>
+          <a:lnRef idx="1">
+            <a:schemeClr val="accent1"/>
+          </a:lnRef>
+          <a:fillRef idx="0">
+            <a:schemeClr val="accent1"/>
+          </a:fillRef>
+          <a:effectRef idx="0">
+            <a:schemeClr val="accent1"/>
+          </a:effectRef>
+          <a:fontRef idx="minor">
+            <a:schemeClr val="tx1"/>
+          </a:fontRef>
+        </p:style>
+      </p:cxnSp>
+      <p:sp>
+        <p:nvSpPr>
+          <p:cNvPr id="10" name="圆角矩形 9"/>
+          <p:cNvSpPr/>
+          <p:nvPr/>
+        </p:nvSpPr>
+        <p:spPr>
+          <a:xfrm>
+            <a:off x="2370868" y="1379884"/>
+            <a:ext cx="494880" cy="232640"/>
+          </a:xfrm>
+          <a:prstGeom prst="roundRect">
+            <a:avLst>
+              <a:gd name="adj" fmla="val 8543"/>
+            </a:avLst>
+          </a:prstGeom>
+          <a:solidFill>
+            <a:srgbClr val="006666"/>
+          </a:solidFill>
+          <a:ln>
+            <a:noFill/>
+          </a:ln>
+        </p:spPr>
+        <p:style>
+          <a:lnRef idx="2">
+            <a:schemeClr val="accent1">
+              <a:shade val="50000"/>
+            </a:schemeClr>
+          </a:lnRef>
+          <a:fillRef idx="1">
+            <a:schemeClr val="accent1"/>
+          </a:fillRef>
+          <a:effectRef idx="0">
+            <a:schemeClr val="accent1"/>
+          </a:effectRef>
+          <a:fontRef idx="minor">
+            <a:schemeClr val="lt1"/>
+          </a:fontRef>
+        </p:style>
+        <p:txBody>
+          <a:bodyPr rtlCol="0" anchor="ctr"/>
+          <a:lstStyle/>
+          <a:p>
+            <a:pPr algn="ctr"/>
+            <a:r>
+              <a:rPr lang="en-US" altLang="zh-CN" sz="900">
+                <a:solidFill>
+                  <a:schemeClr val="bg1"/>
+                </a:solidFill>
+                <a:latin typeface="+mj-ea"/>
+                <a:ea typeface="+mj-ea"/>
+              </a:rPr>
+              <a:t>JDK</a:t>
+            </a:r>
+          </a:p>
+        </p:txBody>
+      </p:sp>
+      <p:sp>
+        <p:nvSpPr>
+          <p:cNvPr id="11" name="圆角矩形 10"/>
+          <p:cNvSpPr/>
+          <p:nvPr/>
+        </p:nvSpPr>
+        <p:spPr>
+          <a:xfrm>
+            <a:off x="2370868" y="1847295"/>
+            <a:ext cx="494880" cy="232640"/>
+          </a:xfrm>
+          <a:prstGeom prst="roundRect">
+            <a:avLst>
+              <a:gd name="adj" fmla="val 8543"/>
+            </a:avLst>
+          </a:prstGeom>
+          <a:solidFill>
+            <a:srgbClr val="006666"/>
+          </a:solidFill>
+          <a:ln>
+            <a:noFill/>
+          </a:ln>
+        </p:spPr>
+        <p:style>
+          <a:lnRef idx="2">
+            <a:schemeClr val="accent1">
+              <a:shade val="50000"/>
+            </a:schemeClr>
+          </a:lnRef>
+          <a:fillRef idx="1">
+            <a:schemeClr val="accent1"/>
+          </a:fillRef>
+          <a:effectRef idx="0">
+            <a:schemeClr val="accent1"/>
+          </a:effectRef>
+          <a:fontRef idx="minor">
+            <a:schemeClr val="lt1"/>
+          </a:fontRef>
+        </p:style>
+        <p:txBody>
+          <a:bodyPr rtlCol="0" anchor="ctr"/>
+          <a:lstStyle/>
+          <a:p>
+            <a:pPr algn="ctr"/>
+            <a:r>
+              <a:rPr lang="en-US" altLang="zh-CN" sz="900">
+                <a:solidFill>
+                  <a:schemeClr val="bg1"/>
+                </a:solidFill>
+                <a:latin typeface="+mj-ea"/>
+                <a:ea typeface="+mj-ea"/>
+              </a:rPr>
+              <a:t>Cglib</a:t>
+            </a:r>
+          </a:p>
+        </p:txBody>
+      </p:sp>
+      <p:cxnSp>
+        <p:nvCxnSpPr>
+          <p:cNvPr id="12" name="曲线连接符 11"/>
+          <p:cNvCxnSpPr>
+            <a:stCxn id="6" idx="3"/>
+            <a:endCxn id="10" idx="1"/>
+          </p:cNvCxnSpPr>
+          <p:nvPr/>
+        </p:nvCxnSpPr>
+        <p:spPr>
+          <a:xfrm flipV="1">
+            <a:off x="2068446" y="1496204"/>
+            <a:ext cx="302422" cy="234771"/>
+          </a:xfrm>
+          <a:prstGeom prst="curvedConnector3">
+            <a:avLst/>
+          </a:prstGeom>
+          <a:ln>
+            <a:solidFill>
+              <a:srgbClr val="006666"/>
+            </a:solidFill>
+            <a:tailEnd type="triangle"/>
+          </a:ln>
+        </p:spPr>
+        <p:style>
+          <a:lnRef idx="1">
+            <a:schemeClr val="accent1"/>
+          </a:lnRef>
+          <a:fillRef idx="0">
+            <a:schemeClr val="accent1"/>
+          </a:fillRef>
+          <a:effectRef idx="0">
+            <a:schemeClr val="accent1"/>
+          </a:effectRef>
+          <a:fontRef idx="minor">
+            <a:schemeClr val="tx1"/>
+          </a:fontRef>
+        </p:style>
+      </p:cxnSp>
+      <p:cxnSp>
+        <p:nvCxnSpPr>
+          <p:cNvPr id="13" name="曲线连接符 12"/>
+          <p:cNvCxnSpPr>
+            <a:stCxn id="6" idx="3"/>
+            <a:endCxn id="11" idx="1"/>
+          </p:cNvCxnSpPr>
+          <p:nvPr/>
+        </p:nvCxnSpPr>
+        <p:spPr>
+          <a:xfrm>
+            <a:off x="2068446" y="1730975"/>
+            <a:ext cx="302422" cy="232640"/>
+          </a:xfrm>
+          <a:prstGeom prst="curvedConnector3">
+            <a:avLst/>
+          </a:prstGeom>
+          <a:ln>
+            <a:solidFill>
+              <a:srgbClr val="006666"/>
+            </a:solidFill>
+            <a:tailEnd type="triangle"/>
+          </a:ln>
+        </p:spPr>
+        <p:style>
+          <a:lnRef idx="1">
+            <a:schemeClr val="accent1"/>
+          </a:lnRef>
+          <a:fillRef idx="0">
+            <a:schemeClr val="accent1"/>
+          </a:fillRef>
+          <a:effectRef idx="0">
+            <a:schemeClr val="accent1"/>
+          </a:effectRef>
+          <a:fontRef idx="minor">
+            <a:schemeClr val="tx1"/>
+          </a:fontRef>
+        </p:style>
+      </p:cxnSp>
+      <p:sp>
+        <p:nvSpPr>
+          <p:cNvPr id="14" name="圆角矩形 13"/>
+          <p:cNvSpPr/>
+          <p:nvPr/>
+        </p:nvSpPr>
+        <p:spPr>
+          <a:xfrm>
+            <a:off x="2890872" y="1379884"/>
+            <a:ext cx="1289920" cy="232640"/>
+          </a:xfrm>
+          <a:prstGeom prst="roundRect">
+            <a:avLst>
+              <a:gd name="adj" fmla="val 8543"/>
+            </a:avLst>
+          </a:prstGeom>
+          <a:solidFill>
+            <a:srgbClr val="006666"/>
+          </a:solidFill>
+          <a:ln>
+            <a:noFill/>
+          </a:ln>
+        </p:spPr>
+        <p:style>
+          <a:lnRef idx="2">
+            <a:schemeClr val="accent1">
+              <a:shade val="50000"/>
+            </a:schemeClr>
+          </a:lnRef>
+          <a:fillRef idx="1">
+            <a:schemeClr val="accent1"/>
+          </a:fillRef>
+          <a:effectRef idx="0">
+            <a:schemeClr val="accent1"/>
+          </a:effectRef>
+          <a:fontRef idx="minor">
+            <a:schemeClr val="lt1"/>
+          </a:fontRef>
+        </p:style>
+        <p:txBody>
+          <a:bodyPr rtlCol="0" anchor="ctr"/>
+          <a:lstStyle/>
+          <a:p>
+            <a:pPr algn="ctr"/>
+            <a:r>
+              <a:rPr lang="zh-CN" altLang="zh-CN" sz="900">
+                <a:solidFill>
+                  <a:schemeClr val="bg1"/>
+                </a:solidFill>
+                <a:latin typeface="宋体" panose="02010600030101010101" pitchFamily="2" charset="-122"/>
+              </a:rPr>
+              <a:t>DeclaredConstructor</a:t>
+            </a:r>
+            <a:endParaRPr lang="en-US" altLang="zh-CN" sz="900">
+              <a:solidFill>
+                <a:schemeClr val="bg1"/>
+              </a:solidFill>
+              <a:latin typeface="+mj-ea"/>
+              <a:ea typeface="+mj-ea"/>
+            </a:endParaRPr>
+          </a:p>
+        </p:txBody>
+      </p:sp>
+      <p:sp>
+        <p:nvSpPr>
+          <p:cNvPr id="15" name="圆角矩形 14"/>
+          <p:cNvSpPr/>
+          <p:nvPr/>
+        </p:nvSpPr>
+        <p:spPr>
+          <a:xfrm>
+            <a:off x="2890873" y="1847295"/>
+            <a:ext cx="1289920" cy="232640"/>
+          </a:xfrm>
+          <a:prstGeom prst="roundRect">
+            <a:avLst>
+              <a:gd name="adj" fmla="val 8543"/>
+            </a:avLst>
+          </a:prstGeom>
+          <a:solidFill>
+            <a:srgbClr val="006666"/>
+          </a:solidFill>
+          <a:ln>
+            <a:noFill/>
+          </a:ln>
+        </p:spPr>
+        <p:style>
+          <a:lnRef idx="2">
+            <a:schemeClr val="accent1">
+              <a:shade val="50000"/>
+            </a:schemeClr>
+          </a:lnRef>
+          <a:fillRef idx="1">
+            <a:schemeClr val="accent1"/>
+          </a:fillRef>
+          <a:effectRef idx="0">
+            <a:schemeClr val="accent1"/>
+          </a:effectRef>
+          <a:fontRef idx="minor">
+            <a:schemeClr val="lt1"/>
+          </a:fontRef>
+        </p:style>
+        <p:txBody>
+          <a:bodyPr rtlCol="0" anchor="ctr"/>
+          <a:lstStyle/>
+          <a:p>
+            <a:pPr algn="ctr"/>
+            <a:r>
+              <a:rPr lang="zh-CN" altLang="zh-CN" sz="900">
+                <a:solidFill>
+                  <a:schemeClr val="bg1"/>
+                </a:solidFill>
+                <a:latin typeface="宋体" panose="02010600030101010101" pitchFamily="2" charset="-122"/>
+              </a:rPr>
+              <a:t>enhancer.create(</a:t>
+            </a:r>
+            <a:r>
+              <a:rPr lang="en-US" altLang="zh-CN" sz="900">
+                <a:solidFill>
+                  <a:schemeClr val="bg1"/>
+                </a:solidFill>
+                <a:latin typeface="宋体" panose="02010600030101010101" pitchFamily="2" charset="-122"/>
+              </a:rPr>
+              <a:t>…</a:t>
+            </a:r>
+            <a:r>
+              <a:rPr lang="zh-CN" altLang="zh-CN" sz="900">
+                <a:solidFill>
+                  <a:schemeClr val="bg1"/>
+                </a:solidFill>
+                <a:latin typeface="宋体" panose="02010600030101010101" pitchFamily="2" charset="-122"/>
+              </a:rPr>
+              <a:t>)</a:t>
+            </a:r>
+            <a:endParaRPr lang="zh-CN" altLang="zh-CN" sz="1600">
+              <a:solidFill>
+                <a:schemeClr val="bg1"/>
+              </a:solidFill>
+              <a:latin typeface="Arial" panose="020B0604020202020204" pitchFamily="34" charset="0"/>
+            </a:endParaRPr>
+          </a:p>
+        </p:txBody>
+      </p:sp>
+      <p:sp>
+        <p:nvSpPr>
+          <p:cNvPr id="16" name="文本框 15"/>
+          <p:cNvSpPr txBox="1"/>
+          <p:nvPr/>
+        </p:nvSpPr>
+        <p:spPr>
+          <a:xfrm>
+            <a:off x="1070296" y="586833"/>
+            <a:ext cx="357790" cy="215444"/>
+          </a:xfrm>
+          <a:prstGeom prst="rect">
+            <a:avLst/>
+          </a:prstGeom>
+          <a:noFill/>
+        </p:spPr>
+        <p:txBody>
+          <a:bodyPr wrap="none" rtlCol="0">
+            <a:spAutoFit/>
+          </a:bodyPr>
+          <a:lstStyle/>
+          <a:p>
+            <a:r>
+              <a:rPr lang="en-US" altLang="zh-CN" sz="800"/>
+              <a:t>args</a:t>
+            </a:r>
+            <a:endParaRPr lang="zh-CN" altLang="en-US"/>
+          </a:p>
+        </p:txBody>
+      </p:sp>
+      <p:sp>
+        <p:nvSpPr>
+          <p:cNvPr id="17" name="文本框 16"/>
+          <p:cNvSpPr txBox="1"/>
+          <p:nvPr/>
+        </p:nvSpPr>
+        <p:spPr>
+          <a:xfrm>
+            <a:off x="1710654" y="1055267"/>
+            <a:ext cx="357790" cy="215444"/>
+          </a:xfrm>
+          <a:prstGeom prst="rect">
+            <a:avLst/>
+          </a:prstGeom>
+          <a:noFill/>
+        </p:spPr>
+        <p:txBody>
+          <a:bodyPr wrap="none" rtlCol="0">
+            <a:spAutoFit/>
+          </a:bodyPr>
+          <a:lstStyle/>
+          <a:p>
+            <a:r>
+              <a:rPr lang="en-US" altLang="zh-CN" sz="800"/>
+              <a:t>args</a:t>
+            </a:r>
+            <a:endParaRPr lang="zh-CN" altLang="en-US"/>
+          </a:p>
+        </p:txBody>
+      </p:sp>
+      <p:sp>
+        <p:nvSpPr>
+          <p:cNvPr id="18" name="Rectangle 4"/>
+          <p:cNvSpPr>
+            <a:spLocks noChangeArrowheads="1"/>
+          </p:cNvSpPr>
+          <p:nvPr/>
+        </p:nvSpPr>
+        <p:spPr bwMode="auto">
+          <a:xfrm>
+            <a:off x="454260" y="1847245"/>
+            <a:ext cx="1640193" cy="238848"/>
+          </a:xfrm>
+          <a:prstGeom prst="rect">
+            <a:avLst/>
+          </a:prstGeom>
+          <a:noFill/>
+          <a:ln>
+            <a:noFill/>
+          </a:ln>
+          <a:effectLst/>
+        </p:spPr>
+        <p:txBody>
+          <a:bodyPr vert="horz" wrap="none" lIns="91440" tIns="45720" rIns="91440" bIns="45720" numCol="1" anchor="ctr" anchorCtr="0" compatLnSpc="1">
+            <a:prstTxWarp prst="textNoShape">
+              <a:avLst/>
+            </a:prstTxWarp>
+            <a:spAutoFit/>
+          </a:bodyPr>
+          <a:lstStyle/>
+          <a:p>
+            <a:pPr marL="0" marR="0" lvl="0" indent="0" algn="ctr" defTabSz="914400" rtl="0" eaLnBrk="0" fontAlgn="base" latinLnBrk="0" hangingPunct="0">
+              <a:lnSpc>
+                <a:spcPct val="100000"/>
+              </a:lnSpc>
+              <a:spcBef>
+                <a:spcPct val="0"/>
+              </a:spcBef>
+              <a:spcAft>
+                <a:spcPct val="0"/>
+              </a:spcAft>
+              <a:buClrTx/>
+              <a:buSzTx/>
+              <a:buFontTx/>
+              <a:buNone/>
+              <a:tabLst/>
+            </a:pPr>
+            <a:r>
+              <a:rPr lang="zh-CN" altLang="zh-CN">
+                <a:solidFill>
+                  <a:schemeClr val="bg1"/>
+                </a:solidFill>
+                <a:latin typeface="Agency FB" panose="020B0503020202020204" pitchFamily="34" charset="0"/>
+              </a:rPr>
+              <a:t>AbstractAutowireCapableBeanFactory</a:t>
+            </a:r>
+          </a:p>
+        </p:txBody>
+      </p:sp>
+      <p:sp>
+        <p:nvSpPr>
+          <p:cNvPr id="19" name="圆角矩形 18"/>
+          <p:cNvSpPr/>
+          <p:nvPr/>
+        </p:nvSpPr>
+        <p:spPr>
+          <a:xfrm>
+            <a:off x="2370868" y="2379913"/>
+            <a:ext cx="494880" cy="762777"/>
+          </a:xfrm>
+          <a:prstGeom prst="roundRect">
+            <a:avLst>
+              <a:gd name="adj" fmla="val 6535"/>
+            </a:avLst>
+          </a:prstGeom>
+          <a:solidFill>
+            <a:srgbClr val="00B0F0"/>
+          </a:solidFill>
+          <a:ln>
+            <a:noFill/>
+          </a:ln>
+        </p:spPr>
+        <p:style>
+          <a:lnRef idx="2">
+            <a:schemeClr val="accent1">
+              <a:shade val="50000"/>
+            </a:schemeClr>
+          </a:lnRef>
+          <a:fillRef idx="1">
+            <a:schemeClr val="accent1"/>
+          </a:fillRef>
+          <a:effectRef idx="0">
+            <a:schemeClr val="accent1"/>
+          </a:effectRef>
+          <a:fontRef idx="minor">
+            <a:schemeClr val="lt1"/>
+          </a:fontRef>
+        </p:style>
+        <p:txBody>
+          <a:bodyPr rtlCol="0" anchor="ctr"/>
+          <a:lstStyle/>
+          <a:p>
+            <a:pPr algn="ctr"/>
+            <a:endParaRPr lang="en-US" altLang="zh-CN" sz="900">
+              <a:solidFill>
+                <a:schemeClr val="bg1"/>
+              </a:solidFill>
+              <a:latin typeface="+mj-ea"/>
+              <a:ea typeface="+mj-ea"/>
+            </a:endParaRPr>
+          </a:p>
+          <a:p>
+            <a:pPr algn="ctr"/>
+            <a:r>
+              <a:rPr lang="zh-CN" altLang="en-US" sz="900" smtClean="0">
+                <a:solidFill>
+                  <a:schemeClr val="bg1"/>
+                </a:solidFill>
+                <a:latin typeface="+mj-ea"/>
+                <a:ea typeface="+mj-ea"/>
+              </a:rPr>
+              <a:t>属性填充</a:t>
+            </a:r>
+            <a:endParaRPr lang="en-US" altLang="zh-CN" sz="900">
+              <a:solidFill>
+                <a:schemeClr val="bg1"/>
+              </a:solidFill>
+              <a:latin typeface="+mj-ea"/>
+              <a:ea typeface="+mj-ea"/>
+            </a:endParaRPr>
+          </a:p>
+          <a:p>
+            <a:pPr algn="ctr"/>
+            <a:endParaRPr lang="en-US" altLang="zh-CN" sz="900">
+              <a:solidFill>
+                <a:schemeClr val="bg1"/>
+              </a:solidFill>
+              <a:latin typeface="+mj-ea"/>
+              <a:ea typeface="+mj-ea"/>
+            </a:endParaRPr>
+          </a:p>
+        </p:txBody>
+      </p:sp>
+      <p:cxnSp>
+        <p:nvCxnSpPr>
+          <p:cNvPr id="25" name="肘形连接符 24"/>
+          <p:cNvCxnSpPr>
+            <a:stCxn id="6" idx="2"/>
+            <a:endCxn id="19" idx="1"/>
+          </p:cNvCxnSpPr>
+          <p:nvPr/>
+        </p:nvCxnSpPr>
+        <p:spPr>
+          <a:xfrm rot="16200000" flipH="1">
+            <a:off x="1483874" y="1874308"/>
+            <a:ext cx="678164" cy="1095823"/>
+          </a:xfrm>
+          <a:prstGeom prst="bentConnector2">
+            <a:avLst/>
+          </a:prstGeom>
+          <a:ln>
+            <a:solidFill>
+              <a:srgbClr val="006666"/>
+            </a:solidFill>
+            <a:tailEnd type="triangle"/>
+          </a:ln>
+        </p:spPr>
+        <p:style>
+          <a:lnRef idx="1">
+            <a:schemeClr val="accent1"/>
+          </a:lnRef>
+          <a:fillRef idx="0">
+            <a:schemeClr val="accent1"/>
+          </a:fillRef>
+          <a:effectRef idx="0">
+            <a:schemeClr val="accent1"/>
+          </a:effectRef>
+          <a:fontRef idx="minor">
+            <a:schemeClr val="tx1"/>
+          </a:fontRef>
+        </p:style>
+      </p:cxnSp>
+      <p:sp>
+        <p:nvSpPr>
+          <p:cNvPr id="29" name="圆角矩形 28"/>
+          <p:cNvSpPr/>
+          <p:nvPr/>
+        </p:nvSpPr>
+        <p:spPr>
+          <a:xfrm>
+            <a:off x="2890871" y="2377310"/>
+            <a:ext cx="1289919" cy="237304"/>
+          </a:xfrm>
+          <a:prstGeom prst="roundRect">
+            <a:avLst>
+              <a:gd name="adj" fmla="val 7168"/>
+            </a:avLst>
+          </a:prstGeom>
+          <a:solidFill>
+            <a:srgbClr val="00B0F0"/>
+          </a:solidFill>
+          <a:ln>
+            <a:noFill/>
+          </a:ln>
+        </p:spPr>
+        <p:style>
+          <a:lnRef idx="2">
+            <a:schemeClr val="accent1">
+              <a:shade val="50000"/>
+            </a:schemeClr>
+          </a:lnRef>
+          <a:fillRef idx="1">
+            <a:schemeClr val="accent1"/>
+          </a:fillRef>
+          <a:effectRef idx="0">
+            <a:schemeClr val="accent1"/>
+          </a:effectRef>
+          <a:fontRef idx="minor">
+            <a:schemeClr val="lt1"/>
+          </a:fontRef>
+        </p:style>
+        <p:txBody>
+          <a:bodyPr rtlCol="0" anchor="ctr"/>
+          <a:lstStyle/>
+          <a:p>
+            <a:pPr algn="ctr"/>
+            <a:r>
+              <a:rPr lang="zh-CN" altLang="en-US" sz="900" smtClean="0">
+                <a:solidFill>
+                  <a:schemeClr val="bg1"/>
+                </a:solidFill>
+                <a:latin typeface="+mj-ea"/>
+                <a:ea typeface="+mj-ea"/>
+              </a:rPr>
+              <a:t>基础属性</a:t>
+            </a:r>
+            <a:r>
+              <a:rPr lang="en-US" altLang="zh-CN" sz="900" smtClean="0">
+                <a:solidFill>
+                  <a:schemeClr val="bg1"/>
+                </a:solidFill>
+                <a:latin typeface="+mj-ea"/>
+                <a:ea typeface="+mj-ea"/>
+              </a:rPr>
+              <a:t>(</a:t>
+            </a:r>
+            <a:r>
+              <a:rPr lang="en-US" altLang="zh-CN" sz="800" smtClean="0">
+                <a:solidFill>
+                  <a:schemeClr val="bg1"/>
+                </a:solidFill>
+                <a:latin typeface="+mj-ea"/>
+                <a:ea typeface="+mj-ea"/>
+              </a:rPr>
+              <a:t>int</a:t>
+            </a:r>
+            <a:r>
+              <a:rPr lang="zh-CN" altLang="en-US" sz="800" smtClean="0">
+                <a:solidFill>
+                  <a:schemeClr val="bg1"/>
+                </a:solidFill>
+                <a:latin typeface="+mj-ea"/>
+                <a:ea typeface="+mj-ea"/>
+              </a:rPr>
+              <a:t>、</a:t>
+            </a:r>
+            <a:r>
+              <a:rPr lang="en-US" altLang="zh-CN" sz="800" smtClean="0">
+                <a:solidFill>
+                  <a:schemeClr val="bg1"/>
+                </a:solidFill>
+                <a:latin typeface="+mj-ea"/>
+                <a:ea typeface="+mj-ea"/>
+              </a:rPr>
+              <a:t>String</a:t>
+            </a:r>
+            <a:r>
+              <a:rPr lang="en-US" altLang="zh-CN" sz="900" smtClean="0">
+                <a:solidFill>
+                  <a:schemeClr val="bg1"/>
+                </a:solidFill>
+                <a:latin typeface="+mj-ea"/>
+                <a:ea typeface="+mj-ea"/>
+              </a:rPr>
+              <a:t>)</a:t>
+            </a:r>
+            <a:endParaRPr lang="en-US" altLang="zh-CN" sz="900">
+              <a:solidFill>
+                <a:schemeClr val="bg1"/>
+              </a:solidFill>
+              <a:latin typeface="+mj-ea"/>
+              <a:ea typeface="+mj-ea"/>
+            </a:endParaRPr>
+          </a:p>
+        </p:txBody>
+      </p:sp>
+      <p:sp>
+        <p:nvSpPr>
+          <p:cNvPr id="31" name="圆角矩形 30"/>
+          <p:cNvSpPr/>
+          <p:nvPr/>
+        </p:nvSpPr>
+        <p:spPr>
+          <a:xfrm>
+            <a:off x="2890871" y="2641348"/>
+            <a:ext cx="1289919" cy="501343"/>
+          </a:xfrm>
+          <a:prstGeom prst="roundRect">
+            <a:avLst>
+              <a:gd name="adj" fmla="val 7168"/>
+            </a:avLst>
+          </a:prstGeom>
+          <a:solidFill>
+            <a:srgbClr val="00B0F0"/>
+          </a:solidFill>
+          <a:ln>
+            <a:noFill/>
+          </a:ln>
+        </p:spPr>
+        <p:style>
+          <a:lnRef idx="2">
+            <a:schemeClr val="accent1">
+              <a:shade val="50000"/>
+            </a:schemeClr>
+          </a:lnRef>
+          <a:fillRef idx="1">
+            <a:schemeClr val="accent1"/>
+          </a:fillRef>
+          <a:effectRef idx="0">
+            <a:schemeClr val="accent1"/>
+          </a:effectRef>
+          <a:fontRef idx="minor">
+            <a:schemeClr val="lt1"/>
+          </a:fontRef>
+        </p:style>
+        <p:txBody>
+          <a:bodyPr rtlCol="0" anchor="ctr"/>
+          <a:lstStyle/>
+          <a:p>
+            <a:pPr algn="ctr"/>
+            <a:r>
+              <a:rPr lang="zh-CN" altLang="en-US" sz="900" smtClean="0">
+                <a:solidFill>
+                  <a:schemeClr val="bg1"/>
+                </a:solidFill>
+                <a:latin typeface="+mj-ea"/>
+                <a:ea typeface="+mj-ea"/>
+              </a:rPr>
+              <a:t>对象属性，引用类型</a:t>
+            </a:r>
+            <a:endParaRPr lang="en-US" altLang="zh-CN" sz="900">
+              <a:solidFill>
+                <a:schemeClr val="bg1"/>
+              </a:solidFill>
+              <a:latin typeface="+mj-ea"/>
+              <a:ea typeface="+mj-ea"/>
+            </a:endParaRPr>
+          </a:p>
+        </p:txBody>
+      </p:sp>
+      <p:sp>
+        <p:nvSpPr>
+          <p:cNvPr id="33" name="圆角矩形 32"/>
+          <p:cNvSpPr/>
+          <p:nvPr/>
+        </p:nvSpPr>
+        <p:spPr>
+          <a:xfrm>
+            <a:off x="1214763" y="2560989"/>
+            <a:ext cx="1109031" cy="197365"/>
+          </a:xfrm>
+          <a:prstGeom prst="roundRect">
+            <a:avLst/>
+          </a:prstGeom>
+          <a:noFill/>
+          <a:ln>
+            <a:noFill/>
+          </a:ln>
+        </p:spPr>
+        <p:style>
+          <a:lnRef idx="2">
+            <a:schemeClr val="accent1">
+              <a:shade val="50000"/>
+            </a:schemeClr>
+          </a:lnRef>
+          <a:fillRef idx="1">
+            <a:schemeClr val="accent1"/>
+          </a:fillRef>
+          <a:effectRef idx="0">
+            <a:schemeClr val="accent1"/>
+          </a:effectRef>
+          <a:fontRef idx="minor">
+            <a:schemeClr val="lt1"/>
+          </a:fontRef>
+        </p:style>
+        <p:txBody>
+          <a:bodyPr rtlCol="0" anchor="ctr"/>
+          <a:lstStyle/>
+          <a:p>
+            <a:pPr algn="ctr"/>
+            <a:r>
+              <a:rPr lang="zh-CN" altLang="zh-CN" sz="900" smtClean="0">
+                <a:solidFill>
+                  <a:srgbClr val="000000"/>
+                </a:solidFill>
+                <a:latin typeface="+mj-ea"/>
+                <a:ea typeface="+mj-ea"/>
+              </a:rPr>
+              <a:t>PropertyValue</a:t>
+            </a:r>
+            <a:r>
+              <a:rPr lang="en-US" altLang="zh-CN" sz="900" smtClean="0">
+                <a:solidFill>
+                  <a:srgbClr val="000000"/>
+                </a:solidFill>
+                <a:latin typeface="+mj-ea"/>
+                <a:ea typeface="+mj-ea"/>
+              </a:rPr>
+              <a:t>s</a:t>
+            </a:r>
+            <a:endParaRPr lang="zh-CN" altLang="en-US">
+              <a:solidFill>
+                <a:srgbClr val="FF0000"/>
+              </a:solidFill>
+              <a:latin typeface="+mj-ea"/>
+              <a:ea typeface="+mj-ea"/>
+            </a:endParaRPr>
+          </a:p>
+        </p:txBody>
+      </p:sp>
+      <p:sp>
+        <p:nvSpPr>
+          <p:cNvPr id="35" name="Rectangle 2"/>
+          <p:cNvSpPr>
+            <a:spLocks noChangeArrowheads="1"/>
+          </p:cNvSpPr>
+          <p:nvPr/>
+        </p:nvSpPr>
+        <p:spPr bwMode="auto">
+          <a:xfrm>
+            <a:off x="0" y="43934"/>
+            <a:ext cx="184731" cy="369332"/>
+          </a:xfrm>
+          <a:prstGeom prst="rect">
+            <a:avLst/>
+          </a:prstGeom>
+          <a:solidFill>
+            <a:srgbClr val="FFFFFF"/>
+          </a:solidFill>
+          <a:ln>
+            <a:noFill/>
+          </a:ln>
+          <a:effectLst/>
+          <a:extLst>
+            <a:ext uri="{91240B29-F687-4F45-9708-019B960494DF}">
+              <a14:hiddenLine xmlns:a14="http://schemas.microsoft.com/office/drawing/2010/main" w="9525">
+                <a:solidFill>
+                  <a:schemeClr val="tx1"/>
+                </a:solidFill>
+                <a:miter lim="800000"/>
+                <a:headEnd/>
+                <a:tailEnd/>
+              </a14:hiddenLine>
+            </a:ext>
+            <a:ext uri="{AF507438-7753-43E0-B8FC-AC1667EBCBE1}">
+              <a14:hiddenEffects xmlns:a14="http://schemas.microsoft.com/office/drawing/2010/main">
+                <a:effectLst>
+                  <a:outerShdw dist="35921" dir="2700000" algn="ctr" rotWithShape="0">
+                    <a:schemeClr val="bg2"/>
+                  </a:outerShdw>
+                </a:effectLst>
+              </a14:hiddenEffects>
+            </a:ext>
+          </a:extLst>
+        </p:spPr>
+        <p:txBody>
+          <a:bodyPr vert="horz" wrap="none" lIns="91440" tIns="45720" rIns="91440" bIns="45720" numCol="1" anchor="ctr" anchorCtr="0" compatLnSpc="1">
+            <a:prstTxWarp prst="textNoShape">
+              <a:avLst/>
+            </a:prstTxWarp>
+            <a:spAutoFit/>
+          </a:bodyPr>
+          <a:lstStyle/>
+          <a:p>
+            <a:pPr marL="0" marR="0" lvl="0" indent="0" algn="l" defTabSz="914400" rtl="0" eaLnBrk="0" fontAlgn="base" latinLnBrk="0" hangingPunct="0">
+              <a:lnSpc>
+                <a:spcPct val="100000"/>
+              </a:lnSpc>
+              <a:spcBef>
+                <a:spcPct val="0"/>
+              </a:spcBef>
+              <a:spcAft>
+                <a:spcPct val="0"/>
+              </a:spcAft>
+              <a:buClrTx/>
+              <a:buSzTx/>
+              <a:buFontTx/>
+              <a:buNone/>
+              <a:tabLst/>
+            </a:pPr>
+            <a:endParaRPr kumimoji="0" lang="zh-CN" altLang="zh-CN" sz="1800" b="0" i="0" u="none" strike="noStrike" cap="none" normalizeH="0" baseline="0" smtClean="0">
+              <a:ln>
+                <a:noFill/>
+              </a:ln>
+              <a:solidFill>
+                <a:schemeClr val="tx1"/>
+              </a:solidFill>
+              <a:effectLst/>
+              <a:latin typeface="Arial" panose="020B0604020202020204" pitchFamily="34" charset="0"/>
+            </a:endParaRPr>
+          </a:p>
+        </p:txBody>
+      </p:sp>
+      <p:sp>
+        <p:nvSpPr>
+          <p:cNvPr id="36" name="Rectangle 3"/>
+          <p:cNvSpPr>
+            <a:spLocks noChangeArrowheads="1"/>
+          </p:cNvSpPr>
+          <p:nvPr/>
+        </p:nvSpPr>
+        <p:spPr bwMode="auto">
+          <a:xfrm>
+            <a:off x="0" y="43934"/>
+            <a:ext cx="184731" cy="369332"/>
+          </a:xfrm>
+          <a:prstGeom prst="rect">
+            <a:avLst/>
+          </a:prstGeom>
+          <a:solidFill>
+            <a:srgbClr val="FFFFFF"/>
+          </a:solidFill>
+          <a:ln>
+            <a:noFill/>
+          </a:ln>
+          <a:effectLst/>
+          <a:extLst>
+            <a:ext uri="{91240B29-F687-4F45-9708-019B960494DF}">
+              <a14:hiddenLine xmlns:a14="http://schemas.microsoft.com/office/drawing/2010/main" w="9525">
+                <a:solidFill>
+                  <a:schemeClr val="tx1"/>
+                </a:solidFill>
+                <a:miter lim="800000"/>
+                <a:headEnd/>
+                <a:tailEnd/>
+              </a14:hiddenLine>
+            </a:ext>
+            <a:ext uri="{AF507438-7753-43E0-B8FC-AC1667EBCBE1}">
+              <a14:hiddenEffects xmlns:a14="http://schemas.microsoft.com/office/drawing/2010/main">
+                <a:effectLst>
+                  <a:outerShdw dist="35921" dir="2700000" algn="ctr" rotWithShape="0">
+                    <a:schemeClr val="bg2"/>
+                  </a:outerShdw>
+                </a:effectLst>
+              </a14:hiddenEffects>
+            </a:ext>
+          </a:extLst>
+        </p:spPr>
+        <p:txBody>
+          <a:bodyPr vert="horz" wrap="none" lIns="91440" tIns="45720" rIns="91440" bIns="45720" numCol="1" anchor="ctr" anchorCtr="0" compatLnSpc="1">
+            <a:prstTxWarp prst="textNoShape">
+              <a:avLst/>
+            </a:prstTxWarp>
+            <a:spAutoFit/>
+          </a:bodyPr>
+          <a:lstStyle/>
+          <a:p>
+            <a:pPr marL="0" marR="0" lvl="0" indent="0" algn="l" defTabSz="914400" rtl="0" eaLnBrk="0" fontAlgn="base" latinLnBrk="0" hangingPunct="0">
+              <a:lnSpc>
+                <a:spcPct val="100000"/>
+              </a:lnSpc>
+              <a:spcBef>
+                <a:spcPct val="0"/>
+              </a:spcBef>
+              <a:spcAft>
+                <a:spcPct val="0"/>
+              </a:spcAft>
+              <a:buClrTx/>
+              <a:buSzTx/>
+              <a:buFontTx/>
+              <a:buNone/>
+              <a:tabLst/>
+            </a:pPr>
+            <a:endParaRPr kumimoji="0" lang="zh-CN" altLang="zh-CN" sz="1800" b="0" i="0" u="none" strike="noStrike" cap="none" normalizeH="0" baseline="0" smtClean="0">
+              <a:ln>
+                <a:noFill/>
+              </a:ln>
+              <a:solidFill>
+                <a:schemeClr val="tx1"/>
+              </a:solidFill>
+              <a:effectLst/>
+              <a:latin typeface="Arial" panose="020B0604020202020204" pitchFamily="34" charset="0"/>
+            </a:endParaRPr>
+          </a:p>
+        </p:txBody>
+      </p:sp>
+      <p:sp>
+        <p:nvSpPr>
+          <p:cNvPr id="37" name="圆角矩形 36"/>
+          <p:cNvSpPr/>
+          <p:nvPr/>
+        </p:nvSpPr>
+        <p:spPr>
+          <a:xfrm>
+            <a:off x="2890871" y="2967039"/>
+            <a:ext cx="1289919" cy="175654"/>
+          </a:xfrm>
+          <a:prstGeom prst="roundRect">
+            <a:avLst>
+              <a:gd name="adj" fmla="val 7168"/>
+            </a:avLst>
+          </a:prstGeom>
+          <a:solidFill>
+            <a:srgbClr val="00B0F0"/>
+          </a:solidFill>
+          <a:ln>
+            <a:noFill/>
+          </a:ln>
+        </p:spPr>
+        <p:style>
+          <a:lnRef idx="2">
+            <a:schemeClr val="accent1">
+              <a:shade val="50000"/>
+            </a:schemeClr>
+          </a:lnRef>
+          <a:fillRef idx="1">
+            <a:schemeClr val="accent1"/>
+          </a:fillRef>
+          <a:effectRef idx="0">
+            <a:schemeClr val="accent1"/>
+          </a:effectRef>
+          <a:fontRef idx="minor">
+            <a:schemeClr val="lt1"/>
+          </a:fontRef>
+        </p:style>
+        <p:txBody>
+          <a:bodyPr rtlCol="0" anchor="ctr"/>
+          <a:lstStyle/>
+          <a:p>
+            <a:pPr algn="ctr"/>
+            <a:r>
+              <a:rPr lang="zh-CN" altLang="zh-CN" sz="900">
+                <a:solidFill>
+                  <a:schemeClr val="bg1">
+                    <a:lumMod val="95000"/>
+                  </a:schemeClr>
+                </a:solidFill>
+                <a:latin typeface="宋体" panose="02010600030101010101" pitchFamily="2" charset="-122"/>
+              </a:rPr>
+              <a:t>BeanReference</a:t>
+            </a:r>
+            <a:endParaRPr lang="en-US" altLang="zh-CN" sz="900">
+              <a:solidFill>
+                <a:schemeClr val="bg1">
+                  <a:lumMod val="95000"/>
+                </a:schemeClr>
+              </a:solidFill>
+              <a:latin typeface="+mj-ea"/>
+              <a:ea typeface="+mj-ea"/>
+            </a:endParaRPr>
+          </a:p>
+        </p:txBody>
+      </p:sp>
+    </p:spTree>
+    <p:extLst>
+      <p:ext uri="{BB962C8B-B14F-4D97-AF65-F5344CB8AC3E}">
+        <p14:creationId xmlns:p14="http://schemas.microsoft.com/office/powerpoint/2010/main" val="1456895501"/>
       </p:ext>
     </p:extLst>
   </p:cSld>

--- a/docs/assets/ppt/插图.pptx
+++ b/docs/assets/ppt/插图.pptx
@@ -5,7 +5,7 @@
     <p:sldMasterId id="2147483648" r:id="rId1"/>
   </p:sldMasterIdLst>
   <p:notesMasterIdLst>
-    <p:notesMasterId r:id="rId8"/>
+    <p:notesMasterId r:id="rId9"/>
   </p:notesMasterIdLst>
   <p:sldIdLst>
     <p:sldId id="287" r:id="rId2"/>
@@ -14,6 +14,7 @@
     <p:sldId id="290" r:id="rId5"/>
     <p:sldId id="292" r:id="rId6"/>
     <p:sldId id="293" r:id="rId7"/>
+    <p:sldId id="294" r:id="rId8"/>
   </p:sldIdLst>
   <p:sldSz cx="5040313" cy="3600450"/>
   <p:notesSz cx="6858000" cy="9144000"/>
@@ -127,6 +128,7 @@
             <p14:sldId id="290"/>
             <p14:sldId id="292"/>
             <p14:sldId id="293"/>
+            <p14:sldId id="294"/>
           </p14:sldIdLst>
         </p14:section>
       </p14:sectionLst>
@@ -232,7 +234,7 @@
           <a:p>
             <a:fld id="{E47FC481-15AF-45CA-8376-B9BCE636A15E}" type="datetimeFigureOut">
               <a:rPr lang="zh-CN" altLang="en-US" smtClean="0"/>
-              <a:t>2021/06/02</a:t>
+              <a:t>2021/06/09</a:t>
             </a:fld>
             <a:endParaRPr lang="zh-CN" altLang="en-US"/>
           </a:p>
@@ -642,7 +644,7 @@
           <a:p>
             <a:fld id="{DCD554A7-7CC4-40A9-A60E-4E72AAE3CDC5}" type="datetimeFigureOut">
               <a:rPr lang="zh-CN" altLang="en-US" smtClean="0"/>
-              <a:t>2021/06/02</a:t>
+              <a:t>2021/06/09</a:t>
             </a:fld>
             <a:endParaRPr lang="zh-CN" altLang="en-US"/>
           </a:p>
@@ -850,7 +852,7 @@
           <a:p>
             <a:fld id="{DCD554A7-7CC4-40A9-A60E-4E72AAE3CDC5}" type="datetimeFigureOut">
               <a:rPr lang="zh-CN" altLang="en-US" smtClean="0"/>
-              <a:t>2021/06/02</a:t>
+              <a:t>2021/06/09</a:t>
             </a:fld>
             <a:endParaRPr lang="zh-CN" altLang="en-US"/>
           </a:p>
@@ -1058,7 +1060,7 @@
           <a:p>
             <a:fld id="{DCD554A7-7CC4-40A9-A60E-4E72AAE3CDC5}" type="datetimeFigureOut">
               <a:rPr lang="zh-CN" altLang="en-US" smtClean="0"/>
-              <a:t>2021/06/02</a:t>
+              <a:t>2021/06/09</a:t>
             </a:fld>
             <a:endParaRPr lang="zh-CN" altLang="en-US"/>
           </a:p>
@@ -1266,7 +1268,7 @@
           <a:p>
             <a:fld id="{DCD554A7-7CC4-40A9-A60E-4E72AAE3CDC5}" type="datetimeFigureOut">
               <a:rPr lang="zh-CN" altLang="en-US" smtClean="0"/>
-              <a:t>2021/06/02</a:t>
+              <a:t>2021/06/09</a:t>
             </a:fld>
             <a:endParaRPr lang="zh-CN" altLang="en-US"/>
           </a:p>
@@ -1541,7 +1543,7 @@
           <a:p>
             <a:fld id="{DCD554A7-7CC4-40A9-A60E-4E72AAE3CDC5}" type="datetimeFigureOut">
               <a:rPr lang="zh-CN" altLang="en-US" smtClean="0"/>
-              <a:t>2021/06/02</a:t>
+              <a:t>2021/06/09</a:t>
             </a:fld>
             <a:endParaRPr lang="zh-CN" altLang="en-US"/>
           </a:p>
@@ -1808,7 +1810,7 @@
           <a:p>
             <a:fld id="{DCD554A7-7CC4-40A9-A60E-4E72AAE3CDC5}" type="datetimeFigureOut">
               <a:rPr lang="zh-CN" altLang="en-US" smtClean="0"/>
-              <a:t>2021/06/02</a:t>
+              <a:t>2021/06/09</a:t>
             </a:fld>
             <a:endParaRPr lang="zh-CN" altLang="en-US"/>
           </a:p>
@@ -2211,7 +2213,7 @@
           <a:p>
             <a:fld id="{DCD554A7-7CC4-40A9-A60E-4E72AAE3CDC5}" type="datetimeFigureOut">
               <a:rPr lang="zh-CN" altLang="en-US" smtClean="0"/>
-              <a:t>2021/06/02</a:t>
+              <a:t>2021/06/09</a:t>
             </a:fld>
             <a:endParaRPr lang="zh-CN" altLang="en-US"/>
           </a:p>
@@ -2360,7 +2362,7 @@
           <a:p>
             <a:fld id="{DCD554A7-7CC4-40A9-A60E-4E72AAE3CDC5}" type="datetimeFigureOut">
               <a:rPr lang="zh-CN" altLang="en-US" smtClean="0"/>
-              <a:t>2021/06/02</a:t>
+              <a:t>2021/06/09</a:t>
             </a:fld>
             <a:endParaRPr lang="zh-CN" altLang="en-US"/>
           </a:p>
@@ -2479,7 +2481,7 @@
           <a:p>
             <a:fld id="{DCD554A7-7CC4-40A9-A60E-4E72AAE3CDC5}" type="datetimeFigureOut">
               <a:rPr lang="zh-CN" altLang="en-US" smtClean="0"/>
-              <a:t>2021/06/02</a:t>
+              <a:t>2021/06/09</a:t>
             </a:fld>
             <a:endParaRPr lang="zh-CN" altLang="en-US"/>
           </a:p>
@@ -2787,7 +2789,7 @@
           <a:p>
             <a:fld id="{DCD554A7-7CC4-40A9-A60E-4E72AAE3CDC5}" type="datetimeFigureOut">
               <a:rPr lang="zh-CN" altLang="en-US" smtClean="0"/>
-              <a:t>2021/06/02</a:t>
+              <a:t>2021/06/09</a:t>
             </a:fld>
             <a:endParaRPr lang="zh-CN" altLang="en-US"/>
           </a:p>
@@ -3072,7 +3074,7 @@
           <a:p>
             <a:fld id="{DCD554A7-7CC4-40A9-A60E-4E72AAE3CDC5}" type="datetimeFigureOut">
               <a:rPr lang="zh-CN" altLang="en-US" smtClean="0"/>
-              <a:t>2021/06/02</a:t>
+              <a:t>2021/06/09</a:t>
             </a:fld>
             <a:endParaRPr lang="zh-CN" altLang="en-US"/>
           </a:p>
@@ -17992,6 +17994,1353 @@
     <p:extLst>
       <p:ext uri="{BB962C8B-B14F-4D97-AF65-F5344CB8AC3E}">
         <p14:creationId xmlns:p14="http://schemas.microsoft.com/office/powerpoint/2010/main" val="1456895501"/>
+      </p:ext>
+    </p:extLst>
+  </p:cSld>
+  <p:clrMapOvr>
+    <a:masterClrMapping/>
+  </p:clrMapOvr>
+</p:sld>
+</file>
+
+<file path=ppt/slides/slide7.xml><?xml version="1.0" encoding="utf-8"?>
+<p:sld xmlns:a="http://schemas.openxmlformats.org/drawingml/2006/main" xmlns:r="http://schemas.openxmlformats.org/officeDocument/2006/relationships" xmlns:p="http://schemas.openxmlformats.org/presentationml/2006/main">
+  <p:cSld>
+    <p:spTree>
+      <p:nvGrpSpPr>
+        <p:cNvPr id="1" name=""/>
+        <p:cNvGrpSpPr/>
+        <p:nvPr/>
+      </p:nvGrpSpPr>
+      <p:grpSpPr>
+        <a:xfrm>
+          <a:off x="0" y="0"/>
+          <a:ext cx="0" cy="0"/>
+          <a:chOff x="0" y="0"/>
+          <a:chExt cx="0" cy="0"/>
+        </a:xfrm>
+      </p:grpSpPr>
+      <p:sp>
+        <p:nvSpPr>
+          <p:cNvPr id="2" name="圆角矩形 1"/>
+          <p:cNvSpPr/>
+          <p:nvPr/>
+        </p:nvSpPr>
+        <p:spPr>
+          <a:xfrm>
+            <a:off x="1022809" y="819992"/>
+            <a:ext cx="919114" cy="329011"/>
+          </a:xfrm>
+          <a:prstGeom prst="roundRect">
+            <a:avLst>
+              <a:gd name="adj" fmla="val 8543"/>
+            </a:avLst>
+          </a:prstGeom>
+          <a:solidFill>
+            <a:srgbClr val="006666"/>
+          </a:solidFill>
+          <a:ln>
+            <a:noFill/>
+          </a:ln>
+        </p:spPr>
+        <p:style>
+          <a:lnRef idx="2">
+            <a:schemeClr val="accent1">
+              <a:shade val="50000"/>
+            </a:schemeClr>
+          </a:lnRef>
+          <a:fillRef idx="1">
+            <a:schemeClr val="accent1"/>
+          </a:fillRef>
+          <a:effectRef idx="0">
+            <a:schemeClr val="accent1"/>
+          </a:effectRef>
+          <a:fontRef idx="minor">
+            <a:schemeClr val="lt1"/>
+          </a:fontRef>
+        </p:style>
+        <p:txBody>
+          <a:bodyPr rtlCol="0" anchor="ctr"/>
+          <a:lstStyle/>
+          <a:p>
+            <a:pPr algn="r"/>
+            <a:r>
+              <a:rPr lang="zh-CN" altLang="en-US" sz="900" smtClean="0">
+                <a:solidFill>
+                  <a:schemeClr val="bg1"/>
+                </a:solidFill>
+                <a:latin typeface="+mj-ea"/>
+                <a:ea typeface="+mj-ea"/>
+              </a:rPr>
+              <a:t>资源加载</a:t>
+            </a:r>
+            <a:endParaRPr lang="en-US" altLang="zh-CN" sz="900">
+              <a:solidFill>
+                <a:schemeClr val="bg1"/>
+              </a:solidFill>
+              <a:latin typeface="+mj-ea"/>
+              <a:ea typeface="+mj-ea"/>
+            </a:endParaRPr>
+          </a:p>
+        </p:txBody>
+      </p:sp>
+      <p:pic>
+        <p:nvPicPr>
+          <p:cNvPr id="4" name="图片 3"/>
+          <p:cNvPicPr>
+            <a:picLocks noChangeAspect="1"/>
+          </p:cNvPicPr>
+          <p:nvPr/>
+        </p:nvPicPr>
+        <p:blipFill>
+          <a:blip r:embed="rId2" cstate="print">
+            <a:extLst>
+              <a:ext uri="{28A0092B-C50C-407E-A947-70E740481C1C}">
+                <a14:useLocalDpi xmlns:a14="http://schemas.microsoft.com/office/drawing/2010/main" val="0"/>
+              </a:ext>
+            </a:extLst>
+          </a:blip>
+          <a:stretch>
+            <a:fillRect/>
+          </a:stretch>
+        </p:blipFill>
+        <p:spPr>
+          <a:xfrm>
+            <a:off x="1114491" y="877153"/>
+            <a:ext cx="214687" cy="214687"/>
+          </a:xfrm>
+          <a:prstGeom prst="rect">
+            <a:avLst/>
+          </a:prstGeom>
+        </p:spPr>
+      </p:pic>
+      <p:sp>
+        <p:nvSpPr>
+          <p:cNvPr id="6" name="圆角矩形 5"/>
+          <p:cNvSpPr/>
+          <p:nvPr/>
+        </p:nvSpPr>
+        <p:spPr>
+          <a:xfrm>
+            <a:off x="2471396" y="440801"/>
+            <a:ext cx="757286" cy="271850"/>
+          </a:xfrm>
+          <a:prstGeom prst="roundRect">
+            <a:avLst>
+              <a:gd name="adj" fmla="val 8543"/>
+            </a:avLst>
+          </a:prstGeom>
+          <a:noFill/>
+          <a:ln w="3175">
+            <a:solidFill>
+              <a:srgbClr val="006666"/>
+            </a:solidFill>
+          </a:ln>
+        </p:spPr>
+        <p:style>
+          <a:lnRef idx="2">
+            <a:schemeClr val="accent1">
+              <a:shade val="50000"/>
+            </a:schemeClr>
+          </a:lnRef>
+          <a:fillRef idx="1">
+            <a:schemeClr val="accent1"/>
+          </a:fillRef>
+          <a:effectRef idx="0">
+            <a:schemeClr val="accent1"/>
+          </a:effectRef>
+          <a:fontRef idx="minor">
+            <a:schemeClr val="lt1"/>
+          </a:fontRef>
+        </p:style>
+        <p:txBody>
+          <a:bodyPr rtlCol="0" anchor="ctr"/>
+          <a:lstStyle/>
+          <a:p>
+            <a:pPr algn="ctr"/>
+            <a:r>
+              <a:rPr lang="en-US" altLang="zh-CN" sz="900" smtClean="0">
+                <a:solidFill>
+                  <a:schemeClr val="tx1">
+                    <a:lumMod val="85000"/>
+                    <a:lumOff val="15000"/>
+                  </a:schemeClr>
+                </a:solidFill>
+                <a:latin typeface="+mj-ea"/>
+                <a:ea typeface="+mj-ea"/>
+              </a:rPr>
+              <a:t>ClassPath</a:t>
+            </a:r>
+            <a:endParaRPr lang="en-US" altLang="zh-CN" sz="900">
+              <a:solidFill>
+                <a:schemeClr val="tx1">
+                  <a:lumMod val="85000"/>
+                  <a:lumOff val="15000"/>
+                </a:schemeClr>
+              </a:solidFill>
+              <a:latin typeface="+mj-ea"/>
+              <a:ea typeface="+mj-ea"/>
+            </a:endParaRPr>
+          </a:p>
+        </p:txBody>
+      </p:sp>
+      <p:sp>
+        <p:nvSpPr>
+          <p:cNvPr id="7" name="圆角矩形 6"/>
+          <p:cNvSpPr/>
+          <p:nvPr/>
+        </p:nvSpPr>
+        <p:spPr>
+          <a:xfrm>
+            <a:off x="2471396" y="848573"/>
+            <a:ext cx="757286" cy="271850"/>
+          </a:xfrm>
+          <a:prstGeom prst="roundRect">
+            <a:avLst>
+              <a:gd name="adj" fmla="val 8543"/>
+            </a:avLst>
+          </a:prstGeom>
+          <a:noFill/>
+          <a:ln w="3175">
+            <a:solidFill>
+              <a:srgbClr val="006666"/>
+            </a:solidFill>
+          </a:ln>
+        </p:spPr>
+        <p:style>
+          <a:lnRef idx="2">
+            <a:schemeClr val="accent1">
+              <a:shade val="50000"/>
+            </a:schemeClr>
+          </a:lnRef>
+          <a:fillRef idx="1">
+            <a:schemeClr val="accent1"/>
+          </a:fillRef>
+          <a:effectRef idx="0">
+            <a:schemeClr val="accent1"/>
+          </a:effectRef>
+          <a:fontRef idx="minor">
+            <a:schemeClr val="lt1"/>
+          </a:fontRef>
+        </p:style>
+        <p:txBody>
+          <a:bodyPr rtlCol="0" anchor="ctr"/>
+          <a:lstStyle/>
+          <a:p>
+            <a:pPr algn="ctr"/>
+            <a:r>
+              <a:rPr lang="en-US" altLang="zh-CN" sz="900" smtClean="0">
+                <a:solidFill>
+                  <a:schemeClr val="tx1">
+                    <a:lumMod val="85000"/>
+                    <a:lumOff val="15000"/>
+                  </a:schemeClr>
+                </a:solidFill>
+                <a:latin typeface="+mj-ea"/>
+                <a:ea typeface="+mj-ea"/>
+              </a:rPr>
+              <a:t>File</a:t>
+            </a:r>
+          </a:p>
+        </p:txBody>
+      </p:sp>
+      <p:sp>
+        <p:nvSpPr>
+          <p:cNvPr id="8" name="圆角矩形 7"/>
+          <p:cNvSpPr/>
+          <p:nvPr/>
+        </p:nvSpPr>
+        <p:spPr>
+          <a:xfrm>
+            <a:off x="2471396" y="1256345"/>
+            <a:ext cx="757286" cy="271850"/>
+          </a:xfrm>
+          <a:prstGeom prst="roundRect">
+            <a:avLst>
+              <a:gd name="adj" fmla="val 8543"/>
+            </a:avLst>
+          </a:prstGeom>
+          <a:noFill/>
+          <a:ln w="3175">
+            <a:solidFill>
+              <a:srgbClr val="006666"/>
+            </a:solidFill>
+          </a:ln>
+        </p:spPr>
+        <p:style>
+          <a:lnRef idx="2">
+            <a:schemeClr val="accent1">
+              <a:shade val="50000"/>
+            </a:schemeClr>
+          </a:lnRef>
+          <a:fillRef idx="1">
+            <a:schemeClr val="accent1"/>
+          </a:fillRef>
+          <a:effectRef idx="0">
+            <a:schemeClr val="accent1"/>
+          </a:effectRef>
+          <a:fontRef idx="minor">
+            <a:schemeClr val="lt1"/>
+          </a:fontRef>
+        </p:style>
+        <p:txBody>
+          <a:bodyPr rtlCol="0" anchor="ctr"/>
+          <a:lstStyle/>
+          <a:p>
+            <a:pPr algn="ctr"/>
+            <a:r>
+              <a:rPr lang="en-US" altLang="zh-CN" sz="900" smtClean="0">
+                <a:solidFill>
+                  <a:schemeClr val="tx1">
+                    <a:lumMod val="85000"/>
+                    <a:lumOff val="15000"/>
+                  </a:schemeClr>
+                </a:solidFill>
+                <a:latin typeface="+mj-ea"/>
+                <a:ea typeface="+mj-ea"/>
+              </a:rPr>
+              <a:t>http</a:t>
+            </a:r>
+            <a:r>
+              <a:rPr lang="zh-CN" altLang="en-US" sz="900" smtClean="0">
+                <a:solidFill>
+                  <a:schemeClr val="tx1">
+                    <a:lumMod val="85000"/>
+                    <a:lumOff val="15000"/>
+                  </a:schemeClr>
+                </a:solidFill>
+                <a:latin typeface="+mj-ea"/>
+                <a:ea typeface="+mj-ea"/>
+              </a:rPr>
+              <a:t>文件</a:t>
+            </a:r>
+            <a:endParaRPr lang="en-US" altLang="zh-CN" sz="900">
+              <a:solidFill>
+                <a:schemeClr val="tx1">
+                  <a:lumMod val="85000"/>
+                  <a:lumOff val="15000"/>
+                </a:schemeClr>
+              </a:solidFill>
+              <a:latin typeface="+mj-ea"/>
+              <a:ea typeface="+mj-ea"/>
+            </a:endParaRPr>
+          </a:p>
+        </p:txBody>
+      </p:sp>
+      <p:cxnSp>
+        <p:nvCxnSpPr>
+          <p:cNvPr id="10" name="直接箭头连接符 9"/>
+          <p:cNvCxnSpPr>
+            <a:stCxn id="2" idx="3"/>
+            <a:endCxn id="7" idx="1"/>
+          </p:cNvCxnSpPr>
+          <p:nvPr/>
+        </p:nvCxnSpPr>
+        <p:spPr>
+          <a:xfrm>
+            <a:off x="1941923" y="984498"/>
+            <a:ext cx="529473" cy="0"/>
+          </a:xfrm>
+          <a:prstGeom prst="straightConnector1">
+            <a:avLst/>
+          </a:prstGeom>
+          <a:ln>
+            <a:solidFill>
+              <a:srgbClr val="006666"/>
+            </a:solidFill>
+            <a:tailEnd type="triangle"/>
+          </a:ln>
+        </p:spPr>
+        <p:style>
+          <a:lnRef idx="1">
+            <a:schemeClr val="accent1"/>
+          </a:lnRef>
+          <a:fillRef idx="0">
+            <a:schemeClr val="accent1"/>
+          </a:fillRef>
+          <a:effectRef idx="0">
+            <a:schemeClr val="accent1"/>
+          </a:effectRef>
+          <a:fontRef idx="minor">
+            <a:schemeClr val="tx1"/>
+          </a:fontRef>
+        </p:style>
+      </p:cxnSp>
+      <p:cxnSp>
+        <p:nvCxnSpPr>
+          <p:cNvPr id="13" name="曲线连接符 12"/>
+          <p:cNvCxnSpPr>
+            <a:stCxn id="2" idx="3"/>
+            <a:endCxn id="6" idx="1"/>
+          </p:cNvCxnSpPr>
+          <p:nvPr/>
+        </p:nvCxnSpPr>
+        <p:spPr>
+          <a:xfrm flipV="1">
+            <a:off x="1941923" y="576726"/>
+            <a:ext cx="529473" cy="407772"/>
+          </a:xfrm>
+          <a:prstGeom prst="curvedConnector3">
+            <a:avLst/>
+          </a:prstGeom>
+          <a:ln>
+            <a:solidFill>
+              <a:srgbClr val="006666"/>
+            </a:solidFill>
+            <a:tailEnd type="triangle"/>
+          </a:ln>
+        </p:spPr>
+        <p:style>
+          <a:lnRef idx="1">
+            <a:schemeClr val="accent1"/>
+          </a:lnRef>
+          <a:fillRef idx="0">
+            <a:schemeClr val="accent1"/>
+          </a:fillRef>
+          <a:effectRef idx="0">
+            <a:schemeClr val="accent1"/>
+          </a:effectRef>
+          <a:fontRef idx="minor">
+            <a:schemeClr val="tx1"/>
+          </a:fontRef>
+        </p:style>
+      </p:cxnSp>
+      <p:cxnSp>
+        <p:nvCxnSpPr>
+          <p:cNvPr id="15" name="曲线连接符 14"/>
+          <p:cNvCxnSpPr>
+            <a:stCxn id="2" idx="3"/>
+            <a:endCxn id="8" idx="1"/>
+          </p:cNvCxnSpPr>
+          <p:nvPr/>
+        </p:nvCxnSpPr>
+        <p:spPr>
+          <a:xfrm>
+            <a:off x="1941923" y="984498"/>
+            <a:ext cx="529473" cy="407772"/>
+          </a:xfrm>
+          <a:prstGeom prst="curvedConnector3">
+            <a:avLst/>
+          </a:prstGeom>
+          <a:ln>
+            <a:solidFill>
+              <a:srgbClr val="006666"/>
+            </a:solidFill>
+            <a:tailEnd type="triangle"/>
+          </a:ln>
+        </p:spPr>
+        <p:style>
+          <a:lnRef idx="1">
+            <a:schemeClr val="accent1"/>
+          </a:lnRef>
+          <a:fillRef idx="0">
+            <a:schemeClr val="accent1"/>
+          </a:fillRef>
+          <a:effectRef idx="0">
+            <a:schemeClr val="accent1"/>
+          </a:effectRef>
+          <a:fontRef idx="minor">
+            <a:schemeClr val="tx1"/>
+          </a:fontRef>
+        </p:style>
+      </p:cxnSp>
+      <p:sp>
+        <p:nvSpPr>
+          <p:cNvPr id="16" name="圆角矩形 15"/>
+          <p:cNvSpPr/>
+          <p:nvPr/>
+        </p:nvSpPr>
+        <p:spPr>
+          <a:xfrm>
+            <a:off x="1022808" y="1839658"/>
+            <a:ext cx="2205874" cy="329011"/>
+          </a:xfrm>
+          <a:prstGeom prst="roundRect">
+            <a:avLst>
+              <a:gd name="adj" fmla="val 8543"/>
+            </a:avLst>
+          </a:prstGeom>
+          <a:solidFill>
+            <a:srgbClr val="006666"/>
+          </a:solidFill>
+          <a:ln>
+            <a:noFill/>
+          </a:ln>
+        </p:spPr>
+        <p:style>
+          <a:lnRef idx="2">
+            <a:schemeClr val="accent1">
+              <a:shade val="50000"/>
+            </a:schemeClr>
+          </a:lnRef>
+          <a:fillRef idx="1">
+            <a:schemeClr val="accent1"/>
+          </a:fillRef>
+          <a:effectRef idx="0">
+            <a:schemeClr val="accent1"/>
+          </a:effectRef>
+          <a:fontRef idx="minor">
+            <a:schemeClr val="lt1"/>
+          </a:fontRef>
+        </p:style>
+        <p:txBody>
+          <a:bodyPr rtlCol="0" anchor="ctr"/>
+          <a:lstStyle/>
+          <a:p>
+            <a:pPr algn="r"/>
+            <a:r>
+              <a:rPr lang="en-US" altLang="zh-CN" sz="900" smtClean="0">
+                <a:solidFill>
+                  <a:schemeClr val="bg1"/>
+                </a:solidFill>
+                <a:latin typeface="+mj-ea"/>
+                <a:ea typeface="+mj-ea"/>
+              </a:rPr>
+              <a:t>Xml</a:t>
+            </a:r>
+            <a:r>
+              <a:rPr lang="zh-CN" altLang="en-US" sz="900" smtClean="0">
+                <a:solidFill>
+                  <a:schemeClr val="bg1"/>
+                </a:solidFill>
+                <a:latin typeface="+mj-ea"/>
+                <a:ea typeface="+mj-ea"/>
+              </a:rPr>
+              <a:t>操作</a:t>
+            </a:r>
+            <a:endParaRPr lang="en-US" altLang="zh-CN" sz="900">
+              <a:solidFill>
+                <a:schemeClr val="bg1"/>
+              </a:solidFill>
+              <a:latin typeface="+mj-ea"/>
+              <a:ea typeface="+mj-ea"/>
+            </a:endParaRPr>
+          </a:p>
+        </p:txBody>
+      </p:sp>
+      <p:pic>
+        <p:nvPicPr>
+          <p:cNvPr id="19" name="图片 18"/>
+          <p:cNvPicPr>
+            <a:picLocks noChangeAspect="1"/>
+          </p:cNvPicPr>
+          <p:nvPr/>
+        </p:nvPicPr>
+        <p:blipFill>
+          <a:blip r:embed="rId3" cstate="print">
+            <a:extLst>
+              <a:ext uri="{28A0092B-C50C-407E-A947-70E740481C1C}">
+                <a14:useLocalDpi xmlns:a14="http://schemas.microsoft.com/office/drawing/2010/main" val="0"/>
+              </a:ext>
+            </a:extLst>
+          </a:blip>
+          <a:stretch>
+            <a:fillRect/>
+          </a:stretch>
+        </p:blipFill>
+        <p:spPr>
+          <a:xfrm>
+            <a:off x="1109464" y="1894306"/>
+            <a:ext cx="219714" cy="219714"/>
+          </a:xfrm>
+          <a:prstGeom prst="rect">
+            <a:avLst/>
+          </a:prstGeom>
+        </p:spPr>
+      </p:pic>
+      <p:sp>
+        <p:nvSpPr>
+          <p:cNvPr id="20" name="圆角矩形 19"/>
+          <p:cNvSpPr/>
+          <p:nvPr/>
+        </p:nvSpPr>
+        <p:spPr>
+          <a:xfrm>
+            <a:off x="1383778" y="1895492"/>
+            <a:ext cx="407315" cy="218528"/>
+          </a:xfrm>
+          <a:prstGeom prst="roundRect">
+            <a:avLst>
+              <a:gd name="adj" fmla="val 12841"/>
+            </a:avLst>
+          </a:prstGeom>
+          <a:solidFill>
+            <a:schemeClr val="bg1"/>
+          </a:solidFill>
+          <a:ln>
+            <a:noFill/>
+          </a:ln>
+        </p:spPr>
+        <p:style>
+          <a:lnRef idx="2">
+            <a:schemeClr val="accent1">
+              <a:shade val="50000"/>
+            </a:schemeClr>
+          </a:lnRef>
+          <a:fillRef idx="1">
+            <a:schemeClr val="accent1"/>
+          </a:fillRef>
+          <a:effectRef idx="0">
+            <a:schemeClr val="accent1"/>
+          </a:effectRef>
+          <a:fontRef idx="minor">
+            <a:schemeClr val="lt1"/>
+          </a:fontRef>
+        </p:style>
+        <p:txBody>
+          <a:bodyPr rtlCol="0" anchor="ctr"/>
+          <a:lstStyle/>
+          <a:p>
+            <a:pPr algn="ctr"/>
+            <a:r>
+              <a:rPr lang="zh-CN" altLang="en-US" sz="800" smtClean="0">
+                <a:solidFill>
+                  <a:schemeClr val="tx1">
+                    <a:lumMod val="85000"/>
+                    <a:lumOff val="15000"/>
+                  </a:schemeClr>
+                </a:solidFill>
+                <a:latin typeface="+mj-ea"/>
+                <a:ea typeface="+mj-ea"/>
+              </a:rPr>
+              <a:t>资源</a:t>
+            </a:r>
+            <a:endParaRPr lang="en-US" altLang="zh-CN" sz="800">
+              <a:solidFill>
+                <a:schemeClr val="tx1">
+                  <a:lumMod val="85000"/>
+                  <a:lumOff val="15000"/>
+                </a:schemeClr>
+              </a:solidFill>
+              <a:latin typeface="+mj-ea"/>
+              <a:ea typeface="+mj-ea"/>
+            </a:endParaRPr>
+          </a:p>
+        </p:txBody>
+      </p:sp>
+      <p:sp>
+        <p:nvSpPr>
+          <p:cNvPr id="23" name="圆角矩形 22"/>
+          <p:cNvSpPr/>
+          <p:nvPr/>
+        </p:nvSpPr>
+        <p:spPr>
+          <a:xfrm>
+            <a:off x="1835676" y="1895492"/>
+            <a:ext cx="407315" cy="218528"/>
+          </a:xfrm>
+          <a:prstGeom prst="roundRect">
+            <a:avLst>
+              <a:gd name="adj" fmla="val 12841"/>
+            </a:avLst>
+          </a:prstGeom>
+          <a:solidFill>
+            <a:schemeClr val="bg1"/>
+          </a:solidFill>
+          <a:ln>
+            <a:noFill/>
+          </a:ln>
+        </p:spPr>
+        <p:style>
+          <a:lnRef idx="2">
+            <a:schemeClr val="accent1">
+              <a:shade val="50000"/>
+            </a:schemeClr>
+          </a:lnRef>
+          <a:fillRef idx="1">
+            <a:schemeClr val="accent1"/>
+          </a:fillRef>
+          <a:effectRef idx="0">
+            <a:schemeClr val="accent1"/>
+          </a:effectRef>
+          <a:fontRef idx="minor">
+            <a:schemeClr val="lt1"/>
+          </a:fontRef>
+        </p:style>
+        <p:txBody>
+          <a:bodyPr rtlCol="0" anchor="ctr"/>
+          <a:lstStyle/>
+          <a:p>
+            <a:pPr algn="ctr"/>
+            <a:r>
+              <a:rPr lang="zh-CN" altLang="en-US" sz="800">
+                <a:solidFill>
+                  <a:schemeClr val="tx1">
+                    <a:lumMod val="85000"/>
+                    <a:lumOff val="15000"/>
+                  </a:schemeClr>
+                </a:solidFill>
+                <a:latin typeface="+mj-ea"/>
+                <a:ea typeface="+mj-ea"/>
+              </a:rPr>
+              <a:t>解析</a:t>
+            </a:r>
+            <a:endParaRPr lang="en-US" altLang="zh-CN" sz="800">
+              <a:solidFill>
+                <a:schemeClr val="tx1">
+                  <a:lumMod val="85000"/>
+                  <a:lumOff val="15000"/>
+                </a:schemeClr>
+              </a:solidFill>
+              <a:latin typeface="+mj-ea"/>
+              <a:ea typeface="+mj-ea"/>
+            </a:endParaRPr>
+          </a:p>
+        </p:txBody>
+      </p:sp>
+      <p:sp>
+        <p:nvSpPr>
+          <p:cNvPr id="24" name="圆角矩形 23"/>
+          <p:cNvSpPr/>
+          <p:nvPr/>
+        </p:nvSpPr>
+        <p:spPr>
+          <a:xfrm>
+            <a:off x="2287574" y="1895492"/>
+            <a:ext cx="407315" cy="218528"/>
+          </a:xfrm>
+          <a:prstGeom prst="roundRect">
+            <a:avLst>
+              <a:gd name="adj" fmla="val 12841"/>
+            </a:avLst>
+          </a:prstGeom>
+          <a:solidFill>
+            <a:schemeClr val="bg1"/>
+          </a:solidFill>
+          <a:ln>
+            <a:noFill/>
+          </a:ln>
+        </p:spPr>
+        <p:style>
+          <a:lnRef idx="2">
+            <a:schemeClr val="accent1">
+              <a:shade val="50000"/>
+            </a:schemeClr>
+          </a:lnRef>
+          <a:fillRef idx="1">
+            <a:schemeClr val="accent1"/>
+          </a:fillRef>
+          <a:effectRef idx="0">
+            <a:schemeClr val="accent1"/>
+          </a:effectRef>
+          <a:fontRef idx="minor">
+            <a:schemeClr val="lt1"/>
+          </a:fontRef>
+        </p:style>
+        <p:txBody>
+          <a:bodyPr rtlCol="0" anchor="ctr"/>
+          <a:lstStyle/>
+          <a:p>
+            <a:pPr algn="ctr"/>
+            <a:r>
+              <a:rPr lang="zh-CN" altLang="en-US" sz="800" smtClean="0">
+                <a:solidFill>
+                  <a:schemeClr val="tx1">
+                    <a:lumMod val="85000"/>
+                    <a:lumOff val="15000"/>
+                  </a:schemeClr>
+                </a:solidFill>
+                <a:latin typeface="+mj-ea"/>
+                <a:ea typeface="+mj-ea"/>
+              </a:rPr>
+              <a:t>注册</a:t>
+            </a:r>
+            <a:endParaRPr lang="en-US" altLang="zh-CN" sz="800">
+              <a:solidFill>
+                <a:schemeClr val="tx1">
+                  <a:lumMod val="85000"/>
+                  <a:lumOff val="15000"/>
+                </a:schemeClr>
+              </a:solidFill>
+              <a:latin typeface="+mj-ea"/>
+              <a:ea typeface="+mj-ea"/>
+            </a:endParaRPr>
+          </a:p>
+        </p:txBody>
+      </p:sp>
+      <p:sp>
+        <p:nvSpPr>
+          <p:cNvPr id="25" name="圆角矩形 24"/>
+          <p:cNvSpPr/>
+          <p:nvPr/>
+        </p:nvSpPr>
+        <p:spPr>
+          <a:xfrm>
+            <a:off x="1022808" y="2521005"/>
+            <a:ext cx="2205874" cy="329011"/>
+          </a:xfrm>
+          <a:prstGeom prst="roundRect">
+            <a:avLst>
+              <a:gd name="adj" fmla="val 8543"/>
+            </a:avLst>
+          </a:prstGeom>
+          <a:solidFill>
+            <a:srgbClr val="006666"/>
+          </a:solidFill>
+          <a:ln>
+            <a:noFill/>
+          </a:ln>
+        </p:spPr>
+        <p:style>
+          <a:lnRef idx="2">
+            <a:schemeClr val="accent1">
+              <a:shade val="50000"/>
+            </a:schemeClr>
+          </a:lnRef>
+          <a:fillRef idx="1">
+            <a:schemeClr val="accent1"/>
+          </a:fillRef>
+          <a:effectRef idx="0">
+            <a:schemeClr val="accent1"/>
+          </a:effectRef>
+          <a:fontRef idx="minor">
+            <a:schemeClr val="lt1"/>
+          </a:fontRef>
+        </p:style>
+        <p:txBody>
+          <a:bodyPr rtlCol="0" anchor="ctr"/>
+          <a:lstStyle/>
+          <a:p>
+            <a:pPr algn="ctr"/>
+            <a:r>
+              <a:rPr lang="en-US" altLang="zh-CN" sz="900" smtClean="0">
+                <a:solidFill>
+                  <a:schemeClr val="bg1"/>
+                </a:solidFill>
+                <a:latin typeface="+mj-ea"/>
+                <a:ea typeface="+mj-ea"/>
+              </a:rPr>
+              <a:t>Spring Bean </a:t>
+            </a:r>
+            <a:r>
+              <a:rPr lang="zh-CN" altLang="en-US" sz="900" smtClean="0">
+                <a:solidFill>
+                  <a:schemeClr val="bg1"/>
+                </a:solidFill>
+                <a:latin typeface="+mj-ea"/>
+                <a:ea typeface="+mj-ea"/>
+              </a:rPr>
+              <a:t>容器</a:t>
+            </a:r>
+            <a:endParaRPr lang="en-US" altLang="zh-CN" sz="900">
+              <a:solidFill>
+                <a:schemeClr val="bg1"/>
+              </a:solidFill>
+              <a:latin typeface="+mj-ea"/>
+              <a:ea typeface="+mj-ea"/>
+            </a:endParaRPr>
+          </a:p>
+        </p:txBody>
+      </p:sp>
+      <p:cxnSp>
+        <p:nvCxnSpPr>
+          <p:cNvPr id="27" name="直接箭头连接符 26"/>
+          <p:cNvCxnSpPr>
+            <a:stCxn id="24" idx="2"/>
+          </p:cNvCxnSpPr>
+          <p:nvPr/>
+        </p:nvCxnSpPr>
+        <p:spPr>
+          <a:xfrm flipH="1">
+            <a:off x="2491231" y="2114020"/>
+            <a:ext cx="1" cy="406985"/>
+          </a:xfrm>
+          <a:prstGeom prst="straightConnector1">
+            <a:avLst/>
+          </a:prstGeom>
+          <a:ln>
+            <a:solidFill>
+              <a:srgbClr val="006666"/>
+            </a:solidFill>
+            <a:tailEnd type="triangle"/>
+          </a:ln>
+        </p:spPr>
+        <p:style>
+          <a:lnRef idx="1">
+            <a:schemeClr val="accent1"/>
+          </a:lnRef>
+          <a:fillRef idx="0">
+            <a:schemeClr val="accent1"/>
+          </a:fillRef>
+          <a:effectRef idx="0">
+            <a:schemeClr val="accent1"/>
+          </a:effectRef>
+          <a:fontRef idx="minor">
+            <a:schemeClr val="tx1"/>
+          </a:fontRef>
+        </p:style>
+      </p:cxnSp>
+      <p:sp>
+        <p:nvSpPr>
+          <p:cNvPr id="30" name="圆角矩形 29"/>
+          <p:cNvSpPr/>
+          <p:nvPr/>
+        </p:nvSpPr>
+        <p:spPr>
+          <a:xfrm>
+            <a:off x="3704733" y="2521004"/>
+            <a:ext cx="602729" cy="329011"/>
+          </a:xfrm>
+          <a:prstGeom prst="roundRect">
+            <a:avLst>
+              <a:gd name="adj" fmla="val 8543"/>
+            </a:avLst>
+          </a:prstGeom>
+          <a:noFill/>
+          <a:ln w="3175">
+            <a:noFill/>
+          </a:ln>
+        </p:spPr>
+        <p:style>
+          <a:lnRef idx="2">
+            <a:schemeClr val="accent1">
+              <a:shade val="50000"/>
+            </a:schemeClr>
+          </a:lnRef>
+          <a:fillRef idx="1">
+            <a:schemeClr val="accent1"/>
+          </a:fillRef>
+          <a:effectRef idx="0">
+            <a:schemeClr val="accent1"/>
+          </a:effectRef>
+          <a:fontRef idx="minor">
+            <a:schemeClr val="lt1"/>
+          </a:fontRef>
+        </p:style>
+        <p:txBody>
+          <a:bodyPr rtlCol="0" anchor="ctr"/>
+          <a:lstStyle/>
+          <a:p>
+            <a:pPr algn="ctr"/>
+            <a:r>
+              <a:rPr lang="en-US" altLang="zh-CN" sz="900" smtClean="0">
+                <a:solidFill>
+                  <a:schemeClr val="tx1">
+                    <a:lumMod val="85000"/>
+                    <a:lumOff val="15000"/>
+                  </a:schemeClr>
+                </a:solidFill>
+                <a:latin typeface="+mj-ea"/>
+                <a:ea typeface="+mj-ea"/>
+              </a:rPr>
+              <a:t>GetBean</a:t>
+            </a:r>
+          </a:p>
+        </p:txBody>
+      </p:sp>
+      <p:cxnSp>
+        <p:nvCxnSpPr>
+          <p:cNvPr id="32" name="直接箭头连接符 31"/>
+          <p:cNvCxnSpPr>
+            <a:stCxn id="30" idx="1"/>
+            <a:endCxn id="25" idx="3"/>
+          </p:cNvCxnSpPr>
+          <p:nvPr/>
+        </p:nvCxnSpPr>
+        <p:spPr>
+          <a:xfrm flipH="1">
+            <a:off x="3228682" y="2685510"/>
+            <a:ext cx="476051" cy="1"/>
+          </a:xfrm>
+          <a:prstGeom prst="straightConnector1">
+            <a:avLst/>
+          </a:prstGeom>
+          <a:ln>
+            <a:solidFill>
+              <a:schemeClr val="tx1"/>
+            </a:solidFill>
+            <a:tailEnd type="triangle"/>
+          </a:ln>
+        </p:spPr>
+        <p:style>
+          <a:lnRef idx="1">
+            <a:schemeClr val="accent1"/>
+          </a:lnRef>
+          <a:fillRef idx="0">
+            <a:schemeClr val="accent1"/>
+          </a:fillRef>
+          <a:effectRef idx="0">
+            <a:schemeClr val="accent1"/>
+          </a:effectRef>
+          <a:fontRef idx="minor">
+            <a:schemeClr val="tx1"/>
+          </a:fontRef>
+        </p:style>
+      </p:cxnSp>
+      <p:cxnSp>
+        <p:nvCxnSpPr>
+          <p:cNvPr id="34" name="直接箭头连接符 33"/>
+          <p:cNvCxnSpPr/>
+          <p:nvPr/>
+        </p:nvCxnSpPr>
+        <p:spPr>
+          <a:xfrm>
+            <a:off x="1578989" y="1145342"/>
+            <a:ext cx="0" cy="690655"/>
+          </a:xfrm>
+          <a:prstGeom prst="straightConnector1">
+            <a:avLst/>
+          </a:prstGeom>
+          <a:ln>
+            <a:solidFill>
+              <a:srgbClr val="006666"/>
+            </a:solidFill>
+            <a:tailEnd type="triangle"/>
+          </a:ln>
+        </p:spPr>
+        <p:style>
+          <a:lnRef idx="1">
+            <a:schemeClr val="accent1"/>
+          </a:lnRef>
+          <a:fillRef idx="0">
+            <a:schemeClr val="accent1"/>
+          </a:fillRef>
+          <a:effectRef idx="0">
+            <a:schemeClr val="accent1"/>
+          </a:effectRef>
+          <a:fontRef idx="minor">
+            <a:schemeClr val="tx1"/>
+          </a:fontRef>
+        </p:style>
+      </p:cxnSp>
+      <p:cxnSp>
+        <p:nvCxnSpPr>
+          <p:cNvPr id="43" name="直接箭头连接符 42"/>
+          <p:cNvCxnSpPr/>
+          <p:nvPr/>
+        </p:nvCxnSpPr>
+        <p:spPr>
+          <a:xfrm flipV="1">
+            <a:off x="1383778" y="1149003"/>
+            <a:ext cx="0" cy="690655"/>
+          </a:xfrm>
+          <a:prstGeom prst="straightConnector1">
+            <a:avLst/>
+          </a:prstGeom>
+          <a:ln>
+            <a:solidFill>
+              <a:srgbClr val="006666"/>
+            </a:solidFill>
+            <a:tailEnd type="triangle"/>
+          </a:ln>
+        </p:spPr>
+        <p:style>
+          <a:lnRef idx="1">
+            <a:schemeClr val="accent1"/>
+          </a:lnRef>
+          <a:fillRef idx="0">
+            <a:schemeClr val="accent1"/>
+          </a:fillRef>
+          <a:effectRef idx="0">
+            <a:schemeClr val="accent1"/>
+          </a:effectRef>
+          <a:fontRef idx="minor">
+            <a:schemeClr val="tx1"/>
+          </a:fontRef>
+        </p:style>
+      </p:cxnSp>
+      <p:sp>
+        <p:nvSpPr>
+          <p:cNvPr id="44" name="文本框 43"/>
+          <p:cNvSpPr txBox="1"/>
+          <p:nvPr/>
+        </p:nvSpPr>
+        <p:spPr>
+          <a:xfrm>
+            <a:off x="1027222" y="1420851"/>
+            <a:ext cx="389850" cy="215444"/>
+          </a:xfrm>
+          <a:prstGeom prst="rect">
+            <a:avLst/>
+          </a:prstGeom>
+          <a:noFill/>
+        </p:spPr>
+        <p:txBody>
+          <a:bodyPr wrap="none" rtlCol="0">
+            <a:spAutoFit/>
+          </a:bodyPr>
+          <a:lstStyle/>
+          <a:p>
+            <a:r>
+              <a:rPr lang="zh-CN" altLang="en-US" sz="800" smtClean="0">
+                <a:solidFill>
+                  <a:srgbClr val="006666"/>
+                </a:solidFill>
+                <a:latin typeface="+mj-ea"/>
+                <a:ea typeface="+mj-ea"/>
+              </a:rPr>
+              <a:t>调用</a:t>
+            </a:r>
+            <a:endParaRPr lang="zh-CN" altLang="en-US">
+              <a:solidFill>
+                <a:srgbClr val="006666"/>
+              </a:solidFill>
+              <a:latin typeface="+mj-ea"/>
+              <a:ea typeface="+mj-ea"/>
+            </a:endParaRPr>
+          </a:p>
+        </p:txBody>
+      </p:sp>
+      <p:sp>
+        <p:nvSpPr>
+          <p:cNvPr id="45" name="文本框 44"/>
+          <p:cNvSpPr txBox="1"/>
+          <p:nvPr/>
+        </p:nvSpPr>
+        <p:spPr>
+          <a:xfrm>
+            <a:off x="1523402" y="1415098"/>
+            <a:ext cx="415498" cy="230832"/>
+          </a:xfrm>
+          <a:prstGeom prst="rect">
+            <a:avLst/>
+          </a:prstGeom>
+          <a:noFill/>
+        </p:spPr>
+        <p:txBody>
+          <a:bodyPr wrap="none" rtlCol="0">
+            <a:spAutoFit/>
+          </a:bodyPr>
+          <a:lstStyle/>
+          <a:p>
+            <a:r>
+              <a:rPr lang="zh-CN" altLang="en-US" sz="900" smtClean="0">
+                <a:solidFill>
+                  <a:srgbClr val="006666"/>
+                </a:solidFill>
+                <a:latin typeface="+mj-ea"/>
+                <a:ea typeface="+mj-ea"/>
+              </a:rPr>
+              <a:t>返回</a:t>
+            </a:r>
+            <a:endParaRPr lang="zh-CN" altLang="en-US" sz="900">
+              <a:solidFill>
+                <a:srgbClr val="006666"/>
+              </a:solidFill>
+              <a:latin typeface="+mj-ea"/>
+              <a:ea typeface="+mj-ea"/>
+            </a:endParaRPr>
+          </a:p>
+        </p:txBody>
+      </p:sp>
+      <p:sp>
+        <p:nvSpPr>
+          <p:cNvPr id="46" name="左大括号 45"/>
+          <p:cNvSpPr/>
+          <p:nvPr/>
+        </p:nvSpPr>
+        <p:spPr>
+          <a:xfrm>
+            <a:off x="923924" y="819992"/>
+            <a:ext cx="45719" cy="1348677"/>
+          </a:xfrm>
+          <a:prstGeom prst="leftBrace">
+            <a:avLst/>
+          </a:prstGeom>
+          <a:ln>
+            <a:solidFill>
+              <a:srgbClr val="006666"/>
+            </a:solidFill>
+          </a:ln>
+        </p:spPr>
+        <p:style>
+          <a:lnRef idx="1">
+            <a:schemeClr val="accent1"/>
+          </a:lnRef>
+          <a:fillRef idx="0">
+            <a:schemeClr val="accent1"/>
+          </a:fillRef>
+          <a:effectRef idx="0">
+            <a:schemeClr val="accent1"/>
+          </a:effectRef>
+          <a:fontRef idx="minor">
+            <a:schemeClr val="tx1"/>
+          </a:fontRef>
+        </p:style>
+        <p:txBody>
+          <a:bodyPr rtlCol="0" anchor="ctr"/>
+          <a:lstStyle/>
+          <a:p>
+            <a:pPr algn="ctr"/>
+            <a:endParaRPr lang="zh-CN" altLang="en-US"/>
+          </a:p>
+        </p:txBody>
+      </p:sp>
+      <p:sp>
+        <p:nvSpPr>
+          <p:cNvPr id="47" name="文本框 46"/>
+          <p:cNvSpPr txBox="1"/>
+          <p:nvPr/>
+        </p:nvSpPr>
+        <p:spPr>
+          <a:xfrm>
+            <a:off x="260810" y="1371245"/>
+            <a:ext cx="705642" cy="331181"/>
+          </a:xfrm>
+          <a:prstGeom prst="rect">
+            <a:avLst/>
+          </a:prstGeom>
+          <a:noFill/>
+        </p:spPr>
+        <p:txBody>
+          <a:bodyPr wrap="none" rtlCol="0">
+            <a:spAutoFit/>
+          </a:bodyPr>
+          <a:lstStyle/>
+          <a:p>
+            <a:r>
+              <a:rPr lang="en-US" altLang="zh-CN" smtClean="0">
+                <a:solidFill>
+                  <a:srgbClr val="006666"/>
+                </a:solidFill>
+              </a:rPr>
+              <a:t>Spring.xml</a:t>
+            </a:r>
+          </a:p>
+          <a:p>
+            <a:pPr algn="ctr"/>
+            <a:r>
+              <a:rPr lang="zh-CN" altLang="en-US" sz="600" smtClean="0">
+                <a:solidFill>
+                  <a:srgbClr val="006666"/>
+                </a:solidFill>
+                <a:latin typeface="+mj-ea"/>
+                <a:ea typeface="+mj-ea"/>
+              </a:rPr>
+              <a:t>资源处理</a:t>
+            </a:r>
+            <a:endParaRPr lang="zh-CN" altLang="en-US" sz="600">
+              <a:solidFill>
+                <a:srgbClr val="006666"/>
+              </a:solidFill>
+              <a:latin typeface="+mj-ea"/>
+              <a:ea typeface="+mj-ea"/>
+            </a:endParaRPr>
+          </a:p>
+        </p:txBody>
+      </p:sp>
+      <p:sp>
+        <p:nvSpPr>
+          <p:cNvPr id="48" name="文本框 47"/>
+          <p:cNvSpPr txBox="1"/>
+          <p:nvPr/>
+        </p:nvSpPr>
+        <p:spPr>
+          <a:xfrm>
+            <a:off x="2448667" y="2235866"/>
+            <a:ext cx="492443" cy="184666"/>
+          </a:xfrm>
+          <a:prstGeom prst="rect">
+            <a:avLst/>
+          </a:prstGeom>
+          <a:noFill/>
+        </p:spPr>
+        <p:txBody>
+          <a:bodyPr wrap="none" rtlCol="0">
+            <a:spAutoFit/>
+          </a:bodyPr>
+          <a:lstStyle/>
+          <a:p>
+            <a:r>
+              <a:rPr lang="en-US" altLang="zh-CN" sz="600" smtClean="0">
+                <a:latin typeface="+mj-ea"/>
+                <a:ea typeface="+mj-ea"/>
+              </a:rPr>
+              <a:t>Bean</a:t>
+            </a:r>
+            <a:r>
+              <a:rPr lang="zh-CN" altLang="en-US" sz="600" smtClean="0">
+                <a:latin typeface="+mj-ea"/>
+                <a:ea typeface="+mj-ea"/>
+              </a:rPr>
+              <a:t>对象</a:t>
+            </a:r>
+            <a:endParaRPr lang="zh-CN" altLang="en-US" sz="600">
+              <a:latin typeface="+mj-ea"/>
+              <a:ea typeface="+mj-ea"/>
+            </a:endParaRPr>
+          </a:p>
+        </p:txBody>
+      </p:sp>
+      <p:cxnSp>
+        <p:nvCxnSpPr>
+          <p:cNvPr id="50" name="直接箭头连接符 49"/>
+          <p:cNvCxnSpPr>
+            <a:stCxn id="51" idx="1"/>
+            <a:endCxn id="8" idx="3"/>
+          </p:cNvCxnSpPr>
+          <p:nvPr/>
+        </p:nvCxnSpPr>
+        <p:spPr>
+          <a:xfrm flipH="1" flipV="1">
+            <a:off x="3228682" y="1392270"/>
+            <a:ext cx="212719" cy="106756"/>
+          </a:xfrm>
+          <a:prstGeom prst="straightConnector1">
+            <a:avLst/>
+          </a:prstGeom>
+          <a:ln>
+            <a:solidFill>
+              <a:schemeClr val="tx1"/>
+            </a:solidFill>
+            <a:tailEnd type="triangle"/>
+          </a:ln>
+        </p:spPr>
+        <p:style>
+          <a:lnRef idx="1">
+            <a:schemeClr val="accent1"/>
+          </a:lnRef>
+          <a:fillRef idx="0">
+            <a:schemeClr val="accent1"/>
+          </a:fillRef>
+          <a:effectRef idx="0">
+            <a:schemeClr val="accent1"/>
+          </a:effectRef>
+          <a:fontRef idx="minor">
+            <a:schemeClr val="tx1"/>
+          </a:fontRef>
+        </p:style>
+      </p:cxnSp>
+      <p:sp>
+        <p:nvSpPr>
+          <p:cNvPr id="51" name="文本框 50"/>
+          <p:cNvSpPr txBox="1"/>
+          <p:nvPr/>
+        </p:nvSpPr>
+        <p:spPr>
+          <a:xfrm>
+            <a:off x="3441401" y="1398998"/>
+            <a:ext cx="633507" cy="200055"/>
+          </a:xfrm>
+          <a:prstGeom prst="rect">
+            <a:avLst/>
+          </a:prstGeom>
+          <a:noFill/>
+        </p:spPr>
+        <p:txBody>
+          <a:bodyPr wrap="none" rtlCol="0">
+            <a:spAutoFit/>
+          </a:bodyPr>
+          <a:lstStyle/>
+          <a:p>
+            <a:r>
+              <a:rPr lang="zh-CN" altLang="en-US" sz="700" smtClean="0">
+                <a:latin typeface="+mj-ea"/>
+                <a:ea typeface="+mj-ea"/>
+              </a:rPr>
+              <a:t>远程云文件</a:t>
+            </a:r>
+            <a:endParaRPr lang="zh-CN" altLang="en-US" sz="700">
+              <a:latin typeface="+mj-ea"/>
+              <a:ea typeface="+mj-ea"/>
+            </a:endParaRPr>
+          </a:p>
+        </p:txBody>
+      </p:sp>
+    </p:spTree>
+    <p:extLst>
+      <p:ext uri="{BB962C8B-B14F-4D97-AF65-F5344CB8AC3E}">
+        <p14:creationId xmlns:p14="http://schemas.microsoft.com/office/powerpoint/2010/main" val="690114035"/>
       </p:ext>
     </p:extLst>
   </p:cSld>

--- a/docs/assets/ppt/插图.pptx
+++ b/docs/assets/ppt/插图.pptx
@@ -5,7 +5,7 @@
     <p:sldMasterId id="2147483648" r:id="rId1"/>
   </p:sldMasterIdLst>
   <p:notesMasterIdLst>
-    <p:notesMasterId r:id="rId9"/>
+    <p:notesMasterId r:id="rId10"/>
   </p:notesMasterIdLst>
   <p:sldIdLst>
     <p:sldId id="287" r:id="rId2"/>
@@ -15,6 +15,7 @@
     <p:sldId id="292" r:id="rId6"/>
     <p:sldId id="293" r:id="rId7"/>
     <p:sldId id="294" r:id="rId8"/>
+    <p:sldId id="295" r:id="rId9"/>
   </p:sldIdLst>
   <p:sldSz cx="5040313" cy="3600450"/>
   <p:notesSz cx="6858000" cy="9144000"/>
@@ -129,6 +130,7 @@
             <p14:sldId id="292"/>
             <p14:sldId id="293"/>
             <p14:sldId id="294"/>
+            <p14:sldId id="295"/>
           </p14:sldIdLst>
         </p14:section>
       </p14:sectionLst>
@@ -234,7 +236,7 @@
           <a:p>
             <a:fld id="{E47FC481-15AF-45CA-8376-B9BCE636A15E}" type="datetimeFigureOut">
               <a:rPr lang="zh-CN" altLang="en-US" smtClean="0"/>
-              <a:t>2021/06/09</a:t>
+              <a:t>2021/06/16</a:t>
             </a:fld>
             <a:endParaRPr lang="zh-CN" altLang="en-US"/>
           </a:p>
@@ -644,7 +646,7 @@
           <a:p>
             <a:fld id="{DCD554A7-7CC4-40A9-A60E-4E72AAE3CDC5}" type="datetimeFigureOut">
               <a:rPr lang="zh-CN" altLang="en-US" smtClean="0"/>
-              <a:t>2021/06/09</a:t>
+              <a:t>2021/06/16</a:t>
             </a:fld>
             <a:endParaRPr lang="zh-CN" altLang="en-US"/>
           </a:p>
@@ -852,7 +854,7 @@
           <a:p>
             <a:fld id="{DCD554A7-7CC4-40A9-A60E-4E72AAE3CDC5}" type="datetimeFigureOut">
               <a:rPr lang="zh-CN" altLang="en-US" smtClean="0"/>
-              <a:t>2021/06/09</a:t>
+              <a:t>2021/06/16</a:t>
             </a:fld>
             <a:endParaRPr lang="zh-CN" altLang="en-US"/>
           </a:p>
@@ -1060,7 +1062,7 @@
           <a:p>
             <a:fld id="{DCD554A7-7CC4-40A9-A60E-4E72AAE3CDC5}" type="datetimeFigureOut">
               <a:rPr lang="zh-CN" altLang="en-US" smtClean="0"/>
-              <a:t>2021/06/09</a:t>
+              <a:t>2021/06/16</a:t>
             </a:fld>
             <a:endParaRPr lang="zh-CN" altLang="en-US"/>
           </a:p>
@@ -1268,7 +1270,7 @@
           <a:p>
             <a:fld id="{DCD554A7-7CC4-40A9-A60E-4E72AAE3CDC5}" type="datetimeFigureOut">
               <a:rPr lang="zh-CN" altLang="en-US" smtClean="0"/>
-              <a:t>2021/06/09</a:t>
+              <a:t>2021/06/16</a:t>
             </a:fld>
             <a:endParaRPr lang="zh-CN" altLang="en-US"/>
           </a:p>
@@ -1543,7 +1545,7 @@
           <a:p>
             <a:fld id="{DCD554A7-7CC4-40A9-A60E-4E72AAE3CDC5}" type="datetimeFigureOut">
               <a:rPr lang="zh-CN" altLang="en-US" smtClean="0"/>
-              <a:t>2021/06/09</a:t>
+              <a:t>2021/06/16</a:t>
             </a:fld>
             <a:endParaRPr lang="zh-CN" altLang="en-US"/>
           </a:p>
@@ -1810,7 +1812,7 @@
           <a:p>
             <a:fld id="{DCD554A7-7CC4-40A9-A60E-4E72AAE3CDC5}" type="datetimeFigureOut">
               <a:rPr lang="zh-CN" altLang="en-US" smtClean="0"/>
-              <a:t>2021/06/09</a:t>
+              <a:t>2021/06/16</a:t>
             </a:fld>
             <a:endParaRPr lang="zh-CN" altLang="en-US"/>
           </a:p>
@@ -2213,7 +2215,7 @@
           <a:p>
             <a:fld id="{DCD554A7-7CC4-40A9-A60E-4E72AAE3CDC5}" type="datetimeFigureOut">
               <a:rPr lang="zh-CN" altLang="en-US" smtClean="0"/>
-              <a:t>2021/06/09</a:t>
+              <a:t>2021/06/16</a:t>
             </a:fld>
             <a:endParaRPr lang="zh-CN" altLang="en-US"/>
           </a:p>
@@ -2362,7 +2364,7 @@
           <a:p>
             <a:fld id="{DCD554A7-7CC4-40A9-A60E-4E72AAE3CDC5}" type="datetimeFigureOut">
               <a:rPr lang="zh-CN" altLang="en-US" smtClean="0"/>
-              <a:t>2021/06/09</a:t>
+              <a:t>2021/06/16</a:t>
             </a:fld>
             <a:endParaRPr lang="zh-CN" altLang="en-US"/>
           </a:p>
@@ -2481,7 +2483,7 @@
           <a:p>
             <a:fld id="{DCD554A7-7CC4-40A9-A60E-4E72AAE3CDC5}" type="datetimeFigureOut">
               <a:rPr lang="zh-CN" altLang="en-US" smtClean="0"/>
-              <a:t>2021/06/09</a:t>
+              <a:t>2021/06/16</a:t>
             </a:fld>
             <a:endParaRPr lang="zh-CN" altLang="en-US"/>
           </a:p>
@@ -2789,7 +2791,7 @@
           <a:p>
             <a:fld id="{DCD554A7-7CC4-40A9-A60E-4E72AAE3CDC5}" type="datetimeFigureOut">
               <a:rPr lang="zh-CN" altLang="en-US" smtClean="0"/>
-              <a:t>2021/06/09</a:t>
+              <a:t>2021/06/16</a:t>
             </a:fld>
             <a:endParaRPr lang="zh-CN" altLang="en-US"/>
           </a:p>
@@ -3074,7 +3076,7 @@
           <a:p>
             <a:fld id="{DCD554A7-7CC4-40A9-A60E-4E72AAE3CDC5}" type="datetimeFigureOut">
               <a:rPr lang="zh-CN" altLang="en-US" smtClean="0"/>
-              <a:t>2021/06/09</a:t>
+              <a:t>2021/06/16</a:t>
             </a:fld>
             <a:endParaRPr lang="zh-CN" altLang="en-US"/>
           </a:p>
@@ -19341,6 +19343,2671 @@
     <p:extLst>
       <p:ext uri="{BB962C8B-B14F-4D97-AF65-F5344CB8AC3E}">
         <p14:creationId xmlns:p14="http://schemas.microsoft.com/office/powerpoint/2010/main" val="690114035"/>
+      </p:ext>
+    </p:extLst>
+  </p:cSld>
+  <p:clrMapOvr>
+    <a:masterClrMapping/>
+  </p:clrMapOvr>
+</p:sld>
+</file>
+
+<file path=ppt/slides/slide8.xml><?xml version="1.0" encoding="utf-8"?>
+<p:sld xmlns:a="http://schemas.openxmlformats.org/drawingml/2006/main" xmlns:r="http://schemas.openxmlformats.org/officeDocument/2006/relationships" xmlns:p="http://schemas.openxmlformats.org/presentationml/2006/main">
+  <p:cSld>
+    <p:spTree>
+      <p:nvGrpSpPr>
+        <p:cNvPr id="1" name=""/>
+        <p:cNvGrpSpPr/>
+        <p:nvPr/>
+      </p:nvGrpSpPr>
+      <p:grpSpPr>
+        <a:xfrm>
+          <a:off x="0" y="0"/>
+          <a:ext cx="0" cy="0"/>
+          <a:chOff x="0" y="0"/>
+          <a:chExt cx="0" cy="0"/>
+        </a:xfrm>
+      </p:grpSpPr>
+      <p:sp>
+        <p:nvSpPr>
+          <p:cNvPr id="2" name="同侧圆角矩形 1"/>
+          <p:cNvSpPr/>
+          <p:nvPr/>
+        </p:nvSpPr>
+        <p:spPr>
+          <a:xfrm rot="16200000">
+            <a:off x="1481770" y="-304711"/>
+            <a:ext cx="278091" cy="1877328"/>
+          </a:xfrm>
+          <a:prstGeom prst="round2SameRect">
+            <a:avLst>
+              <a:gd name="adj1" fmla="val 9887"/>
+              <a:gd name="adj2" fmla="val 0"/>
+            </a:avLst>
+          </a:prstGeom>
+          <a:solidFill>
+            <a:schemeClr val="accent2">
+              <a:lumMod val="75000"/>
+            </a:schemeClr>
+          </a:solidFill>
+          <a:ln>
+            <a:noFill/>
+          </a:ln>
+        </p:spPr>
+        <p:style>
+          <a:lnRef idx="2">
+            <a:schemeClr val="accent1">
+              <a:shade val="50000"/>
+            </a:schemeClr>
+          </a:lnRef>
+          <a:fillRef idx="1">
+            <a:schemeClr val="accent1"/>
+          </a:fillRef>
+          <a:effectRef idx="0">
+            <a:schemeClr val="accent1"/>
+          </a:effectRef>
+          <a:fontRef idx="minor">
+            <a:schemeClr val="lt1"/>
+          </a:fontRef>
+        </p:style>
+        <p:txBody>
+          <a:bodyPr rtlCol="0" anchor="ctr"/>
+          <a:lstStyle/>
+          <a:p>
+            <a:pPr algn="ctr"/>
+            <a:endParaRPr lang="zh-CN" altLang="en-US">
+              <a:solidFill>
+                <a:srgbClr val="FF0000"/>
+              </a:solidFill>
+            </a:endParaRPr>
+          </a:p>
+        </p:txBody>
+      </p:sp>
+      <p:sp>
+        <p:nvSpPr>
+          <p:cNvPr id="3" name="矩形 2"/>
+          <p:cNvSpPr/>
+          <p:nvPr/>
+        </p:nvSpPr>
+        <p:spPr>
+          <a:xfrm>
+            <a:off x="2224828" y="777712"/>
+            <a:ext cx="334650" cy="1487490"/>
+          </a:xfrm>
+          <a:prstGeom prst="rect">
+            <a:avLst/>
+          </a:prstGeom>
+          <a:solidFill>
+            <a:schemeClr val="accent2">
+              <a:lumMod val="75000"/>
+            </a:schemeClr>
+          </a:solidFill>
+          <a:ln>
+            <a:noFill/>
+          </a:ln>
+        </p:spPr>
+        <p:style>
+          <a:lnRef idx="2">
+            <a:schemeClr val="accent1">
+              <a:shade val="50000"/>
+            </a:schemeClr>
+          </a:lnRef>
+          <a:fillRef idx="1">
+            <a:schemeClr val="accent1"/>
+          </a:fillRef>
+          <a:effectRef idx="0">
+            <a:schemeClr val="accent1"/>
+          </a:effectRef>
+          <a:fontRef idx="minor">
+            <a:schemeClr val="lt1"/>
+          </a:fontRef>
+        </p:style>
+        <p:txBody>
+          <a:bodyPr rtlCol="0" anchor="ctr"/>
+          <a:lstStyle/>
+          <a:p>
+            <a:pPr algn="ctr"/>
+            <a:endParaRPr lang="zh-CN" altLang="en-US">
+              <a:solidFill>
+                <a:srgbClr val="FF0000"/>
+              </a:solidFill>
+            </a:endParaRPr>
+          </a:p>
+        </p:txBody>
+      </p:sp>
+      <p:sp>
+        <p:nvSpPr>
+          <p:cNvPr id="4" name="文本框 3"/>
+          <p:cNvSpPr txBox="1"/>
+          <p:nvPr/>
+        </p:nvSpPr>
+        <p:spPr>
+          <a:xfrm>
+            <a:off x="682150" y="476485"/>
+            <a:ext cx="1877328" cy="323165"/>
+          </a:xfrm>
+          <a:prstGeom prst="rect">
+            <a:avLst/>
+          </a:prstGeom>
+          <a:noFill/>
+        </p:spPr>
+        <p:txBody>
+          <a:bodyPr wrap="square" rtlCol="0">
+            <a:spAutoFit/>
+          </a:bodyPr>
+          <a:lstStyle/>
+          <a:p>
+            <a:pPr algn="ctr"/>
+            <a:r>
+              <a:rPr lang="zh-CN" altLang="en-US" sz="900" smtClean="0">
+                <a:solidFill>
+                  <a:schemeClr val="bg1"/>
+                </a:solidFill>
+                <a:latin typeface="+mj-ea"/>
+                <a:ea typeface="+mj-ea"/>
+              </a:rPr>
+              <a:t>应用上下文</a:t>
+            </a:r>
+            <a:endParaRPr lang="en-US" altLang="zh-CN" sz="900" smtClean="0">
+              <a:solidFill>
+                <a:schemeClr val="bg1"/>
+              </a:solidFill>
+              <a:latin typeface="+mj-ea"/>
+              <a:ea typeface="+mj-ea"/>
+            </a:endParaRPr>
+          </a:p>
+          <a:p>
+            <a:pPr algn="ctr"/>
+            <a:r>
+              <a:rPr lang="zh-CN" altLang="zh-CN" sz="600" smtClean="0">
+                <a:solidFill>
+                  <a:srgbClr val="FFFFFF"/>
+                </a:solidFill>
+                <a:latin typeface="Bahnschrift SemiLight SemiConde" panose="020B0502040204020203" pitchFamily="34" charset="0"/>
+              </a:rPr>
+              <a:t>ClassPathXmlApplicationContet</a:t>
+            </a:r>
+            <a:endParaRPr lang="en-US" altLang="zh-CN" sz="900" smtClean="0">
+              <a:solidFill>
+                <a:srgbClr val="FFFFFF"/>
+              </a:solidFill>
+              <a:latin typeface="Bahnschrift SemiLight SemiConde" panose="020B0502040204020203" pitchFamily="34" charset="0"/>
+              <a:ea typeface="+mj-ea"/>
+            </a:endParaRPr>
+          </a:p>
+        </p:txBody>
+      </p:sp>
+      <p:sp>
+        <p:nvSpPr>
+          <p:cNvPr id="8" name="圆角矩形 7"/>
+          <p:cNvSpPr/>
+          <p:nvPr/>
+        </p:nvSpPr>
+        <p:spPr>
+          <a:xfrm>
+            <a:off x="1292027" y="856186"/>
+            <a:ext cx="874350" cy="297800"/>
+          </a:xfrm>
+          <a:prstGeom prst="roundRect">
+            <a:avLst>
+              <a:gd name="adj" fmla="val 8975"/>
+            </a:avLst>
+          </a:prstGeom>
+          <a:solidFill>
+            <a:srgbClr val="006666"/>
+          </a:solidFill>
+          <a:ln>
+            <a:noFill/>
+          </a:ln>
+        </p:spPr>
+        <p:style>
+          <a:lnRef idx="2">
+            <a:schemeClr val="accent1">
+              <a:shade val="50000"/>
+            </a:schemeClr>
+          </a:lnRef>
+          <a:fillRef idx="1">
+            <a:schemeClr val="accent1"/>
+          </a:fillRef>
+          <a:effectRef idx="0">
+            <a:schemeClr val="accent1"/>
+          </a:effectRef>
+          <a:fontRef idx="minor">
+            <a:schemeClr val="lt1"/>
+          </a:fontRef>
+        </p:style>
+        <p:txBody>
+          <a:bodyPr rtlCol="0" anchor="ctr"/>
+          <a:lstStyle/>
+          <a:p>
+            <a:pPr algn="r"/>
+            <a:r>
+              <a:rPr lang="en-US" altLang="zh-CN" sz="900" smtClean="0">
+                <a:solidFill>
+                  <a:schemeClr val="bg1"/>
+                </a:solidFill>
+                <a:latin typeface="+mj-ea"/>
+                <a:ea typeface="+mj-ea"/>
+              </a:rPr>
+              <a:t>XML </a:t>
+            </a:r>
+            <a:r>
+              <a:rPr lang="zh-CN" altLang="en-US" sz="900" smtClean="0">
+                <a:solidFill>
+                  <a:schemeClr val="bg1"/>
+                </a:solidFill>
+                <a:latin typeface="+mj-ea"/>
+                <a:ea typeface="+mj-ea"/>
+              </a:rPr>
+              <a:t>文件</a:t>
+            </a:r>
+            <a:endParaRPr lang="zh-CN" altLang="en-US" sz="900">
+              <a:solidFill>
+                <a:schemeClr val="bg1"/>
+              </a:solidFill>
+              <a:latin typeface="+mj-ea"/>
+              <a:ea typeface="+mj-ea"/>
+            </a:endParaRPr>
+          </a:p>
+        </p:txBody>
+      </p:sp>
+      <p:sp>
+        <p:nvSpPr>
+          <p:cNvPr id="15" name="圆角矩形 14"/>
+          <p:cNvSpPr/>
+          <p:nvPr/>
+        </p:nvSpPr>
+        <p:spPr>
+          <a:xfrm>
+            <a:off x="1292027" y="1226715"/>
+            <a:ext cx="874350" cy="297800"/>
+          </a:xfrm>
+          <a:prstGeom prst="roundRect">
+            <a:avLst>
+              <a:gd name="adj" fmla="val 8975"/>
+            </a:avLst>
+          </a:prstGeom>
+          <a:solidFill>
+            <a:srgbClr val="006666"/>
+          </a:solidFill>
+          <a:ln>
+            <a:noFill/>
+          </a:ln>
+        </p:spPr>
+        <p:style>
+          <a:lnRef idx="2">
+            <a:schemeClr val="accent1">
+              <a:shade val="50000"/>
+            </a:schemeClr>
+          </a:lnRef>
+          <a:fillRef idx="1">
+            <a:schemeClr val="accent1"/>
+          </a:fillRef>
+          <a:effectRef idx="0">
+            <a:schemeClr val="accent1"/>
+          </a:effectRef>
+          <a:fontRef idx="minor">
+            <a:schemeClr val="lt1"/>
+          </a:fontRef>
+        </p:style>
+        <p:txBody>
+          <a:bodyPr rtlCol="0" anchor="ctr"/>
+          <a:lstStyle/>
+          <a:p>
+            <a:pPr algn="r"/>
+            <a:r>
+              <a:rPr lang="en-US" altLang="zh-CN" sz="900" smtClean="0">
+                <a:solidFill>
+                  <a:schemeClr val="bg1"/>
+                </a:solidFill>
+                <a:latin typeface="+mj-ea"/>
+                <a:ea typeface="+mj-ea"/>
+              </a:rPr>
+              <a:t>Bean</a:t>
+            </a:r>
+            <a:r>
+              <a:rPr lang="zh-CN" altLang="en-US" sz="900" smtClean="0">
+                <a:solidFill>
+                  <a:schemeClr val="bg1"/>
+                </a:solidFill>
+                <a:latin typeface="+mj-ea"/>
+                <a:ea typeface="+mj-ea"/>
+              </a:rPr>
+              <a:t>定义</a:t>
+            </a:r>
+            <a:endParaRPr lang="zh-CN" altLang="en-US" sz="900">
+              <a:solidFill>
+                <a:schemeClr val="bg1"/>
+              </a:solidFill>
+              <a:latin typeface="+mj-ea"/>
+              <a:ea typeface="+mj-ea"/>
+            </a:endParaRPr>
+          </a:p>
+        </p:txBody>
+      </p:sp>
+      <p:pic>
+        <p:nvPicPr>
+          <p:cNvPr id="14" name="图片 13"/>
+          <p:cNvPicPr>
+            <a:picLocks noChangeAspect="1"/>
+          </p:cNvPicPr>
+          <p:nvPr/>
+        </p:nvPicPr>
+        <p:blipFill>
+          <a:blip r:embed="rId2" cstate="print">
+            <a:extLst>
+              <a:ext uri="{28A0092B-C50C-407E-A947-70E740481C1C}">
+                <a14:useLocalDpi xmlns:a14="http://schemas.microsoft.com/office/drawing/2010/main" val="0"/>
+              </a:ext>
+            </a:extLst>
+          </a:blip>
+          <a:stretch>
+            <a:fillRect/>
+          </a:stretch>
+        </p:blipFill>
+        <p:spPr>
+          <a:xfrm>
+            <a:off x="1355603" y="1276457"/>
+            <a:ext cx="198316" cy="198316"/>
+          </a:xfrm>
+          <a:prstGeom prst="rect">
+            <a:avLst/>
+          </a:prstGeom>
+        </p:spPr>
+      </p:pic>
+      <p:sp>
+        <p:nvSpPr>
+          <p:cNvPr id="17" name="圆角矩形 16"/>
+          <p:cNvSpPr/>
+          <p:nvPr/>
+        </p:nvSpPr>
+        <p:spPr>
+          <a:xfrm>
+            <a:off x="682153" y="856186"/>
+            <a:ext cx="434165" cy="297800"/>
+          </a:xfrm>
+          <a:prstGeom prst="roundRect">
+            <a:avLst>
+              <a:gd name="adj" fmla="val 8975"/>
+            </a:avLst>
+          </a:prstGeom>
+          <a:solidFill>
+            <a:srgbClr val="006666"/>
+          </a:solidFill>
+          <a:ln>
+            <a:noFill/>
+          </a:ln>
+        </p:spPr>
+        <p:style>
+          <a:lnRef idx="2">
+            <a:schemeClr val="accent1">
+              <a:shade val="50000"/>
+            </a:schemeClr>
+          </a:lnRef>
+          <a:fillRef idx="1">
+            <a:schemeClr val="accent1"/>
+          </a:fillRef>
+          <a:effectRef idx="0">
+            <a:schemeClr val="accent1"/>
+          </a:effectRef>
+          <a:fontRef idx="minor">
+            <a:schemeClr val="lt1"/>
+          </a:fontRef>
+        </p:style>
+        <p:txBody>
+          <a:bodyPr rtlCol="0" anchor="ctr"/>
+          <a:lstStyle/>
+          <a:p>
+            <a:pPr algn="r"/>
+            <a:r>
+              <a:rPr lang="zh-CN" altLang="en-US" sz="900" smtClean="0">
+                <a:solidFill>
+                  <a:schemeClr val="bg1"/>
+                </a:solidFill>
+                <a:latin typeface="+mj-ea"/>
+                <a:ea typeface="+mj-ea"/>
+              </a:rPr>
+              <a:t>加载</a:t>
+            </a:r>
+            <a:endParaRPr lang="zh-CN" altLang="en-US" sz="900">
+              <a:solidFill>
+                <a:schemeClr val="bg1"/>
+              </a:solidFill>
+              <a:latin typeface="+mj-ea"/>
+              <a:ea typeface="+mj-ea"/>
+            </a:endParaRPr>
+          </a:p>
+        </p:txBody>
+      </p:sp>
+      <p:pic>
+        <p:nvPicPr>
+          <p:cNvPr id="10" name="图片 9"/>
+          <p:cNvPicPr>
+            <a:picLocks noChangeAspect="1"/>
+          </p:cNvPicPr>
+          <p:nvPr/>
+        </p:nvPicPr>
+        <p:blipFill>
+          <a:blip r:embed="rId3" cstate="print">
+            <a:extLst>
+              <a:ext uri="{28A0092B-C50C-407E-A947-70E740481C1C}">
+                <a14:useLocalDpi xmlns:a14="http://schemas.microsoft.com/office/drawing/2010/main" val="0"/>
+              </a:ext>
+            </a:extLst>
+          </a:blip>
+          <a:stretch>
+            <a:fillRect/>
+          </a:stretch>
+        </p:blipFill>
+        <p:spPr>
+          <a:xfrm>
+            <a:off x="1333779" y="890001"/>
+            <a:ext cx="219714" cy="219714"/>
+          </a:xfrm>
+          <a:prstGeom prst="rect">
+            <a:avLst/>
+          </a:prstGeom>
+        </p:spPr>
+      </p:pic>
+      <p:cxnSp>
+        <p:nvCxnSpPr>
+          <p:cNvPr id="25" name="直接箭头连接符 24"/>
+          <p:cNvCxnSpPr>
+            <a:stCxn id="17" idx="3"/>
+            <a:endCxn id="8" idx="1"/>
+          </p:cNvCxnSpPr>
+          <p:nvPr/>
+        </p:nvCxnSpPr>
+        <p:spPr>
+          <a:xfrm>
+            <a:off x="1116318" y="1005086"/>
+            <a:ext cx="175709" cy="0"/>
+          </a:xfrm>
+          <a:prstGeom prst="straightConnector1">
+            <a:avLst/>
+          </a:prstGeom>
+          <a:ln>
+            <a:solidFill>
+              <a:srgbClr val="006666"/>
+            </a:solidFill>
+            <a:tailEnd type="triangle"/>
+          </a:ln>
+        </p:spPr>
+        <p:style>
+          <a:lnRef idx="1">
+            <a:schemeClr val="accent1"/>
+          </a:lnRef>
+          <a:fillRef idx="0">
+            <a:schemeClr val="accent1"/>
+          </a:fillRef>
+          <a:effectRef idx="0">
+            <a:schemeClr val="accent1"/>
+          </a:effectRef>
+          <a:fontRef idx="minor">
+            <a:schemeClr val="tx1"/>
+          </a:fontRef>
+        </p:style>
+      </p:cxnSp>
+      <p:sp>
+        <p:nvSpPr>
+          <p:cNvPr id="28" name="圆角矩形 27"/>
+          <p:cNvSpPr/>
+          <p:nvPr/>
+        </p:nvSpPr>
+        <p:spPr>
+          <a:xfrm>
+            <a:off x="682152" y="1226715"/>
+            <a:ext cx="434165" cy="297800"/>
+          </a:xfrm>
+          <a:prstGeom prst="roundRect">
+            <a:avLst>
+              <a:gd name="adj" fmla="val 8975"/>
+            </a:avLst>
+          </a:prstGeom>
+          <a:solidFill>
+            <a:srgbClr val="006666"/>
+          </a:solidFill>
+          <a:ln>
+            <a:noFill/>
+          </a:ln>
+        </p:spPr>
+        <p:style>
+          <a:lnRef idx="2">
+            <a:schemeClr val="accent1">
+              <a:shade val="50000"/>
+            </a:schemeClr>
+          </a:lnRef>
+          <a:fillRef idx="1">
+            <a:schemeClr val="accent1"/>
+          </a:fillRef>
+          <a:effectRef idx="0">
+            <a:schemeClr val="accent1"/>
+          </a:effectRef>
+          <a:fontRef idx="minor">
+            <a:schemeClr val="lt1"/>
+          </a:fontRef>
+        </p:style>
+        <p:txBody>
+          <a:bodyPr rtlCol="0" anchor="ctr"/>
+          <a:lstStyle/>
+          <a:p>
+            <a:pPr algn="r"/>
+            <a:r>
+              <a:rPr lang="zh-CN" altLang="en-US" sz="900" smtClean="0">
+                <a:solidFill>
+                  <a:schemeClr val="bg1"/>
+                </a:solidFill>
+                <a:latin typeface="+mj-ea"/>
+                <a:ea typeface="+mj-ea"/>
+              </a:rPr>
+              <a:t>修改</a:t>
+            </a:r>
+            <a:endParaRPr lang="zh-CN" altLang="en-US" sz="900">
+              <a:solidFill>
+                <a:schemeClr val="bg1"/>
+              </a:solidFill>
+              <a:latin typeface="+mj-ea"/>
+              <a:ea typeface="+mj-ea"/>
+            </a:endParaRPr>
+          </a:p>
+        </p:txBody>
+      </p:sp>
+      <p:cxnSp>
+        <p:nvCxnSpPr>
+          <p:cNvPr id="30" name="直接箭头连接符 29"/>
+          <p:cNvCxnSpPr>
+            <a:stCxn id="28" idx="3"/>
+            <a:endCxn id="15" idx="1"/>
+          </p:cNvCxnSpPr>
+          <p:nvPr/>
+        </p:nvCxnSpPr>
+        <p:spPr>
+          <a:xfrm>
+            <a:off x="1116317" y="1375615"/>
+            <a:ext cx="175710" cy="0"/>
+          </a:xfrm>
+          <a:prstGeom prst="straightConnector1">
+            <a:avLst/>
+          </a:prstGeom>
+          <a:ln>
+            <a:solidFill>
+              <a:srgbClr val="006666"/>
+            </a:solidFill>
+            <a:tailEnd type="triangle"/>
+          </a:ln>
+        </p:spPr>
+        <p:style>
+          <a:lnRef idx="1">
+            <a:schemeClr val="accent1"/>
+          </a:lnRef>
+          <a:fillRef idx="0">
+            <a:schemeClr val="accent1"/>
+          </a:fillRef>
+          <a:effectRef idx="0">
+            <a:schemeClr val="accent1"/>
+          </a:effectRef>
+          <a:fontRef idx="minor">
+            <a:schemeClr val="tx1"/>
+          </a:fontRef>
+        </p:style>
+      </p:cxnSp>
+      <p:sp>
+        <p:nvSpPr>
+          <p:cNvPr id="31" name="圆角矩形 30"/>
+          <p:cNvSpPr/>
+          <p:nvPr/>
+        </p:nvSpPr>
+        <p:spPr>
+          <a:xfrm>
+            <a:off x="1292027" y="1597243"/>
+            <a:ext cx="874350" cy="297800"/>
+          </a:xfrm>
+          <a:prstGeom prst="roundRect">
+            <a:avLst>
+              <a:gd name="adj" fmla="val 8975"/>
+            </a:avLst>
+          </a:prstGeom>
+          <a:solidFill>
+            <a:srgbClr val="006666"/>
+          </a:solidFill>
+          <a:ln>
+            <a:noFill/>
+          </a:ln>
+        </p:spPr>
+        <p:style>
+          <a:lnRef idx="2">
+            <a:schemeClr val="accent1">
+              <a:shade val="50000"/>
+            </a:schemeClr>
+          </a:lnRef>
+          <a:fillRef idx="1">
+            <a:schemeClr val="accent1"/>
+          </a:fillRef>
+          <a:effectRef idx="0">
+            <a:schemeClr val="accent1"/>
+          </a:effectRef>
+          <a:fontRef idx="minor">
+            <a:schemeClr val="lt1"/>
+          </a:fontRef>
+        </p:style>
+        <p:txBody>
+          <a:bodyPr rtlCol="0" anchor="ctr"/>
+          <a:lstStyle/>
+          <a:p>
+            <a:pPr algn="r"/>
+            <a:r>
+              <a:rPr lang="en-US" altLang="zh-CN" sz="900" smtClean="0">
+                <a:solidFill>
+                  <a:schemeClr val="bg1"/>
+                </a:solidFill>
+                <a:latin typeface="+mj-ea"/>
+                <a:ea typeface="+mj-ea"/>
+              </a:rPr>
+              <a:t>Bean</a:t>
+            </a:r>
+            <a:r>
+              <a:rPr lang="zh-CN" altLang="en-US" sz="900" smtClean="0">
+                <a:solidFill>
+                  <a:schemeClr val="bg1"/>
+                </a:solidFill>
+                <a:latin typeface="+mj-ea"/>
+                <a:ea typeface="+mj-ea"/>
+              </a:rPr>
+              <a:t>扩展</a:t>
+            </a:r>
+            <a:endParaRPr lang="zh-CN" altLang="en-US" sz="900">
+              <a:solidFill>
+                <a:schemeClr val="bg1"/>
+              </a:solidFill>
+              <a:latin typeface="+mj-ea"/>
+              <a:ea typeface="+mj-ea"/>
+            </a:endParaRPr>
+          </a:p>
+        </p:txBody>
+      </p:sp>
+      <p:sp>
+        <p:nvSpPr>
+          <p:cNvPr id="33" name="圆角矩形 32"/>
+          <p:cNvSpPr/>
+          <p:nvPr/>
+        </p:nvSpPr>
+        <p:spPr>
+          <a:xfrm>
+            <a:off x="682152" y="1597243"/>
+            <a:ext cx="434165" cy="297800"/>
+          </a:xfrm>
+          <a:prstGeom prst="roundRect">
+            <a:avLst>
+              <a:gd name="adj" fmla="val 8975"/>
+            </a:avLst>
+          </a:prstGeom>
+          <a:solidFill>
+            <a:srgbClr val="006666"/>
+          </a:solidFill>
+          <a:ln>
+            <a:noFill/>
+          </a:ln>
+        </p:spPr>
+        <p:style>
+          <a:lnRef idx="2">
+            <a:schemeClr val="accent1">
+              <a:shade val="50000"/>
+            </a:schemeClr>
+          </a:lnRef>
+          <a:fillRef idx="1">
+            <a:schemeClr val="accent1"/>
+          </a:fillRef>
+          <a:effectRef idx="0">
+            <a:schemeClr val="accent1"/>
+          </a:effectRef>
+          <a:fontRef idx="minor">
+            <a:schemeClr val="lt1"/>
+          </a:fontRef>
+        </p:style>
+        <p:txBody>
+          <a:bodyPr rtlCol="0" anchor="ctr"/>
+          <a:lstStyle/>
+          <a:p>
+            <a:pPr algn="r"/>
+            <a:r>
+              <a:rPr lang="zh-CN" altLang="en-US" sz="900" smtClean="0">
+                <a:solidFill>
+                  <a:schemeClr val="bg1"/>
+                </a:solidFill>
+                <a:latin typeface="+mj-ea"/>
+                <a:ea typeface="+mj-ea"/>
+              </a:rPr>
+              <a:t>注册</a:t>
+            </a:r>
+            <a:endParaRPr lang="zh-CN" altLang="en-US" sz="900">
+              <a:solidFill>
+                <a:schemeClr val="bg1"/>
+              </a:solidFill>
+              <a:latin typeface="+mj-ea"/>
+              <a:ea typeface="+mj-ea"/>
+            </a:endParaRPr>
+          </a:p>
+        </p:txBody>
+      </p:sp>
+      <p:cxnSp>
+        <p:nvCxnSpPr>
+          <p:cNvPr id="34" name="直接箭头连接符 33"/>
+          <p:cNvCxnSpPr>
+            <a:stCxn id="33" idx="3"/>
+            <a:endCxn id="31" idx="1"/>
+          </p:cNvCxnSpPr>
+          <p:nvPr/>
+        </p:nvCxnSpPr>
+        <p:spPr>
+          <a:xfrm>
+            <a:off x="1116317" y="1746143"/>
+            <a:ext cx="175710" cy="0"/>
+          </a:xfrm>
+          <a:prstGeom prst="straightConnector1">
+            <a:avLst/>
+          </a:prstGeom>
+          <a:ln>
+            <a:solidFill>
+              <a:srgbClr val="006666"/>
+            </a:solidFill>
+            <a:tailEnd type="triangle"/>
+          </a:ln>
+        </p:spPr>
+        <p:style>
+          <a:lnRef idx="1">
+            <a:schemeClr val="accent1"/>
+          </a:lnRef>
+          <a:fillRef idx="0">
+            <a:schemeClr val="accent1"/>
+          </a:fillRef>
+          <a:effectRef idx="0">
+            <a:schemeClr val="accent1"/>
+          </a:effectRef>
+          <a:fontRef idx="minor">
+            <a:schemeClr val="tx1"/>
+          </a:fontRef>
+        </p:style>
+      </p:cxnSp>
+      <p:pic>
+        <p:nvPicPr>
+          <p:cNvPr id="35" name="图片 34"/>
+          <p:cNvPicPr>
+            <a:picLocks noChangeAspect="1"/>
+          </p:cNvPicPr>
+          <p:nvPr/>
+        </p:nvPicPr>
+        <p:blipFill>
+          <a:blip r:embed="rId4" cstate="print">
+            <a:extLst>
+              <a:ext uri="{28A0092B-C50C-407E-A947-70E740481C1C}">
+                <a14:useLocalDpi xmlns:a14="http://schemas.microsoft.com/office/drawing/2010/main" val="0"/>
+              </a:ext>
+            </a:extLst>
+          </a:blip>
+          <a:stretch>
+            <a:fillRect/>
+          </a:stretch>
+        </p:blipFill>
+        <p:spPr>
+          <a:xfrm>
+            <a:off x="1320954" y="1620936"/>
+            <a:ext cx="250414" cy="250414"/>
+          </a:xfrm>
+          <a:prstGeom prst="rect">
+            <a:avLst/>
+          </a:prstGeom>
+        </p:spPr>
+      </p:pic>
+      <p:sp>
+        <p:nvSpPr>
+          <p:cNvPr id="37" name="圆角矩形 36"/>
+          <p:cNvSpPr/>
+          <p:nvPr/>
+        </p:nvSpPr>
+        <p:spPr>
+          <a:xfrm>
+            <a:off x="1292025" y="1967402"/>
+            <a:ext cx="874350" cy="297800"/>
+          </a:xfrm>
+          <a:prstGeom prst="roundRect">
+            <a:avLst>
+              <a:gd name="adj" fmla="val 8975"/>
+            </a:avLst>
+          </a:prstGeom>
+          <a:solidFill>
+            <a:srgbClr val="006666"/>
+          </a:solidFill>
+          <a:ln>
+            <a:noFill/>
+          </a:ln>
+        </p:spPr>
+        <p:style>
+          <a:lnRef idx="2">
+            <a:schemeClr val="accent1">
+              <a:shade val="50000"/>
+            </a:schemeClr>
+          </a:lnRef>
+          <a:fillRef idx="1">
+            <a:schemeClr val="accent1"/>
+          </a:fillRef>
+          <a:effectRef idx="0">
+            <a:schemeClr val="accent1"/>
+          </a:effectRef>
+          <a:fontRef idx="minor">
+            <a:schemeClr val="lt1"/>
+          </a:fontRef>
+        </p:style>
+        <p:txBody>
+          <a:bodyPr rtlCol="0" anchor="ctr"/>
+          <a:lstStyle/>
+          <a:p>
+            <a:pPr algn="r"/>
+            <a:r>
+              <a:rPr lang="en-US" altLang="zh-CN" sz="900" smtClean="0">
+                <a:solidFill>
+                  <a:schemeClr val="bg1"/>
+                </a:solidFill>
+                <a:latin typeface="+mj-ea"/>
+                <a:ea typeface="+mj-ea"/>
+              </a:rPr>
+              <a:t>Bean</a:t>
+            </a:r>
+            <a:r>
+              <a:rPr lang="zh-CN" altLang="en-US" sz="900" smtClean="0">
+                <a:solidFill>
+                  <a:schemeClr val="bg1"/>
+                </a:solidFill>
+                <a:latin typeface="+mj-ea"/>
+                <a:ea typeface="+mj-ea"/>
+              </a:rPr>
+              <a:t>对象</a:t>
+            </a:r>
+            <a:endParaRPr lang="zh-CN" altLang="en-US" sz="900">
+              <a:solidFill>
+                <a:schemeClr val="bg1"/>
+              </a:solidFill>
+              <a:latin typeface="+mj-ea"/>
+              <a:ea typeface="+mj-ea"/>
+            </a:endParaRPr>
+          </a:p>
+        </p:txBody>
+      </p:sp>
+      <p:sp>
+        <p:nvSpPr>
+          <p:cNvPr id="38" name="圆角矩形 37"/>
+          <p:cNvSpPr/>
+          <p:nvPr/>
+        </p:nvSpPr>
+        <p:spPr>
+          <a:xfrm>
+            <a:off x="682150" y="1967402"/>
+            <a:ext cx="434165" cy="297800"/>
+          </a:xfrm>
+          <a:prstGeom prst="roundRect">
+            <a:avLst>
+              <a:gd name="adj" fmla="val 8975"/>
+            </a:avLst>
+          </a:prstGeom>
+          <a:solidFill>
+            <a:srgbClr val="006666"/>
+          </a:solidFill>
+          <a:ln>
+            <a:noFill/>
+          </a:ln>
+        </p:spPr>
+        <p:style>
+          <a:lnRef idx="2">
+            <a:schemeClr val="accent1">
+              <a:shade val="50000"/>
+            </a:schemeClr>
+          </a:lnRef>
+          <a:fillRef idx="1">
+            <a:schemeClr val="accent1"/>
+          </a:fillRef>
+          <a:effectRef idx="0">
+            <a:schemeClr val="accent1"/>
+          </a:effectRef>
+          <a:fontRef idx="minor">
+            <a:schemeClr val="lt1"/>
+          </a:fontRef>
+        </p:style>
+        <p:txBody>
+          <a:bodyPr rtlCol="0" anchor="ctr"/>
+          <a:lstStyle/>
+          <a:p>
+            <a:pPr algn="r"/>
+            <a:endParaRPr lang="zh-CN" altLang="en-US" sz="600">
+              <a:solidFill>
+                <a:schemeClr val="bg1"/>
+              </a:solidFill>
+              <a:latin typeface="+mj-ea"/>
+              <a:ea typeface="+mj-ea"/>
+            </a:endParaRPr>
+          </a:p>
+        </p:txBody>
+      </p:sp>
+      <p:cxnSp>
+        <p:nvCxnSpPr>
+          <p:cNvPr id="39" name="直接箭头连接符 38"/>
+          <p:cNvCxnSpPr>
+            <a:stCxn id="38" idx="3"/>
+            <a:endCxn id="37" idx="1"/>
+          </p:cNvCxnSpPr>
+          <p:nvPr/>
+        </p:nvCxnSpPr>
+        <p:spPr>
+          <a:xfrm>
+            <a:off x="1116315" y="2116302"/>
+            <a:ext cx="175710" cy="0"/>
+          </a:xfrm>
+          <a:prstGeom prst="straightConnector1">
+            <a:avLst/>
+          </a:prstGeom>
+          <a:ln>
+            <a:solidFill>
+              <a:srgbClr val="006666"/>
+            </a:solidFill>
+            <a:tailEnd type="triangle"/>
+          </a:ln>
+        </p:spPr>
+        <p:style>
+          <a:lnRef idx="1">
+            <a:schemeClr val="accent1"/>
+          </a:lnRef>
+          <a:fillRef idx="0">
+            <a:schemeClr val="accent1"/>
+          </a:fillRef>
+          <a:effectRef idx="0">
+            <a:schemeClr val="accent1"/>
+          </a:effectRef>
+          <a:fontRef idx="minor">
+            <a:schemeClr val="tx1"/>
+          </a:fontRef>
+        </p:style>
+      </p:cxnSp>
+      <p:pic>
+        <p:nvPicPr>
+          <p:cNvPr id="36" name="图片 35"/>
+          <p:cNvPicPr>
+            <a:picLocks noChangeAspect="1"/>
+          </p:cNvPicPr>
+          <p:nvPr/>
+        </p:nvPicPr>
+        <p:blipFill>
+          <a:blip r:embed="rId5" cstate="print">
+            <a:extLst>
+              <a:ext uri="{28A0092B-C50C-407E-A947-70E740481C1C}">
+                <a14:useLocalDpi xmlns:a14="http://schemas.microsoft.com/office/drawing/2010/main" val="0"/>
+              </a:ext>
+            </a:extLst>
+          </a:blip>
+          <a:stretch>
+            <a:fillRect/>
+          </a:stretch>
+        </p:blipFill>
+        <p:spPr>
+          <a:xfrm>
+            <a:off x="1350478" y="2016300"/>
+            <a:ext cx="200002" cy="200002"/>
+          </a:xfrm>
+          <a:prstGeom prst="rect">
+            <a:avLst/>
+          </a:prstGeom>
+        </p:spPr>
+      </p:pic>
+      <p:sp>
+        <p:nvSpPr>
+          <p:cNvPr id="41" name="文本框 40"/>
+          <p:cNvSpPr txBox="1"/>
+          <p:nvPr/>
+        </p:nvSpPr>
+        <p:spPr>
+          <a:xfrm>
+            <a:off x="633775" y="2000885"/>
+            <a:ext cx="530915" cy="230832"/>
+          </a:xfrm>
+          <a:prstGeom prst="rect">
+            <a:avLst/>
+          </a:prstGeom>
+          <a:noFill/>
+        </p:spPr>
+        <p:txBody>
+          <a:bodyPr wrap="none" rtlCol="0">
+            <a:spAutoFit/>
+          </a:bodyPr>
+          <a:lstStyle/>
+          <a:p>
+            <a:r>
+              <a:rPr lang="zh-CN" altLang="en-US" sz="900" smtClean="0">
+                <a:solidFill>
+                  <a:schemeClr val="bg1"/>
+                </a:solidFill>
+                <a:latin typeface="+mj-ea"/>
+                <a:ea typeface="+mj-ea"/>
+              </a:rPr>
+              <a:t>实例化</a:t>
+            </a:r>
+            <a:endParaRPr lang="zh-CN" altLang="en-US" sz="900">
+              <a:solidFill>
+                <a:schemeClr val="bg1"/>
+              </a:solidFill>
+              <a:latin typeface="+mj-ea"/>
+              <a:ea typeface="+mj-ea"/>
+            </a:endParaRPr>
+          </a:p>
+        </p:txBody>
+      </p:sp>
+      <p:sp>
+        <p:nvSpPr>
+          <p:cNvPr id="42" name="文本框 41"/>
+          <p:cNvSpPr txBox="1"/>
+          <p:nvPr/>
+        </p:nvSpPr>
+        <p:spPr>
+          <a:xfrm>
+            <a:off x="2234946" y="1132481"/>
+            <a:ext cx="331181" cy="924662"/>
+          </a:xfrm>
+          <a:prstGeom prst="rect">
+            <a:avLst/>
+          </a:prstGeom>
+          <a:noFill/>
+        </p:spPr>
+        <p:txBody>
+          <a:bodyPr vert="eaVert" wrap="square" rtlCol="0">
+            <a:spAutoFit/>
+          </a:bodyPr>
+          <a:lstStyle/>
+          <a:p>
+            <a:r>
+              <a:rPr lang="en-US" altLang="zh-CN" smtClean="0">
+                <a:solidFill>
+                  <a:schemeClr val="bg1"/>
+                </a:solidFill>
+                <a:latin typeface="+mj-ea"/>
+                <a:ea typeface="+mj-ea"/>
+              </a:rPr>
+              <a:t>Spring </a:t>
+            </a:r>
+            <a:r>
+              <a:rPr lang="zh-CN" altLang="en-US" smtClean="0">
+                <a:solidFill>
+                  <a:schemeClr val="bg1"/>
+                </a:solidFill>
+                <a:latin typeface="+mj-ea"/>
+                <a:ea typeface="+mj-ea"/>
+              </a:rPr>
+              <a:t> 容器</a:t>
+            </a:r>
+            <a:endParaRPr lang="en-US" altLang="zh-CN" smtClean="0">
+              <a:solidFill>
+                <a:schemeClr val="bg1"/>
+              </a:solidFill>
+              <a:latin typeface="+mj-ea"/>
+              <a:ea typeface="+mj-ea"/>
+            </a:endParaRPr>
+          </a:p>
+        </p:txBody>
+      </p:sp>
+      <p:sp>
+        <p:nvSpPr>
+          <p:cNvPr id="43" name="左大括号 42"/>
+          <p:cNvSpPr/>
+          <p:nvPr/>
+        </p:nvSpPr>
+        <p:spPr>
+          <a:xfrm>
+            <a:off x="588056" y="856186"/>
+            <a:ext cx="45719" cy="1409016"/>
+          </a:xfrm>
+          <a:prstGeom prst="leftBrace">
+            <a:avLst/>
+          </a:prstGeom>
+          <a:ln>
+            <a:solidFill>
+              <a:srgbClr val="006666"/>
+            </a:solidFill>
+          </a:ln>
+        </p:spPr>
+        <p:style>
+          <a:lnRef idx="1">
+            <a:schemeClr val="accent1"/>
+          </a:lnRef>
+          <a:fillRef idx="0">
+            <a:schemeClr val="accent1"/>
+          </a:fillRef>
+          <a:effectRef idx="0">
+            <a:schemeClr val="accent1"/>
+          </a:effectRef>
+          <a:fontRef idx="minor">
+            <a:schemeClr val="tx1"/>
+          </a:fontRef>
+        </p:style>
+        <p:txBody>
+          <a:bodyPr rtlCol="0" anchor="ctr"/>
+          <a:lstStyle/>
+          <a:p>
+            <a:pPr algn="ctr"/>
+            <a:endParaRPr lang="zh-CN" altLang="en-US"/>
+          </a:p>
+        </p:txBody>
+      </p:sp>
+      <p:sp>
+        <p:nvSpPr>
+          <p:cNvPr id="44" name="Rectangle 1"/>
+          <p:cNvSpPr>
+            <a:spLocks noChangeArrowheads="1"/>
+          </p:cNvSpPr>
+          <p:nvPr/>
+        </p:nvSpPr>
+        <p:spPr bwMode="auto">
+          <a:xfrm>
+            <a:off x="0" y="1433916"/>
+            <a:ext cx="738331" cy="246221"/>
+          </a:xfrm>
+          <a:prstGeom prst="rect">
+            <a:avLst/>
+          </a:prstGeom>
+          <a:noFill/>
+          <a:ln>
+            <a:noFill/>
+          </a:ln>
+          <a:effectLst/>
+        </p:spPr>
+        <p:txBody>
+          <a:bodyPr vert="horz" wrap="square" lIns="91440" tIns="45720" rIns="91440" bIns="45720" numCol="1" anchor="ctr" anchorCtr="0" compatLnSpc="1">
+            <a:prstTxWarp prst="textNoShape">
+              <a:avLst/>
+            </a:prstTxWarp>
+            <a:spAutoFit/>
+          </a:bodyPr>
+          <a:lstStyle/>
+          <a:p>
+            <a:pPr marL="0" marR="0" lvl="0" indent="0" algn="l" defTabSz="914400" rtl="0" eaLnBrk="0" fontAlgn="base" latinLnBrk="0" hangingPunct="0">
+              <a:lnSpc>
+                <a:spcPct val="100000"/>
+              </a:lnSpc>
+              <a:spcBef>
+                <a:spcPct val="0"/>
+              </a:spcBef>
+              <a:spcAft>
+                <a:spcPct val="0"/>
+              </a:spcAft>
+              <a:buClrTx/>
+              <a:buSzTx/>
+              <a:buFontTx/>
+              <a:buNone/>
+              <a:tabLst/>
+            </a:pPr>
+            <a:r>
+              <a:rPr kumimoji="0" lang="zh-CN" altLang="zh-CN" sz="1000" b="0" i="0" u="none" strike="noStrike" cap="none" normalizeH="0" baseline="0" smtClean="0">
+                <a:ln>
+                  <a:noFill/>
+                </a:ln>
+                <a:solidFill>
+                  <a:srgbClr val="006666"/>
+                </a:solidFill>
+                <a:effectLst/>
+                <a:latin typeface="+mj-ea"/>
+                <a:ea typeface="+mj-ea"/>
+              </a:rPr>
+              <a:t>refresh</a:t>
+            </a:r>
+            <a:endParaRPr kumimoji="0" lang="zh-CN" altLang="zh-CN" sz="1800" b="0" i="0" u="none" strike="noStrike" cap="none" normalizeH="0" baseline="0" smtClean="0">
+              <a:ln>
+                <a:noFill/>
+              </a:ln>
+              <a:solidFill>
+                <a:srgbClr val="006666"/>
+              </a:solidFill>
+              <a:effectLst/>
+              <a:latin typeface="+mj-ea"/>
+              <a:ea typeface="+mj-ea"/>
+            </a:endParaRPr>
+          </a:p>
+        </p:txBody>
+      </p:sp>
+      <p:sp>
+        <p:nvSpPr>
+          <p:cNvPr id="45" name="圆角矩形 44"/>
+          <p:cNvSpPr/>
+          <p:nvPr/>
+        </p:nvSpPr>
+        <p:spPr>
+          <a:xfrm>
+            <a:off x="2883078" y="1967402"/>
+            <a:ext cx="825974" cy="297800"/>
+          </a:xfrm>
+          <a:prstGeom prst="roundRect">
+            <a:avLst>
+              <a:gd name="adj" fmla="val 8975"/>
+            </a:avLst>
+          </a:prstGeom>
+          <a:noFill/>
+          <a:ln w="6350">
+            <a:solidFill>
+              <a:schemeClr val="tx1"/>
+            </a:solidFill>
+            <a:prstDash val="dash"/>
+          </a:ln>
+        </p:spPr>
+        <p:style>
+          <a:lnRef idx="2">
+            <a:schemeClr val="accent1">
+              <a:shade val="50000"/>
+            </a:schemeClr>
+          </a:lnRef>
+          <a:fillRef idx="1">
+            <a:schemeClr val="accent1"/>
+          </a:fillRef>
+          <a:effectRef idx="0">
+            <a:schemeClr val="accent1"/>
+          </a:effectRef>
+          <a:fontRef idx="minor">
+            <a:schemeClr val="lt1"/>
+          </a:fontRef>
+        </p:style>
+        <p:txBody>
+          <a:bodyPr rtlCol="0" anchor="ctr"/>
+          <a:lstStyle/>
+          <a:p>
+            <a:pPr algn="ctr"/>
+            <a:r>
+              <a:rPr lang="en-US" altLang="zh-CN" sz="900" smtClean="0">
+                <a:solidFill>
+                  <a:schemeClr val="tx1"/>
+                </a:solidFill>
+                <a:latin typeface="+mj-ea"/>
+                <a:ea typeface="+mj-ea"/>
+              </a:rPr>
+              <a:t>CreateBean</a:t>
+            </a:r>
+            <a:endParaRPr lang="zh-CN" altLang="en-US" sz="900">
+              <a:solidFill>
+                <a:schemeClr val="tx1"/>
+              </a:solidFill>
+              <a:latin typeface="+mj-ea"/>
+              <a:ea typeface="+mj-ea"/>
+            </a:endParaRPr>
+          </a:p>
+        </p:txBody>
+      </p:sp>
+      <p:cxnSp>
+        <p:nvCxnSpPr>
+          <p:cNvPr id="47" name="直接箭头连接符 46"/>
+          <p:cNvCxnSpPr>
+            <a:stCxn id="37" idx="3"/>
+            <a:endCxn id="45" idx="1"/>
+          </p:cNvCxnSpPr>
+          <p:nvPr/>
+        </p:nvCxnSpPr>
+        <p:spPr>
+          <a:xfrm>
+            <a:off x="2166375" y="2116302"/>
+            <a:ext cx="716703" cy="0"/>
+          </a:xfrm>
+          <a:prstGeom prst="straightConnector1">
+            <a:avLst/>
+          </a:prstGeom>
+          <a:ln>
+            <a:solidFill>
+              <a:srgbClr val="006666"/>
+            </a:solidFill>
+            <a:tailEnd type="triangle"/>
+          </a:ln>
+        </p:spPr>
+        <p:style>
+          <a:lnRef idx="1">
+            <a:schemeClr val="accent1"/>
+          </a:lnRef>
+          <a:fillRef idx="0">
+            <a:schemeClr val="accent1"/>
+          </a:fillRef>
+          <a:effectRef idx="0">
+            <a:schemeClr val="accent1"/>
+          </a:effectRef>
+          <a:fontRef idx="minor">
+            <a:schemeClr val="tx1"/>
+          </a:fontRef>
+        </p:style>
+      </p:cxnSp>
+      <p:sp>
+        <p:nvSpPr>
+          <p:cNvPr id="48" name="圆角矩形 47"/>
+          <p:cNvSpPr/>
+          <p:nvPr/>
+        </p:nvSpPr>
+        <p:spPr>
+          <a:xfrm>
+            <a:off x="2883078" y="1455368"/>
+            <a:ext cx="825974" cy="297800"/>
+          </a:xfrm>
+          <a:prstGeom prst="roundRect">
+            <a:avLst>
+              <a:gd name="adj" fmla="val 8975"/>
+            </a:avLst>
+          </a:prstGeom>
+          <a:noFill/>
+          <a:ln w="6350">
+            <a:solidFill>
+              <a:schemeClr val="tx1"/>
+            </a:solidFill>
+            <a:prstDash val="dash"/>
+          </a:ln>
+        </p:spPr>
+        <p:style>
+          <a:lnRef idx="2">
+            <a:schemeClr val="accent1">
+              <a:shade val="50000"/>
+            </a:schemeClr>
+          </a:lnRef>
+          <a:fillRef idx="1">
+            <a:schemeClr val="accent1"/>
+          </a:fillRef>
+          <a:effectRef idx="0">
+            <a:schemeClr val="accent1"/>
+          </a:effectRef>
+          <a:fontRef idx="minor">
+            <a:schemeClr val="lt1"/>
+          </a:fontRef>
+        </p:style>
+        <p:txBody>
+          <a:bodyPr rtlCol="0" anchor="ctr"/>
+          <a:lstStyle/>
+          <a:p>
+            <a:pPr algn="ctr"/>
+            <a:r>
+              <a:rPr lang="zh-CN" altLang="en-US" sz="900" smtClean="0">
+                <a:solidFill>
+                  <a:schemeClr val="tx1"/>
+                </a:solidFill>
+                <a:latin typeface="+mj-ea"/>
+                <a:ea typeface="+mj-ea"/>
+              </a:rPr>
+              <a:t>前置处理</a:t>
+            </a:r>
+            <a:endParaRPr lang="zh-CN" altLang="en-US" sz="900">
+              <a:solidFill>
+                <a:schemeClr val="tx1"/>
+              </a:solidFill>
+              <a:latin typeface="+mj-ea"/>
+              <a:ea typeface="+mj-ea"/>
+            </a:endParaRPr>
+          </a:p>
+        </p:txBody>
+      </p:sp>
+      <p:sp>
+        <p:nvSpPr>
+          <p:cNvPr id="49" name="圆角矩形 48"/>
+          <p:cNvSpPr/>
+          <p:nvPr/>
+        </p:nvSpPr>
+        <p:spPr>
+          <a:xfrm>
+            <a:off x="2883078" y="2479436"/>
+            <a:ext cx="825974" cy="297800"/>
+          </a:xfrm>
+          <a:prstGeom prst="roundRect">
+            <a:avLst>
+              <a:gd name="adj" fmla="val 8975"/>
+            </a:avLst>
+          </a:prstGeom>
+          <a:noFill/>
+          <a:ln w="6350">
+            <a:solidFill>
+              <a:schemeClr val="tx1"/>
+            </a:solidFill>
+            <a:prstDash val="dash"/>
+          </a:ln>
+        </p:spPr>
+        <p:style>
+          <a:lnRef idx="2">
+            <a:schemeClr val="accent1">
+              <a:shade val="50000"/>
+            </a:schemeClr>
+          </a:lnRef>
+          <a:fillRef idx="1">
+            <a:schemeClr val="accent1"/>
+          </a:fillRef>
+          <a:effectRef idx="0">
+            <a:schemeClr val="accent1"/>
+          </a:effectRef>
+          <a:fontRef idx="minor">
+            <a:schemeClr val="lt1"/>
+          </a:fontRef>
+        </p:style>
+        <p:txBody>
+          <a:bodyPr rtlCol="0" anchor="ctr"/>
+          <a:lstStyle/>
+          <a:p>
+            <a:pPr algn="ctr"/>
+            <a:r>
+              <a:rPr lang="zh-CN" altLang="en-US" sz="900" smtClean="0">
+                <a:solidFill>
+                  <a:schemeClr val="tx1"/>
+                </a:solidFill>
+                <a:latin typeface="+mj-ea"/>
+                <a:ea typeface="+mj-ea"/>
+              </a:rPr>
+              <a:t>后置处理</a:t>
+            </a:r>
+            <a:endParaRPr lang="zh-CN" altLang="en-US" sz="900">
+              <a:solidFill>
+                <a:schemeClr val="tx1"/>
+              </a:solidFill>
+              <a:latin typeface="+mj-ea"/>
+              <a:ea typeface="+mj-ea"/>
+            </a:endParaRPr>
+          </a:p>
+        </p:txBody>
+      </p:sp>
+      <p:cxnSp>
+        <p:nvCxnSpPr>
+          <p:cNvPr id="51" name="直接箭头连接符 50"/>
+          <p:cNvCxnSpPr>
+            <a:stCxn id="45" idx="0"/>
+            <a:endCxn id="48" idx="2"/>
+          </p:cNvCxnSpPr>
+          <p:nvPr/>
+        </p:nvCxnSpPr>
+        <p:spPr>
+          <a:xfrm flipV="1">
+            <a:off x="3296065" y="1753168"/>
+            <a:ext cx="0" cy="214234"/>
+          </a:xfrm>
+          <a:prstGeom prst="straightConnector1">
+            <a:avLst/>
+          </a:prstGeom>
+          <a:ln>
+            <a:solidFill>
+              <a:schemeClr val="tx1">
+                <a:lumMod val="75000"/>
+                <a:lumOff val="25000"/>
+              </a:schemeClr>
+            </a:solidFill>
+            <a:prstDash val="lgDash"/>
+            <a:tailEnd type="triangle"/>
+          </a:ln>
+        </p:spPr>
+        <p:style>
+          <a:lnRef idx="1">
+            <a:schemeClr val="accent1"/>
+          </a:lnRef>
+          <a:fillRef idx="0">
+            <a:schemeClr val="accent1"/>
+          </a:fillRef>
+          <a:effectRef idx="0">
+            <a:schemeClr val="accent1"/>
+          </a:effectRef>
+          <a:fontRef idx="minor">
+            <a:schemeClr val="tx1"/>
+          </a:fontRef>
+        </p:style>
+      </p:cxnSp>
+      <p:cxnSp>
+        <p:nvCxnSpPr>
+          <p:cNvPr id="53" name="直接箭头连接符 52"/>
+          <p:cNvCxnSpPr>
+            <a:stCxn id="45" idx="2"/>
+            <a:endCxn id="49" idx="0"/>
+          </p:cNvCxnSpPr>
+          <p:nvPr/>
+        </p:nvCxnSpPr>
+        <p:spPr>
+          <a:xfrm>
+            <a:off x="3296065" y="2265202"/>
+            <a:ext cx="0" cy="214234"/>
+          </a:xfrm>
+          <a:prstGeom prst="straightConnector1">
+            <a:avLst/>
+          </a:prstGeom>
+          <a:ln>
+            <a:solidFill>
+              <a:schemeClr val="tx1">
+                <a:lumMod val="75000"/>
+                <a:lumOff val="25000"/>
+              </a:schemeClr>
+            </a:solidFill>
+            <a:prstDash val="lgDash"/>
+            <a:tailEnd type="triangle"/>
+          </a:ln>
+        </p:spPr>
+        <p:style>
+          <a:lnRef idx="1">
+            <a:schemeClr val="accent1"/>
+          </a:lnRef>
+          <a:fillRef idx="0">
+            <a:schemeClr val="accent1"/>
+          </a:fillRef>
+          <a:effectRef idx="0">
+            <a:schemeClr val="accent1"/>
+          </a:effectRef>
+          <a:fontRef idx="minor">
+            <a:schemeClr val="tx1"/>
+          </a:fontRef>
+        </p:style>
+      </p:cxnSp>
+      <p:sp>
+        <p:nvSpPr>
+          <p:cNvPr id="63" name="右大括号 62"/>
+          <p:cNvSpPr/>
+          <p:nvPr/>
+        </p:nvSpPr>
+        <p:spPr>
+          <a:xfrm>
+            <a:off x="3709052" y="1588098"/>
+            <a:ext cx="105238" cy="1056405"/>
+          </a:xfrm>
+          <a:prstGeom prst="rightBrace">
+            <a:avLst/>
+          </a:prstGeom>
+          <a:ln>
+            <a:solidFill>
+              <a:schemeClr val="tx1">
+                <a:lumMod val="75000"/>
+                <a:lumOff val="25000"/>
+              </a:schemeClr>
+            </a:solidFill>
+          </a:ln>
+        </p:spPr>
+        <p:style>
+          <a:lnRef idx="1">
+            <a:schemeClr val="accent1"/>
+          </a:lnRef>
+          <a:fillRef idx="0">
+            <a:schemeClr val="accent1"/>
+          </a:fillRef>
+          <a:effectRef idx="0">
+            <a:schemeClr val="accent1"/>
+          </a:effectRef>
+          <a:fontRef idx="minor">
+            <a:schemeClr val="tx1"/>
+          </a:fontRef>
+        </p:style>
+        <p:txBody>
+          <a:bodyPr rtlCol="0" anchor="ctr"/>
+          <a:lstStyle/>
+          <a:p>
+            <a:pPr algn="ctr"/>
+            <a:endParaRPr lang="zh-CN" altLang="en-US"/>
+          </a:p>
+        </p:txBody>
+      </p:sp>
+      <p:sp>
+        <p:nvSpPr>
+          <p:cNvPr id="64" name="Rectangle 3"/>
+          <p:cNvSpPr>
+            <a:spLocks noChangeArrowheads="1"/>
+          </p:cNvSpPr>
+          <p:nvPr/>
+        </p:nvSpPr>
+        <p:spPr bwMode="auto">
+          <a:xfrm rot="5400000">
+            <a:off x="3310396" y="1995581"/>
+            <a:ext cx="1287837" cy="246221"/>
+          </a:xfrm>
+          <a:prstGeom prst="rect">
+            <a:avLst/>
+          </a:prstGeom>
+          <a:noFill/>
+          <a:ln>
+            <a:noFill/>
+          </a:ln>
+          <a:effectLst/>
+        </p:spPr>
+        <p:txBody>
+          <a:bodyPr vert="horz" wrap="square" lIns="91440" tIns="45720" rIns="91440" bIns="45720" numCol="1" anchor="ctr" anchorCtr="0" compatLnSpc="1">
+            <a:prstTxWarp prst="textNoShape">
+              <a:avLst/>
+            </a:prstTxWarp>
+            <a:spAutoFit/>
+          </a:bodyPr>
+          <a:lstStyle/>
+          <a:p>
+            <a:pPr marL="0" marR="0" lvl="0" indent="0" algn="l" defTabSz="914400" rtl="0" eaLnBrk="0" fontAlgn="base" latinLnBrk="0" hangingPunct="0">
+              <a:lnSpc>
+                <a:spcPct val="100000"/>
+              </a:lnSpc>
+              <a:spcBef>
+                <a:spcPct val="0"/>
+              </a:spcBef>
+              <a:spcAft>
+                <a:spcPct val="0"/>
+              </a:spcAft>
+              <a:buClrTx/>
+              <a:buSzTx/>
+              <a:buFontTx/>
+              <a:buNone/>
+              <a:tabLst/>
+            </a:pPr>
+            <a:r>
+              <a:rPr kumimoji="0" lang="zh-CN" altLang="zh-CN" sz="1000" b="0" i="0" u="none" strike="noStrike" cap="none" normalizeH="0" baseline="0" smtClean="0">
+                <a:ln>
+                  <a:noFill/>
+                </a:ln>
+                <a:solidFill>
+                  <a:srgbClr val="000000"/>
+                </a:solidFill>
+                <a:effectLst/>
+                <a:latin typeface="宋体" panose="02010600030101010101" pitchFamily="2" charset="-122"/>
+                <a:ea typeface="宋体" panose="02010600030101010101" pitchFamily="2" charset="-122"/>
+              </a:rPr>
+              <a:t>BeanPostProcessor</a:t>
+            </a:r>
+            <a:endParaRPr kumimoji="0" lang="zh-CN" altLang="zh-CN" sz="1800" b="0" i="0" u="none" strike="noStrike" cap="none" normalizeH="0" baseline="0" smtClean="0">
+              <a:ln>
+                <a:noFill/>
+              </a:ln>
+              <a:solidFill>
+                <a:schemeClr val="tx1"/>
+              </a:solidFill>
+              <a:effectLst/>
+              <a:latin typeface="Arial" panose="020B0604020202020204" pitchFamily="34" charset="0"/>
+            </a:endParaRPr>
+          </a:p>
+        </p:txBody>
+      </p:sp>
+      <p:sp>
+        <p:nvSpPr>
+          <p:cNvPr id="79" name="Rectangle 4"/>
+          <p:cNvSpPr>
+            <a:spLocks noChangeArrowheads="1"/>
+          </p:cNvSpPr>
+          <p:nvPr/>
+        </p:nvSpPr>
+        <p:spPr bwMode="auto">
+          <a:xfrm>
+            <a:off x="2707371" y="861358"/>
+            <a:ext cx="1828800" cy="276999"/>
+          </a:xfrm>
+          <a:prstGeom prst="rect">
+            <a:avLst/>
+          </a:prstGeom>
+          <a:noFill/>
+          <a:ln>
+            <a:noFill/>
+          </a:ln>
+          <a:effectLst/>
+        </p:spPr>
+        <p:txBody>
+          <a:bodyPr vert="horz" wrap="square" lIns="91440" tIns="45720" rIns="91440" bIns="45720" numCol="1" anchor="ctr" anchorCtr="0" compatLnSpc="1">
+            <a:prstTxWarp prst="textNoShape">
+              <a:avLst/>
+            </a:prstTxWarp>
+            <a:spAutoFit/>
+          </a:bodyPr>
+          <a:lstStyle/>
+          <a:p>
+            <a:pPr marL="0" marR="0" lvl="0" indent="0" algn="l" defTabSz="914400" rtl="0" eaLnBrk="0" fontAlgn="base" latinLnBrk="0" hangingPunct="0">
+              <a:lnSpc>
+                <a:spcPct val="100000"/>
+              </a:lnSpc>
+              <a:spcBef>
+                <a:spcPct val="0"/>
+              </a:spcBef>
+              <a:spcAft>
+                <a:spcPct val="0"/>
+              </a:spcAft>
+              <a:buClrTx/>
+              <a:buSzTx/>
+              <a:buFontTx/>
+              <a:buNone/>
+              <a:tabLst/>
+            </a:pPr>
+            <a:r>
+              <a:rPr kumimoji="0" lang="zh-CN" altLang="zh-CN" sz="600" b="0" i="0" u="none" strike="noStrike" cap="none" normalizeH="0" baseline="0" smtClean="0">
+                <a:ln>
+                  <a:noFill/>
+                </a:ln>
+                <a:solidFill>
+                  <a:srgbClr val="000000"/>
+                </a:solidFill>
+                <a:effectLst/>
+                <a:latin typeface="宋体" panose="02010600030101010101" pitchFamily="2" charset="-122"/>
+                <a:ea typeface="宋体" panose="02010600030101010101" pitchFamily="2" charset="-122"/>
+              </a:rPr>
+              <a:t>List&lt;BeanPostProcessor&gt; </a:t>
+            </a:r>
+            <a:r>
+              <a:rPr kumimoji="0" lang="zh-CN" altLang="zh-CN" sz="600" b="1" i="0" u="none" strike="noStrike" cap="none" normalizeH="0" baseline="0" smtClean="0">
+                <a:ln>
+                  <a:noFill/>
+                </a:ln>
+                <a:solidFill>
+                  <a:srgbClr val="660E7A"/>
+                </a:solidFill>
+                <a:effectLst/>
+                <a:latin typeface="宋体" panose="02010600030101010101" pitchFamily="2" charset="-122"/>
+                <a:ea typeface="宋体" panose="02010600030101010101" pitchFamily="2" charset="-122"/>
+              </a:rPr>
+              <a:t>beanPostProcessors </a:t>
+            </a:r>
+            <a:r>
+              <a:rPr kumimoji="0" lang="zh-CN" altLang="zh-CN" sz="600" b="0" i="0" u="none" strike="noStrike" cap="none" normalizeH="0" baseline="0" smtClean="0">
+                <a:ln>
+                  <a:noFill/>
+                </a:ln>
+                <a:solidFill>
+                  <a:srgbClr val="000000"/>
+                </a:solidFill>
+                <a:effectLst/>
+                <a:latin typeface="宋体" panose="02010600030101010101" pitchFamily="2" charset="-122"/>
+                <a:ea typeface="宋体" panose="02010600030101010101" pitchFamily="2" charset="-122"/>
+              </a:rPr>
+              <a:t>= </a:t>
+            </a:r>
+            <a:r>
+              <a:rPr kumimoji="0" lang="zh-CN" altLang="zh-CN" sz="600" b="1" i="0" u="none" strike="noStrike" cap="none" normalizeH="0" baseline="0" smtClean="0">
+                <a:ln>
+                  <a:noFill/>
+                </a:ln>
+                <a:solidFill>
+                  <a:srgbClr val="000080"/>
+                </a:solidFill>
+                <a:effectLst/>
+                <a:latin typeface="宋体" panose="02010600030101010101" pitchFamily="2" charset="-122"/>
+                <a:ea typeface="宋体" panose="02010600030101010101" pitchFamily="2" charset="-122"/>
+              </a:rPr>
+              <a:t>new </a:t>
+            </a:r>
+            <a:r>
+              <a:rPr kumimoji="0" lang="zh-CN" altLang="zh-CN" sz="600" b="0" i="0" u="none" strike="noStrike" cap="none" normalizeH="0" baseline="0" smtClean="0">
+                <a:ln>
+                  <a:noFill/>
+                </a:ln>
+                <a:solidFill>
+                  <a:srgbClr val="000000"/>
+                </a:solidFill>
+                <a:effectLst/>
+                <a:latin typeface="宋体" panose="02010600030101010101" pitchFamily="2" charset="-122"/>
+                <a:ea typeface="宋体" panose="02010600030101010101" pitchFamily="2" charset="-122"/>
+              </a:rPr>
+              <a:t>ArrayList&lt;BeanPostProcessor&gt;();</a:t>
+            </a:r>
+            <a:endParaRPr kumimoji="0" lang="zh-CN" altLang="zh-CN" sz="1100" b="0" i="0" u="none" strike="noStrike" cap="none" normalizeH="0" baseline="0" smtClean="0">
+              <a:ln>
+                <a:noFill/>
+              </a:ln>
+              <a:solidFill>
+                <a:schemeClr val="tx1"/>
+              </a:solidFill>
+              <a:effectLst/>
+              <a:latin typeface="Arial" panose="020B0604020202020204" pitchFamily="34" charset="0"/>
+            </a:endParaRPr>
+          </a:p>
+        </p:txBody>
+      </p:sp>
+      <p:cxnSp>
+        <p:nvCxnSpPr>
+          <p:cNvPr id="81" name="直接连接符 80"/>
+          <p:cNvCxnSpPr/>
+          <p:nvPr/>
+        </p:nvCxnSpPr>
+        <p:spPr>
+          <a:xfrm>
+            <a:off x="2757340" y="1132481"/>
+            <a:ext cx="1778831" cy="0"/>
+          </a:xfrm>
+          <a:prstGeom prst="line">
+            <a:avLst/>
+          </a:prstGeom>
+          <a:ln>
+            <a:solidFill>
+              <a:schemeClr val="tx1">
+                <a:lumMod val="75000"/>
+                <a:lumOff val="25000"/>
+              </a:schemeClr>
+            </a:solidFill>
+          </a:ln>
+        </p:spPr>
+        <p:style>
+          <a:lnRef idx="1">
+            <a:schemeClr val="accent1"/>
+          </a:lnRef>
+          <a:fillRef idx="0">
+            <a:schemeClr val="accent1"/>
+          </a:fillRef>
+          <a:effectRef idx="0">
+            <a:schemeClr val="accent1"/>
+          </a:effectRef>
+          <a:fontRef idx="minor">
+            <a:schemeClr val="tx1"/>
+          </a:fontRef>
+        </p:style>
+      </p:cxnSp>
+      <p:cxnSp>
+        <p:nvCxnSpPr>
+          <p:cNvPr id="83" name="曲线连接符 82"/>
+          <p:cNvCxnSpPr>
+            <a:stCxn id="31" idx="3"/>
+            <a:endCxn id="79" idx="1"/>
+          </p:cNvCxnSpPr>
+          <p:nvPr/>
+        </p:nvCxnSpPr>
+        <p:spPr>
+          <a:xfrm flipV="1">
+            <a:off x="2166377" y="999858"/>
+            <a:ext cx="540994" cy="746285"/>
+          </a:xfrm>
+          <a:prstGeom prst="curvedConnector3">
+            <a:avLst>
+              <a:gd name="adj1" fmla="val 39545"/>
+            </a:avLst>
+          </a:prstGeom>
+          <a:ln>
+            <a:solidFill>
+              <a:srgbClr val="006666"/>
+            </a:solidFill>
+            <a:prstDash val="lgDash"/>
+            <a:tailEnd type="triangle"/>
+          </a:ln>
+        </p:spPr>
+        <p:style>
+          <a:lnRef idx="1">
+            <a:schemeClr val="accent1"/>
+          </a:lnRef>
+          <a:fillRef idx="0">
+            <a:schemeClr val="accent1"/>
+          </a:fillRef>
+          <a:effectRef idx="0">
+            <a:schemeClr val="accent1"/>
+          </a:effectRef>
+          <a:fontRef idx="minor">
+            <a:schemeClr val="tx1"/>
+          </a:fontRef>
+        </p:style>
+      </p:cxnSp>
+      <p:cxnSp>
+        <p:nvCxnSpPr>
+          <p:cNvPr id="88" name="直接箭头连接符 87"/>
+          <p:cNvCxnSpPr>
+            <a:stCxn id="64" idx="1"/>
+          </p:cNvCxnSpPr>
+          <p:nvPr/>
+        </p:nvCxnSpPr>
+        <p:spPr>
+          <a:xfrm flipV="1">
+            <a:off x="3954314" y="1132481"/>
+            <a:ext cx="0" cy="342292"/>
+          </a:xfrm>
+          <a:prstGeom prst="straightConnector1">
+            <a:avLst/>
+          </a:prstGeom>
+          <a:ln>
+            <a:solidFill>
+              <a:schemeClr val="tx1">
+                <a:lumMod val="75000"/>
+                <a:lumOff val="25000"/>
+              </a:schemeClr>
+            </a:solidFill>
+            <a:tailEnd type="triangle"/>
+          </a:ln>
+        </p:spPr>
+        <p:style>
+          <a:lnRef idx="1">
+            <a:schemeClr val="accent1"/>
+          </a:lnRef>
+          <a:fillRef idx="0">
+            <a:schemeClr val="accent1"/>
+          </a:fillRef>
+          <a:effectRef idx="0">
+            <a:schemeClr val="accent1"/>
+          </a:effectRef>
+          <a:fontRef idx="minor">
+            <a:schemeClr val="tx1"/>
+          </a:fontRef>
+        </p:style>
+      </p:cxnSp>
+      <p:sp>
+        <p:nvSpPr>
+          <p:cNvPr id="89" name="圆角矩形 88"/>
+          <p:cNvSpPr/>
+          <p:nvPr/>
+        </p:nvSpPr>
+        <p:spPr>
+          <a:xfrm>
+            <a:off x="682149" y="2997638"/>
+            <a:ext cx="434165" cy="297800"/>
+          </a:xfrm>
+          <a:prstGeom prst="roundRect">
+            <a:avLst>
+              <a:gd name="adj" fmla="val 8975"/>
+            </a:avLst>
+          </a:prstGeom>
+          <a:solidFill>
+            <a:schemeClr val="tx1">
+              <a:lumMod val="85000"/>
+              <a:lumOff val="15000"/>
+            </a:schemeClr>
+          </a:solidFill>
+          <a:ln>
+            <a:noFill/>
+          </a:ln>
+        </p:spPr>
+        <p:style>
+          <a:lnRef idx="2">
+            <a:schemeClr val="accent1">
+              <a:shade val="50000"/>
+            </a:schemeClr>
+          </a:lnRef>
+          <a:fillRef idx="1">
+            <a:schemeClr val="accent1"/>
+          </a:fillRef>
+          <a:effectRef idx="0">
+            <a:schemeClr val="accent1"/>
+          </a:effectRef>
+          <a:fontRef idx="minor">
+            <a:schemeClr val="lt1"/>
+          </a:fontRef>
+        </p:style>
+        <p:txBody>
+          <a:bodyPr rtlCol="0" anchor="ctr"/>
+          <a:lstStyle/>
+          <a:p>
+            <a:pPr algn="ctr"/>
+            <a:r>
+              <a:rPr lang="zh-CN" altLang="en-US" sz="900" smtClean="0">
+                <a:solidFill>
+                  <a:schemeClr val="bg1"/>
+                </a:solidFill>
+                <a:latin typeface="+mj-ea"/>
+                <a:ea typeface="+mj-ea"/>
+              </a:rPr>
+              <a:t>加载</a:t>
+            </a:r>
+            <a:endParaRPr lang="zh-CN" altLang="en-US" sz="900">
+              <a:solidFill>
+                <a:schemeClr val="bg1"/>
+              </a:solidFill>
+              <a:latin typeface="+mj-ea"/>
+              <a:ea typeface="+mj-ea"/>
+            </a:endParaRPr>
+          </a:p>
+        </p:txBody>
+      </p:sp>
+      <p:sp>
+        <p:nvSpPr>
+          <p:cNvPr id="90" name="圆角矩形 89"/>
+          <p:cNvSpPr/>
+          <p:nvPr/>
+        </p:nvSpPr>
+        <p:spPr>
+          <a:xfrm>
+            <a:off x="1292025" y="2997638"/>
+            <a:ext cx="434165" cy="297800"/>
+          </a:xfrm>
+          <a:prstGeom prst="roundRect">
+            <a:avLst>
+              <a:gd name="adj" fmla="val 8975"/>
+            </a:avLst>
+          </a:prstGeom>
+          <a:solidFill>
+            <a:schemeClr val="tx1">
+              <a:lumMod val="85000"/>
+              <a:lumOff val="15000"/>
+            </a:schemeClr>
+          </a:solidFill>
+          <a:ln>
+            <a:noFill/>
+          </a:ln>
+        </p:spPr>
+        <p:style>
+          <a:lnRef idx="2">
+            <a:schemeClr val="accent1">
+              <a:shade val="50000"/>
+            </a:schemeClr>
+          </a:lnRef>
+          <a:fillRef idx="1">
+            <a:schemeClr val="accent1"/>
+          </a:fillRef>
+          <a:effectRef idx="0">
+            <a:schemeClr val="accent1"/>
+          </a:effectRef>
+          <a:fontRef idx="minor">
+            <a:schemeClr val="lt1"/>
+          </a:fontRef>
+        </p:style>
+        <p:txBody>
+          <a:bodyPr rtlCol="0" anchor="ctr"/>
+          <a:lstStyle/>
+          <a:p>
+            <a:pPr algn="ctr"/>
+            <a:r>
+              <a:rPr lang="zh-CN" altLang="en-US" sz="900" smtClean="0">
+                <a:solidFill>
+                  <a:schemeClr val="bg1"/>
+                </a:solidFill>
+                <a:latin typeface="+mj-ea"/>
+                <a:ea typeface="+mj-ea"/>
+              </a:rPr>
+              <a:t>注册</a:t>
+            </a:r>
+            <a:endParaRPr lang="zh-CN" altLang="en-US" sz="900">
+              <a:solidFill>
+                <a:schemeClr val="bg1"/>
+              </a:solidFill>
+              <a:latin typeface="+mj-ea"/>
+              <a:ea typeface="+mj-ea"/>
+            </a:endParaRPr>
+          </a:p>
+        </p:txBody>
+      </p:sp>
+      <p:sp>
+        <p:nvSpPr>
+          <p:cNvPr id="91" name="圆角矩形 90"/>
+          <p:cNvSpPr/>
+          <p:nvPr/>
+        </p:nvSpPr>
+        <p:spPr>
+          <a:xfrm>
+            <a:off x="1901901" y="2997638"/>
+            <a:ext cx="434165" cy="297800"/>
+          </a:xfrm>
+          <a:prstGeom prst="roundRect">
+            <a:avLst>
+              <a:gd name="adj" fmla="val 8975"/>
+            </a:avLst>
+          </a:prstGeom>
+          <a:solidFill>
+            <a:srgbClr val="C00000"/>
+          </a:solidFill>
+          <a:ln>
+            <a:noFill/>
+          </a:ln>
+        </p:spPr>
+        <p:style>
+          <a:lnRef idx="2">
+            <a:schemeClr val="accent1">
+              <a:shade val="50000"/>
+            </a:schemeClr>
+          </a:lnRef>
+          <a:fillRef idx="1">
+            <a:schemeClr val="accent1"/>
+          </a:fillRef>
+          <a:effectRef idx="0">
+            <a:schemeClr val="accent1"/>
+          </a:effectRef>
+          <a:fontRef idx="minor">
+            <a:schemeClr val="lt1"/>
+          </a:fontRef>
+        </p:style>
+        <p:txBody>
+          <a:bodyPr rtlCol="0" anchor="ctr"/>
+          <a:lstStyle/>
+          <a:p>
+            <a:pPr algn="ctr"/>
+            <a:r>
+              <a:rPr lang="zh-CN" altLang="en-US" sz="900" smtClean="0">
+                <a:solidFill>
+                  <a:schemeClr val="bg1"/>
+                </a:solidFill>
+                <a:latin typeface="+mj-ea"/>
+                <a:ea typeface="+mj-ea"/>
+              </a:rPr>
+              <a:t>修改</a:t>
+            </a:r>
+            <a:endParaRPr lang="zh-CN" altLang="en-US" sz="900">
+              <a:solidFill>
+                <a:schemeClr val="bg1"/>
+              </a:solidFill>
+              <a:latin typeface="+mj-ea"/>
+              <a:ea typeface="+mj-ea"/>
+            </a:endParaRPr>
+          </a:p>
+        </p:txBody>
+      </p:sp>
+      <p:sp>
+        <p:nvSpPr>
+          <p:cNvPr id="92" name="圆角矩形 91"/>
+          <p:cNvSpPr/>
+          <p:nvPr/>
+        </p:nvSpPr>
+        <p:spPr>
+          <a:xfrm>
+            <a:off x="2511777" y="2997638"/>
+            <a:ext cx="434165" cy="297800"/>
+          </a:xfrm>
+          <a:prstGeom prst="roundRect">
+            <a:avLst>
+              <a:gd name="adj" fmla="val 8975"/>
+            </a:avLst>
+          </a:prstGeom>
+          <a:solidFill>
+            <a:schemeClr val="tx1">
+              <a:lumMod val="85000"/>
+              <a:lumOff val="15000"/>
+            </a:schemeClr>
+          </a:solidFill>
+          <a:ln>
+            <a:noFill/>
+          </a:ln>
+        </p:spPr>
+        <p:style>
+          <a:lnRef idx="2">
+            <a:schemeClr val="accent1">
+              <a:shade val="50000"/>
+            </a:schemeClr>
+          </a:lnRef>
+          <a:fillRef idx="1">
+            <a:schemeClr val="accent1"/>
+          </a:fillRef>
+          <a:effectRef idx="0">
+            <a:schemeClr val="accent1"/>
+          </a:effectRef>
+          <a:fontRef idx="minor">
+            <a:schemeClr val="lt1"/>
+          </a:fontRef>
+        </p:style>
+        <p:txBody>
+          <a:bodyPr rtlCol="0" anchor="ctr"/>
+          <a:lstStyle/>
+          <a:p>
+            <a:pPr algn="ctr"/>
+            <a:endParaRPr lang="zh-CN" altLang="en-US" sz="900">
+              <a:solidFill>
+                <a:schemeClr val="bg1"/>
+              </a:solidFill>
+              <a:latin typeface="+mj-ea"/>
+              <a:ea typeface="+mj-ea"/>
+            </a:endParaRPr>
+          </a:p>
+        </p:txBody>
+      </p:sp>
+      <p:sp>
+        <p:nvSpPr>
+          <p:cNvPr id="93" name="圆角矩形 92"/>
+          <p:cNvSpPr/>
+          <p:nvPr/>
+        </p:nvSpPr>
+        <p:spPr>
+          <a:xfrm>
+            <a:off x="3121653" y="2997638"/>
+            <a:ext cx="434165" cy="297800"/>
+          </a:xfrm>
+          <a:prstGeom prst="roundRect">
+            <a:avLst>
+              <a:gd name="adj" fmla="val 8975"/>
+            </a:avLst>
+          </a:prstGeom>
+          <a:solidFill>
+            <a:srgbClr val="C00000"/>
+          </a:solidFill>
+          <a:ln>
+            <a:noFill/>
+          </a:ln>
+        </p:spPr>
+        <p:style>
+          <a:lnRef idx="2">
+            <a:schemeClr val="accent1">
+              <a:shade val="50000"/>
+            </a:schemeClr>
+          </a:lnRef>
+          <a:fillRef idx="1">
+            <a:schemeClr val="accent1"/>
+          </a:fillRef>
+          <a:effectRef idx="0">
+            <a:schemeClr val="accent1"/>
+          </a:effectRef>
+          <a:fontRef idx="minor">
+            <a:schemeClr val="lt1"/>
+          </a:fontRef>
+        </p:style>
+        <p:txBody>
+          <a:bodyPr rtlCol="0" anchor="ctr"/>
+          <a:lstStyle/>
+          <a:p>
+            <a:pPr algn="ctr"/>
+            <a:r>
+              <a:rPr lang="zh-CN" altLang="en-US" sz="900" smtClean="0">
+                <a:solidFill>
+                  <a:schemeClr val="bg1"/>
+                </a:solidFill>
+                <a:latin typeface="+mj-ea"/>
+                <a:ea typeface="+mj-ea"/>
+              </a:rPr>
+              <a:t>扩展</a:t>
+            </a:r>
+            <a:endParaRPr lang="zh-CN" altLang="en-US" sz="900">
+              <a:solidFill>
+                <a:schemeClr val="bg1"/>
+              </a:solidFill>
+              <a:latin typeface="+mj-ea"/>
+              <a:ea typeface="+mj-ea"/>
+            </a:endParaRPr>
+          </a:p>
+        </p:txBody>
+      </p:sp>
+      <p:cxnSp>
+        <p:nvCxnSpPr>
+          <p:cNvPr id="95" name="直接箭头连接符 94"/>
+          <p:cNvCxnSpPr>
+            <a:stCxn id="89" idx="3"/>
+            <a:endCxn id="90" idx="1"/>
+          </p:cNvCxnSpPr>
+          <p:nvPr/>
+        </p:nvCxnSpPr>
+        <p:spPr>
+          <a:xfrm>
+            <a:off x="1116314" y="3146538"/>
+            <a:ext cx="175711" cy="0"/>
+          </a:xfrm>
+          <a:prstGeom prst="straightConnector1">
+            <a:avLst/>
+          </a:prstGeom>
+          <a:ln>
+            <a:solidFill>
+              <a:schemeClr val="tx1">
+                <a:lumMod val="75000"/>
+                <a:lumOff val="25000"/>
+              </a:schemeClr>
+            </a:solidFill>
+            <a:tailEnd type="triangle"/>
+          </a:ln>
+        </p:spPr>
+        <p:style>
+          <a:lnRef idx="1">
+            <a:schemeClr val="accent1"/>
+          </a:lnRef>
+          <a:fillRef idx="0">
+            <a:schemeClr val="accent1"/>
+          </a:fillRef>
+          <a:effectRef idx="0">
+            <a:schemeClr val="accent1"/>
+          </a:effectRef>
+          <a:fontRef idx="minor">
+            <a:schemeClr val="tx1"/>
+          </a:fontRef>
+        </p:style>
+      </p:cxnSp>
+      <p:cxnSp>
+        <p:nvCxnSpPr>
+          <p:cNvPr id="97" name="直接箭头连接符 96"/>
+          <p:cNvCxnSpPr>
+            <a:stCxn id="90" idx="3"/>
+            <a:endCxn id="91" idx="1"/>
+          </p:cNvCxnSpPr>
+          <p:nvPr/>
+        </p:nvCxnSpPr>
+        <p:spPr>
+          <a:xfrm>
+            <a:off x="1726190" y="3146538"/>
+            <a:ext cx="175711" cy="0"/>
+          </a:xfrm>
+          <a:prstGeom prst="straightConnector1">
+            <a:avLst/>
+          </a:prstGeom>
+          <a:ln>
+            <a:solidFill>
+              <a:schemeClr val="tx1">
+                <a:lumMod val="75000"/>
+                <a:lumOff val="25000"/>
+              </a:schemeClr>
+            </a:solidFill>
+            <a:tailEnd type="triangle"/>
+          </a:ln>
+        </p:spPr>
+        <p:style>
+          <a:lnRef idx="1">
+            <a:schemeClr val="accent1"/>
+          </a:lnRef>
+          <a:fillRef idx="0">
+            <a:schemeClr val="accent1"/>
+          </a:fillRef>
+          <a:effectRef idx="0">
+            <a:schemeClr val="accent1"/>
+          </a:effectRef>
+          <a:fontRef idx="minor">
+            <a:schemeClr val="tx1"/>
+          </a:fontRef>
+        </p:style>
+      </p:cxnSp>
+      <p:cxnSp>
+        <p:nvCxnSpPr>
+          <p:cNvPr id="99" name="直接箭头连接符 98"/>
+          <p:cNvCxnSpPr>
+            <a:stCxn id="91" idx="3"/>
+            <a:endCxn id="92" idx="1"/>
+          </p:cNvCxnSpPr>
+          <p:nvPr/>
+        </p:nvCxnSpPr>
+        <p:spPr>
+          <a:xfrm>
+            <a:off x="2336066" y="3146538"/>
+            <a:ext cx="175711" cy="0"/>
+          </a:xfrm>
+          <a:prstGeom prst="straightConnector1">
+            <a:avLst/>
+          </a:prstGeom>
+          <a:ln>
+            <a:solidFill>
+              <a:schemeClr val="tx1">
+                <a:lumMod val="75000"/>
+                <a:lumOff val="25000"/>
+              </a:schemeClr>
+            </a:solidFill>
+            <a:tailEnd type="triangle"/>
+          </a:ln>
+        </p:spPr>
+        <p:style>
+          <a:lnRef idx="1">
+            <a:schemeClr val="accent1"/>
+          </a:lnRef>
+          <a:fillRef idx="0">
+            <a:schemeClr val="accent1"/>
+          </a:fillRef>
+          <a:effectRef idx="0">
+            <a:schemeClr val="accent1"/>
+          </a:effectRef>
+          <a:fontRef idx="minor">
+            <a:schemeClr val="tx1"/>
+          </a:fontRef>
+        </p:style>
+      </p:cxnSp>
+      <p:cxnSp>
+        <p:nvCxnSpPr>
+          <p:cNvPr id="101" name="直接箭头连接符 100"/>
+          <p:cNvCxnSpPr>
+            <a:stCxn id="92" idx="3"/>
+            <a:endCxn id="93" idx="1"/>
+          </p:cNvCxnSpPr>
+          <p:nvPr/>
+        </p:nvCxnSpPr>
+        <p:spPr>
+          <a:xfrm>
+            <a:off x="2945942" y="3146538"/>
+            <a:ext cx="175711" cy="0"/>
+          </a:xfrm>
+          <a:prstGeom prst="straightConnector1">
+            <a:avLst/>
+          </a:prstGeom>
+          <a:ln>
+            <a:solidFill>
+              <a:schemeClr val="tx1">
+                <a:lumMod val="75000"/>
+                <a:lumOff val="25000"/>
+              </a:schemeClr>
+            </a:solidFill>
+            <a:tailEnd type="triangle"/>
+          </a:ln>
+        </p:spPr>
+        <p:style>
+          <a:lnRef idx="1">
+            <a:schemeClr val="accent1"/>
+          </a:lnRef>
+          <a:fillRef idx="0">
+            <a:schemeClr val="accent1"/>
+          </a:fillRef>
+          <a:effectRef idx="0">
+            <a:schemeClr val="accent1"/>
+          </a:effectRef>
+          <a:fontRef idx="minor">
+            <a:schemeClr val="tx1"/>
+          </a:fontRef>
+        </p:style>
+      </p:cxnSp>
+      <p:sp>
+        <p:nvSpPr>
+          <p:cNvPr id="102" name="文本框 101"/>
+          <p:cNvSpPr txBox="1"/>
+          <p:nvPr/>
+        </p:nvSpPr>
+        <p:spPr>
+          <a:xfrm>
+            <a:off x="247984" y="3027114"/>
+            <a:ext cx="550151" cy="238848"/>
+          </a:xfrm>
+          <a:prstGeom prst="rect">
+            <a:avLst/>
+          </a:prstGeom>
+          <a:noFill/>
+        </p:spPr>
+        <p:txBody>
+          <a:bodyPr wrap="none" rtlCol="0">
+            <a:spAutoFit/>
+          </a:bodyPr>
+          <a:lstStyle/>
+          <a:p>
+            <a:r>
+              <a:rPr lang="zh-CN" altLang="en-US" sz="900" smtClean="0">
+                <a:latin typeface="+mj-ea"/>
+                <a:ea typeface="+mj-ea"/>
+              </a:rPr>
+              <a:t>过程：</a:t>
+            </a:r>
+            <a:endParaRPr lang="zh-CN" altLang="en-US" sz="900">
+              <a:latin typeface="+mj-ea"/>
+              <a:ea typeface="+mj-ea"/>
+            </a:endParaRPr>
+          </a:p>
+        </p:txBody>
+      </p:sp>
+      <p:sp>
+        <p:nvSpPr>
+          <p:cNvPr id="103" name="文本框 102"/>
+          <p:cNvSpPr txBox="1"/>
+          <p:nvPr/>
+        </p:nvSpPr>
+        <p:spPr>
+          <a:xfrm>
+            <a:off x="1815277" y="3316746"/>
+            <a:ext cx="1107996" cy="215444"/>
+          </a:xfrm>
+          <a:prstGeom prst="rect">
+            <a:avLst/>
+          </a:prstGeom>
+          <a:noFill/>
+        </p:spPr>
+        <p:txBody>
+          <a:bodyPr wrap="none" rtlCol="0">
+            <a:spAutoFit/>
+          </a:bodyPr>
+          <a:lstStyle/>
+          <a:p>
+            <a:r>
+              <a:rPr lang="zh-CN" altLang="en-US" sz="800" smtClean="0">
+                <a:solidFill>
+                  <a:srgbClr val="C00000"/>
+                </a:solidFill>
+                <a:latin typeface="+mj-ea"/>
+                <a:ea typeface="+mj-ea"/>
+              </a:rPr>
+              <a:t>修改</a:t>
+            </a:r>
+            <a:r>
+              <a:rPr lang="en-US" altLang="zh-CN" sz="800" smtClean="0">
+                <a:solidFill>
+                  <a:srgbClr val="C00000"/>
+                </a:solidFill>
+                <a:latin typeface="+mj-ea"/>
+                <a:ea typeface="+mj-ea"/>
+              </a:rPr>
+              <a:t>Bean</a:t>
+            </a:r>
+            <a:r>
+              <a:rPr lang="zh-CN" altLang="en-US" sz="800" smtClean="0">
+                <a:solidFill>
+                  <a:srgbClr val="C00000"/>
+                </a:solidFill>
+                <a:latin typeface="+mj-ea"/>
+                <a:ea typeface="+mj-ea"/>
+              </a:rPr>
+              <a:t>的定义信息</a:t>
+            </a:r>
+            <a:endParaRPr lang="zh-CN" altLang="en-US" sz="800">
+              <a:solidFill>
+                <a:srgbClr val="C00000"/>
+              </a:solidFill>
+              <a:latin typeface="+mj-ea"/>
+              <a:ea typeface="+mj-ea"/>
+            </a:endParaRPr>
+          </a:p>
+        </p:txBody>
+      </p:sp>
+      <p:sp>
+        <p:nvSpPr>
+          <p:cNvPr id="104" name="文本框 103"/>
+          <p:cNvSpPr txBox="1"/>
+          <p:nvPr/>
+        </p:nvSpPr>
+        <p:spPr>
+          <a:xfrm>
+            <a:off x="3030498" y="3313853"/>
+            <a:ext cx="1210588" cy="215444"/>
+          </a:xfrm>
+          <a:prstGeom prst="rect">
+            <a:avLst/>
+          </a:prstGeom>
+          <a:noFill/>
+        </p:spPr>
+        <p:txBody>
+          <a:bodyPr wrap="none" rtlCol="0">
+            <a:spAutoFit/>
+          </a:bodyPr>
+          <a:lstStyle/>
+          <a:p>
+            <a:r>
+              <a:rPr lang="zh-CN" altLang="en-US" sz="800" smtClean="0">
+                <a:solidFill>
+                  <a:srgbClr val="C00000"/>
+                </a:solidFill>
+                <a:latin typeface="+mj-ea"/>
+                <a:ea typeface="+mj-ea"/>
+              </a:rPr>
+              <a:t>扩展</a:t>
+            </a:r>
+            <a:r>
+              <a:rPr lang="en-US" altLang="zh-CN" sz="800" smtClean="0">
+                <a:solidFill>
+                  <a:srgbClr val="C00000"/>
+                </a:solidFill>
+                <a:latin typeface="+mj-ea"/>
+                <a:ea typeface="+mj-ea"/>
+              </a:rPr>
+              <a:t>Bean</a:t>
+            </a:r>
+            <a:r>
+              <a:rPr lang="zh-CN" altLang="en-US" sz="800" smtClean="0">
+                <a:solidFill>
+                  <a:srgbClr val="C00000"/>
+                </a:solidFill>
+                <a:latin typeface="+mj-ea"/>
+                <a:ea typeface="+mj-ea"/>
+              </a:rPr>
+              <a:t>的实例化信息</a:t>
+            </a:r>
+            <a:endParaRPr lang="zh-CN" altLang="en-US" sz="800">
+              <a:solidFill>
+                <a:srgbClr val="C00000"/>
+              </a:solidFill>
+              <a:latin typeface="+mj-ea"/>
+              <a:ea typeface="+mj-ea"/>
+            </a:endParaRPr>
+          </a:p>
+        </p:txBody>
+      </p:sp>
+      <p:sp>
+        <p:nvSpPr>
+          <p:cNvPr id="105" name="圆角矩形 104"/>
+          <p:cNvSpPr/>
+          <p:nvPr/>
+        </p:nvSpPr>
+        <p:spPr>
+          <a:xfrm>
+            <a:off x="282804" y="2929233"/>
+            <a:ext cx="3958282" cy="600063"/>
+          </a:xfrm>
+          <a:prstGeom prst="roundRect">
+            <a:avLst>
+              <a:gd name="adj" fmla="val 4099"/>
+            </a:avLst>
+          </a:prstGeom>
+          <a:noFill/>
+          <a:ln w="6350">
+            <a:solidFill>
+              <a:schemeClr val="tx1">
+                <a:lumMod val="75000"/>
+                <a:lumOff val="25000"/>
+              </a:schemeClr>
+            </a:solidFill>
+            <a:prstDash val="lgDash"/>
+          </a:ln>
+        </p:spPr>
+        <p:style>
+          <a:lnRef idx="2">
+            <a:schemeClr val="accent1">
+              <a:shade val="50000"/>
+            </a:schemeClr>
+          </a:lnRef>
+          <a:fillRef idx="1">
+            <a:schemeClr val="accent1"/>
+          </a:fillRef>
+          <a:effectRef idx="0">
+            <a:schemeClr val="accent1"/>
+          </a:effectRef>
+          <a:fontRef idx="minor">
+            <a:schemeClr val="lt1"/>
+          </a:fontRef>
+        </p:style>
+        <p:txBody>
+          <a:bodyPr rtlCol="0" anchor="ctr"/>
+          <a:lstStyle/>
+          <a:p>
+            <a:pPr algn="ctr"/>
+            <a:endParaRPr lang="zh-CN" altLang="en-US">
+              <a:solidFill>
+                <a:srgbClr val="FF0000"/>
+              </a:solidFill>
+            </a:endParaRPr>
+          </a:p>
+        </p:txBody>
+      </p:sp>
+      <p:sp>
+        <p:nvSpPr>
+          <p:cNvPr id="106" name="文本框 105"/>
+          <p:cNvSpPr txBox="1"/>
+          <p:nvPr/>
+        </p:nvSpPr>
+        <p:spPr>
+          <a:xfrm>
+            <a:off x="2463402" y="3027114"/>
+            <a:ext cx="530915" cy="230832"/>
+          </a:xfrm>
+          <a:prstGeom prst="rect">
+            <a:avLst/>
+          </a:prstGeom>
+          <a:noFill/>
+        </p:spPr>
+        <p:txBody>
+          <a:bodyPr wrap="none" rtlCol="0">
+            <a:spAutoFit/>
+          </a:bodyPr>
+          <a:lstStyle/>
+          <a:p>
+            <a:r>
+              <a:rPr lang="zh-CN" altLang="en-US" sz="900" smtClean="0">
+                <a:solidFill>
+                  <a:schemeClr val="bg1"/>
+                </a:solidFill>
+                <a:latin typeface="+mj-ea"/>
+                <a:ea typeface="+mj-ea"/>
+              </a:rPr>
+              <a:t>实例化</a:t>
+            </a:r>
+            <a:endParaRPr lang="zh-CN" altLang="en-US" sz="900">
+              <a:solidFill>
+                <a:schemeClr val="bg1"/>
+              </a:solidFill>
+              <a:latin typeface="+mj-ea"/>
+              <a:ea typeface="+mj-ea"/>
+            </a:endParaRPr>
+          </a:p>
+        </p:txBody>
+      </p:sp>
+    </p:spTree>
+    <p:extLst>
+      <p:ext uri="{BB962C8B-B14F-4D97-AF65-F5344CB8AC3E}">
+        <p14:creationId xmlns:p14="http://schemas.microsoft.com/office/powerpoint/2010/main" val="1145679366"/>
       </p:ext>
     </p:extLst>
   </p:cSld>
